--- a/Final Portfolio - Template.pptx
+++ b/Final Portfolio - Template.pptx
@@ -1,30 +1,30 @@
 
 <file path=ppt/presentation.xml><?xml version="1.0" encoding="utf-8"?>
-<p:presentation xmlns:a="http://schemas.openxmlformats.org/drawingml/2006/main" xmlns:r="http://schemas.openxmlformats.org/officeDocument/2006/relationships" xmlns:mc="http://schemas.openxmlformats.org/markup-compatibility/2006" xmlns:mv="urn:schemas-microsoft-com:mac:vml" xmlns:p="http://schemas.openxmlformats.org/presentationml/2006/main" xmlns:c="http://schemas.openxmlformats.org/drawingml/2006/chart" xmlns:dgm="http://schemas.openxmlformats.org/drawingml/2006/diagram" xmlns:o="urn:schemas-microsoft-com:office:office" xmlns:v="urn:schemas-microsoft-com:vml" xmlns:pvml="urn:schemas-microsoft-com:office:powerpoint" xmlns:com="http://schemas.openxmlformats.org/drawingml/2006/compatibility" xmlns:p14="http://schemas.microsoft.com/office/powerpoint/2010/main" xmlns:p15="http://schemas.microsoft.com/office/powerpoint/2012/main" autoCompressPictures="0" strictFirstAndLastChars="0" saveSubsetFonts="1">
+<p:presentation xmlns:a="http://schemas.openxmlformats.org/drawingml/2006/main" xmlns:r="http://schemas.openxmlformats.org/officeDocument/2006/relationships" xmlns:p="http://schemas.openxmlformats.org/presentationml/2006/main" strictFirstAndLastChars="0" saveSubsetFonts="1" autoCompressPictures="0">
   <p:sldMasterIdLst>
-    <p:sldMasterId id="2147483654" r:id="rId3"/>
+    <p:sldMasterId id="2147483654" r:id="rId1"/>
   </p:sldMasterIdLst>
   <p:notesMasterIdLst>
-    <p:notesMasterId r:id="rId4"/>
+    <p:notesMasterId r:id="rId14"/>
   </p:notesMasterIdLst>
   <p:sldIdLst>
-    <p:sldId id="256" r:id="rId5"/>
-    <p:sldId id="257" r:id="rId6"/>
-    <p:sldId id="258" r:id="rId7"/>
-    <p:sldId id="259" r:id="rId8"/>
-    <p:sldId id="260" r:id="rId9"/>
-    <p:sldId id="261" r:id="rId10"/>
-    <p:sldId id="262" r:id="rId11"/>
-    <p:sldId id="263" r:id="rId12"/>
-    <p:sldId id="264" r:id="rId13"/>
-    <p:sldId id="265" r:id="rId14"/>
-    <p:sldId id="266" r:id="rId15"/>
-    <p:sldId id="267" r:id="rId16"/>
+    <p:sldId id="256" r:id="rId2"/>
+    <p:sldId id="257" r:id="rId3"/>
+    <p:sldId id="258" r:id="rId4"/>
+    <p:sldId id="259" r:id="rId5"/>
+    <p:sldId id="260" r:id="rId6"/>
+    <p:sldId id="261" r:id="rId7"/>
+    <p:sldId id="262" r:id="rId8"/>
+    <p:sldId id="263" r:id="rId9"/>
+    <p:sldId id="264" r:id="rId10"/>
+    <p:sldId id="265" r:id="rId11"/>
+    <p:sldId id="266" r:id="rId12"/>
+    <p:sldId id="267" r:id="rId13"/>
   </p:sldIdLst>
-  <p:sldSz cy="5143500" cx="9144000"/>
+  <p:sldSz cx="9144000" cy="5143500" type="screen16x9"/>
   <p:notesSz cx="6858000" cy="9144000"/>
   <p:defaultTextStyle>
-    <a:defPPr lvl="0" marR="0" rtl="0" algn="l">
+    <a:defPPr marR="0" lvl="0" algn="l" rtl="0">
       <a:lnSpc>
         <a:spcPct val="100000"/>
       </a:lnSpc>
@@ -35,7 +35,7 @@
         <a:spcPts val="0"/>
       </a:spcAft>
     </a:defPPr>
-    <a:lvl1pPr lvl="0" marR="0" rtl="0" algn="l">
+    <a:lvl1pPr marR="0" lvl="0" algn="l" rtl="0">
       <a:lnSpc>
         <a:spcPct val="100000"/>
       </a:lnSpc>
@@ -46,7 +46,7 @@
         <a:spcPts val="0"/>
       </a:spcAft>
       <a:buNone/>
-      <a:defRPr b="0" i="0" sz="1400" u="none" cap="none" strike="noStrike">
+      <a:defRPr sz="1400" b="0" i="0" u="none" strike="noStrike" cap="none">
         <a:solidFill>
           <a:srgbClr val="000000"/>
         </a:solidFill>
@@ -56,7 +56,7 @@
         <a:sym typeface="Arial"/>
       </a:defRPr>
     </a:lvl1pPr>
-    <a:lvl2pPr lvl="1" marR="0" rtl="0" algn="l">
+    <a:lvl2pPr marR="0" lvl="1" algn="l" rtl="0">
       <a:lnSpc>
         <a:spcPct val="100000"/>
       </a:lnSpc>
@@ -67,7 +67,7 @@
         <a:spcPts val="0"/>
       </a:spcAft>
       <a:buNone/>
-      <a:defRPr b="0" i="0" sz="1400" u="none" cap="none" strike="noStrike">
+      <a:defRPr sz="1400" b="0" i="0" u="none" strike="noStrike" cap="none">
         <a:solidFill>
           <a:srgbClr val="000000"/>
         </a:solidFill>
@@ -77,7 +77,7 @@
         <a:sym typeface="Arial"/>
       </a:defRPr>
     </a:lvl2pPr>
-    <a:lvl3pPr lvl="2" marR="0" rtl="0" algn="l">
+    <a:lvl3pPr marR="0" lvl="2" algn="l" rtl="0">
       <a:lnSpc>
         <a:spcPct val="100000"/>
       </a:lnSpc>
@@ -88,7 +88,7 @@
         <a:spcPts val="0"/>
       </a:spcAft>
       <a:buNone/>
-      <a:defRPr b="0" i="0" sz="1400" u="none" cap="none" strike="noStrike">
+      <a:defRPr sz="1400" b="0" i="0" u="none" strike="noStrike" cap="none">
         <a:solidFill>
           <a:srgbClr val="000000"/>
         </a:solidFill>
@@ -98,7 +98,7 @@
         <a:sym typeface="Arial"/>
       </a:defRPr>
     </a:lvl3pPr>
-    <a:lvl4pPr lvl="3" marR="0" rtl="0" algn="l">
+    <a:lvl4pPr marR="0" lvl="3" algn="l" rtl="0">
       <a:lnSpc>
         <a:spcPct val="100000"/>
       </a:lnSpc>
@@ -109,7 +109,7 @@
         <a:spcPts val="0"/>
       </a:spcAft>
       <a:buNone/>
-      <a:defRPr b="0" i="0" sz="1400" u="none" cap="none" strike="noStrike">
+      <a:defRPr sz="1400" b="0" i="0" u="none" strike="noStrike" cap="none">
         <a:solidFill>
           <a:srgbClr val="000000"/>
         </a:solidFill>
@@ -119,7 +119,7 @@
         <a:sym typeface="Arial"/>
       </a:defRPr>
     </a:lvl4pPr>
-    <a:lvl5pPr lvl="4" marR="0" rtl="0" algn="l">
+    <a:lvl5pPr marR="0" lvl="4" algn="l" rtl="0">
       <a:lnSpc>
         <a:spcPct val="100000"/>
       </a:lnSpc>
@@ -130,7 +130,7 @@
         <a:spcPts val="0"/>
       </a:spcAft>
       <a:buNone/>
-      <a:defRPr b="0" i="0" sz="1400" u="none" cap="none" strike="noStrike">
+      <a:defRPr sz="1400" b="0" i="0" u="none" strike="noStrike" cap="none">
         <a:solidFill>
           <a:srgbClr val="000000"/>
         </a:solidFill>
@@ -140,7 +140,7 @@
         <a:sym typeface="Arial"/>
       </a:defRPr>
     </a:lvl5pPr>
-    <a:lvl6pPr lvl="5" marR="0" rtl="0" algn="l">
+    <a:lvl6pPr marR="0" lvl="5" algn="l" rtl="0">
       <a:lnSpc>
         <a:spcPct val="100000"/>
       </a:lnSpc>
@@ -151,7 +151,7 @@
         <a:spcPts val="0"/>
       </a:spcAft>
       <a:buNone/>
-      <a:defRPr b="0" i="0" sz="1400" u="none" cap="none" strike="noStrike">
+      <a:defRPr sz="1400" b="0" i="0" u="none" strike="noStrike" cap="none">
         <a:solidFill>
           <a:srgbClr val="000000"/>
         </a:solidFill>
@@ -161,7 +161,7 @@
         <a:sym typeface="Arial"/>
       </a:defRPr>
     </a:lvl6pPr>
-    <a:lvl7pPr lvl="6" marR="0" rtl="0" algn="l">
+    <a:lvl7pPr marR="0" lvl="6" algn="l" rtl="0">
       <a:lnSpc>
         <a:spcPct val="100000"/>
       </a:lnSpc>
@@ -172,7 +172,7 @@
         <a:spcPts val="0"/>
       </a:spcAft>
       <a:buNone/>
-      <a:defRPr b="0" i="0" sz="1400" u="none" cap="none" strike="noStrike">
+      <a:defRPr sz="1400" b="0" i="0" u="none" strike="noStrike" cap="none">
         <a:solidFill>
           <a:srgbClr val="000000"/>
         </a:solidFill>
@@ -182,7 +182,7 @@
         <a:sym typeface="Arial"/>
       </a:defRPr>
     </a:lvl7pPr>
-    <a:lvl8pPr lvl="7" marR="0" rtl="0" algn="l">
+    <a:lvl8pPr marR="0" lvl="7" algn="l" rtl="0">
       <a:lnSpc>
         <a:spcPct val="100000"/>
       </a:lnSpc>
@@ -193,7 +193,7 @@
         <a:spcPts val="0"/>
       </a:spcAft>
       <a:buNone/>
-      <a:defRPr b="0" i="0" sz="1400" u="none" cap="none" strike="noStrike">
+      <a:defRPr sz="1400" b="0" i="0" u="none" strike="noStrike" cap="none">
         <a:solidFill>
           <a:srgbClr val="000000"/>
         </a:solidFill>
@@ -203,7 +203,7 @@
         <a:sym typeface="Arial"/>
       </a:defRPr>
     </a:lvl8pPr>
-    <a:lvl9pPr lvl="8" marR="0" rtl="0" algn="l">
+    <a:lvl9pPr marR="0" lvl="8" algn="l" rtl="0">
       <a:lnSpc>
         <a:spcPct val="100000"/>
       </a:lnSpc>
@@ -214,7 +214,7 @@
         <a:spcPts val="0"/>
       </a:spcAft>
       <a:buNone/>
-      <a:defRPr b="0" i="0" sz="1400" u="none" cap="none" strike="noStrike">
+      <a:defRPr sz="1400" b="0" i="0" u="none" strike="noStrike" cap="none">
         <a:solidFill>
           <a:srgbClr val="000000"/>
         </a:solidFill>
@@ -229,11 +229,16 @@
 </file>
 
 <file path=ppt/notesMasters/notesMaster1.xml><?xml version="1.0" encoding="utf-8"?>
-<p:notesMaster xmlns:a="http://schemas.openxmlformats.org/drawingml/2006/main" xmlns:r="http://schemas.openxmlformats.org/officeDocument/2006/relationships" xmlns:mc="http://schemas.openxmlformats.org/markup-compatibility/2006" xmlns:mv="urn:schemas-microsoft-com:mac:vml" xmlns:p="http://schemas.openxmlformats.org/presentationml/2006/main" xmlns:c="http://schemas.openxmlformats.org/drawingml/2006/chart" xmlns:dgm="http://schemas.openxmlformats.org/drawingml/2006/diagram" xmlns:o="urn:schemas-microsoft-com:office:office" xmlns:v="urn:schemas-microsoft-com:vml" xmlns:pvml="urn:schemas-microsoft-com:office:powerpoint" xmlns:com="http://schemas.openxmlformats.org/drawingml/2006/compatibility" xmlns:p14="http://schemas.microsoft.com/office/powerpoint/2010/main" xmlns:p15="http://schemas.microsoft.com/office/powerpoint/2012/main">
+<p:notesMaster xmlns:a="http://schemas.openxmlformats.org/drawingml/2006/main" xmlns:r="http://schemas.openxmlformats.org/officeDocument/2006/relationships" xmlns:p="http://schemas.openxmlformats.org/presentationml/2006/main">
   <p:cSld>
+    <p:bg>
+      <p:bgRef idx="1001">
+        <a:schemeClr val="bg1"/>
+      </p:bgRef>
+    </p:bg>
     <p:spTree>
       <p:nvGrpSpPr>
-        <p:cNvPr id="2" name="Shape 2"/>
+        <p:cNvPr id="1" name="Shape 2"/>
         <p:cNvGrpSpPr/>
         <p:nvPr/>
       </p:nvGrpSpPr>
@@ -248,9 +253,11 @@
       <p:sp>
         <p:nvSpPr>
           <p:cNvPr id="3" name="Shape 3"/>
-          <p:cNvSpPr/>
+          <p:cNvSpPr>
+            <a:spLocks noGrp="1" noRot="1" noChangeAspect="1"/>
+          </p:cNvSpPr>
           <p:nvPr>
-            <p:ph idx="2" type="sldImg"/>
+            <p:ph type="sldImg" idx="2"/>
           </p:nvPr>
         </p:nvSpPr>
         <p:spPr>
@@ -259,8 +266,13 @@
             <a:ext cx="6096300" cy="3429000"/>
           </a:xfrm>
           <a:custGeom>
+            <a:avLst/>
+            <a:gdLst/>
+            <a:ahLst/>
+            <a:cxnLst/>
+            <a:rect l="0" t="0" r="0" b="0"/>
             <a:pathLst>
-              <a:path extrusionOk="0" h="120000" w="120000">
+              <a:path w="120000" h="120000" extrusionOk="0">
                 <a:moveTo>
                   <a:pt x="0" y="0"/>
                 </a:moveTo>
@@ -278,23 +290,25 @@
             </a:pathLst>
           </a:custGeom>
           <a:noFill/>
-          <a:ln cap="flat" cmpd="sng" w="9525">
+          <a:ln w="9525" cap="flat" cmpd="sng">
             <a:solidFill>
               <a:srgbClr val="000000"/>
             </a:solidFill>
             <a:prstDash val="solid"/>
             <a:round/>
-            <a:headEnd len="med" w="med" type="none"/>
-            <a:tailEnd len="med" w="med" type="none"/>
+            <a:headEnd type="none" w="med" len="med"/>
+            <a:tailEnd type="none" w="med" len="med"/>
           </a:ln>
         </p:spPr>
       </p:sp>
       <p:sp>
         <p:nvSpPr>
           <p:cNvPr id="4" name="Shape 4"/>
-          <p:cNvSpPr txBox="1"/>
+          <p:cNvSpPr txBox="1">
+            <a:spLocks noGrp="1"/>
+          </p:cNvSpPr>
           <p:nvPr>
-            <p:ph idx="1" type="body"/>
+            <p:ph type="body" idx="1"/>
           </p:nvPr>
         </p:nvSpPr>
         <p:spPr>
@@ -311,7 +325,7 @@
           </a:ln>
         </p:spPr>
         <p:txBody>
-          <a:bodyPr anchorCtr="0" anchor="t" bIns="91425" lIns="91425" rIns="91425" wrap="square" tIns="91425"/>
+          <a:bodyPr wrap="square" lIns="91425" tIns="91425" rIns="91425" bIns="91425" anchor="t" anchorCtr="0"/>
           <a:lstStyle>
             <a:lvl1pPr lvl="0">
               <a:spcBef>
@@ -386,21 +400,120 @@
               <a:defRPr sz="1100"/>
             </a:lvl9pPr>
           </a:lstStyle>
-          <a:p/>
+          <a:p>
+            <a:endParaRPr/>
+          </a:p>
         </p:txBody>
       </p:sp>
     </p:spTree>
+    <p:extLst>
+      <p:ext uri="{BB962C8B-B14F-4D97-AF65-F5344CB8AC3E}">
+        <p14:creationId xmlns:p14="http://schemas.microsoft.com/office/powerpoint/2010/main" val="3803241973"/>
+      </p:ext>
+    </p:extLst>
   </p:cSld>
-  <p:clrMap accent1="accent1" accent2="accent2" accent3="accent3" accent4="accent4" accent5="accent5" accent6="accent6" bg1="lt1" bg2="dk2" tx1="dk1" tx2="lt2" folHlink="folHlink" hlink="hlink"/>
+  <p:clrMap bg1="lt1" tx1="dk1" bg2="dk2" tx2="lt2" accent1="accent1" accent2="accent2" accent3="accent3" accent4="accent4" accent5="accent5" accent6="accent6" hlink="hlink" folHlink="folHlink"/>
+  <p:notesStyle>
+    <a:lvl1pPr marL="0" algn="l" defTabSz="914400" rtl="0" eaLnBrk="1" latinLnBrk="0" hangingPunct="1">
+      <a:defRPr sz="1200" kern="1200">
+        <a:solidFill>
+          <a:schemeClr val="tx1"/>
+        </a:solidFill>
+        <a:latin typeface="+mn-lt"/>
+        <a:ea typeface="+mn-ea"/>
+        <a:cs typeface="+mn-cs"/>
+      </a:defRPr>
+    </a:lvl1pPr>
+    <a:lvl2pPr marL="457200" algn="l" defTabSz="914400" rtl="0" eaLnBrk="1" latinLnBrk="0" hangingPunct="1">
+      <a:defRPr sz="1200" kern="1200">
+        <a:solidFill>
+          <a:schemeClr val="tx1"/>
+        </a:solidFill>
+        <a:latin typeface="+mn-lt"/>
+        <a:ea typeface="+mn-ea"/>
+        <a:cs typeface="+mn-cs"/>
+      </a:defRPr>
+    </a:lvl2pPr>
+    <a:lvl3pPr marL="914400" algn="l" defTabSz="914400" rtl="0" eaLnBrk="1" latinLnBrk="0" hangingPunct="1">
+      <a:defRPr sz="1200" kern="1200">
+        <a:solidFill>
+          <a:schemeClr val="tx1"/>
+        </a:solidFill>
+        <a:latin typeface="+mn-lt"/>
+        <a:ea typeface="+mn-ea"/>
+        <a:cs typeface="+mn-cs"/>
+      </a:defRPr>
+    </a:lvl3pPr>
+    <a:lvl4pPr marL="1371600" algn="l" defTabSz="914400" rtl="0" eaLnBrk="1" latinLnBrk="0" hangingPunct="1">
+      <a:defRPr sz="1200" kern="1200">
+        <a:solidFill>
+          <a:schemeClr val="tx1"/>
+        </a:solidFill>
+        <a:latin typeface="+mn-lt"/>
+        <a:ea typeface="+mn-ea"/>
+        <a:cs typeface="+mn-cs"/>
+      </a:defRPr>
+    </a:lvl4pPr>
+    <a:lvl5pPr marL="1828800" algn="l" defTabSz="914400" rtl="0" eaLnBrk="1" latinLnBrk="0" hangingPunct="1">
+      <a:defRPr sz="1200" kern="1200">
+        <a:solidFill>
+          <a:schemeClr val="tx1"/>
+        </a:solidFill>
+        <a:latin typeface="+mn-lt"/>
+        <a:ea typeface="+mn-ea"/>
+        <a:cs typeface="+mn-cs"/>
+      </a:defRPr>
+    </a:lvl5pPr>
+    <a:lvl6pPr marL="2286000" algn="l" defTabSz="914400" rtl="0" eaLnBrk="1" latinLnBrk="0" hangingPunct="1">
+      <a:defRPr sz="1200" kern="1200">
+        <a:solidFill>
+          <a:schemeClr val="tx1"/>
+        </a:solidFill>
+        <a:latin typeface="+mn-lt"/>
+        <a:ea typeface="+mn-ea"/>
+        <a:cs typeface="+mn-cs"/>
+      </a:defRPr>
+    </a:lvl6pPr>
+    <a:lvl7pPr marL="2743200" algn="l" defTabSz="914400" rtl="0" eaLnBrk="1" latinLnBrk="0" hangingPunct="1">
+      <a:defRPr sz="1200" kern="1200">
+        <a:solidFill>
+          <a:schemeClr val="tx1"/>
+        </a:solidFill>
+        <a:latin typeface="+mn-lt"/>
+        <a:ea typeface="+mn-ea"/>
+        <a:cs typeface="+mn-cs"/>
+      </a:defRPr>
+    </a:lvl7pPr>
+    <a:lvl8pPr marL="3200400" algn="l" defTabSz="914400" rtl="0" eaLnBrk="1" latinLnBrk="0" hangingPunct="1">
+      <a:defRPr sz="1200" kern="1200">
+        <a:solidFill>
+          <a:schemeClr val="tx1"/>
+        </a:solidFill>
+        <a:latin typeface="+mn-lt"/>
+        <a:ea typeface="+mn-ea"/>
+        <a:cs typeface="+mn-cs"/>
+      </a:defRPr>
+    </a:lvl8pPr>
+    <a:lvl9pPr marL="3657600" algn="l" defTabSz="914400" rtl="0" eaLnBrk="1" latinLnBrk="0" hangingPunct="1">
+      <a:defRPr sz="1200" kern="1200">
+        <a:solidFill>
+          <a:schemeClr val="tx1"/>
+        </a:solidFill>
+        <a:latin typeface="+mn-lt"/>
+        <a:ea typeface="+mn-ea"/>
+        <a:cs typeface="+mn-cs"/>
+      </a:defRPr>
+    </a:lvl9pPr>
+  </p:notesStyle>
 </p:notesMaster>
 </file>
 
 <file path=ppt/notesSlides/notesSlide1.xml><?xml version="1.0" encoding="utf-8"?>
-<p:notes xmlns:a="http://schemas.openxmlformats.org/drawingml/2006/main" xmlns:r="http://schemas.openxmlformats.org/officeDocument/2006/relationships" xmlns:mc="http://schemas.openxmlformats.org/markup-compatibility/2006" xmlns:mv="urn:schemas-microsoft-com:mac:vml" xmlns:p="http://schemas.openxmlformats.org/presentationml/2006/main" xmlns:c="http://schemas.openxmlformats.org/drawingml/2006/chart" xmlns:dgm="http://schemas.openxmlformats.org/drawingml/2006/diagram" xmlns:o="urn:schemas-microsoft-com:office:office" xmlns:v="urn:schemas-microsoft-com:vml" xmlns:pvml="urn:schemas-microsoft-com:office:powerpoint" xmlns:com="http://schemas.openxmlformats.org/drawingml/2006/compatibility" xmlns:p14="http://schemas.microsoft.com/office/powerpoint/2010/main" xmlns:p15="http://schemas.microsoft.com/office/powerpoint/2012/main" showMasterPhAnim="0" showMasterSp="0">
+<p:notes xmlns:a="http://schemas.openxmlformats.org/drawingml/2006/main" xmlns:r="http://schemas.openxmlformats.org/officeDocument/2006/relationships" xmlns:p="http://schemas.openxmlformats.org/presentationml/2006/main" showMasterSp="0" showMasterPhAnim="0">
   <p:cSld>
     <p:spTree>
       <p:nvGrpSpPr>
-        <p:cNvPr id="70" name="Shape 70"/>
+        <p:cNvPr id="1" name="Shape 70"/>
         <p:cNvGrpSpPr/>
         <p:nvPr/>
       </p:nvGrpSpPr>
@@ -415,19 +528,26 @@
       <p:sp>
         <p:nvSpPr>
           <p:cNvPr id="71" name="Shape 71"/>
-          <p:cNvSpPr/>
+          <p:cNvSpPr>
+            <a:spLocks noGrp="1" noRot="1" noChangeAspect="1"/>
+          </p:cNvSpPr>
           <p:nvPr>
-            <p:ph idx="2" type="sldImg"/>
+            <p:ph type="sldImg" idx="2"/>
           </p:nvPr>
         </p:nvSpPr>
         <p:spPr>
           <a:xfrm>
-            <a:off x="381187" y="685800"/>
-            <a:ext cx="6096300" cy="3429000"/>
+            <a:off x="381000" y="685800"/>
+            <a:ext cx="6096000" cy="3429000"/>
           </a:xfrm>
           <a:custGeom>
+            <a:avLst/>
+            <a:gdLst/>
+            <a:ahLst/>
+            <a:cxnLst/>
+            <a:rect l="0" t="0" r="0" b="0"/>
             <a:pathLst>
-              <a:path extrusionOk="0" h="120000" w="120000">
+              <a:path w="120000" h="120000" extrusionOk="0">
                 <a:moveTo>
                   <a:pt x="0" y="0"/>
                 </a:moveTo>
@@ -449,9 +569,11 @@
       <p:sp>
         <p:nvSpPr>
           <p:cNvPr id="72" name="Shape 72"/>
-          <p:cNvSpPr txBox="1"/>
+          <p:cNvSpPr txBox="1">
+            <a:spLocks noGrp="1"/>
+          </p:cNvSpPr>
           <p:nvPr>
-            <p:ph idx="1" type="body"/>
+            <p:ph type="body" idx="1"/>
           </p:nvPr>
         </p:nvSpPr>
         <p:spPr>
@@ -464,20 +586,17 @@
           </a:prstGeom>
         </p:spPr>
         <p:txBody>
-          <a:bodyPr anchorCtr="0" anchor="t" bIns="91425" lIns="91425" rIns="91425" wrap="square" tIns="91425">
+          <a:bodyPr wrap="square" lIns="91425" tIns="91425" rIns="91425" bIns="91425" anchor="t" anchorCtr="0">
             <a:noAutofit/>
           </a:bodyPr>
           <a:lstStyle/>
           <a:p>
-            <a:pPr indent="0" lvl="0" marL="0">
+            <a:pPr marL="0" lvl="0" indent="0">
               <a:spcBef>
                 <a:spcPts val="0"/>
               </a:spcBef>
               <a:buNone/>
             </a:pPr>
-            <a:r>
-              <a:t/>
-            </a:r>
             <a:endParaRPr/>
           </a:p>
         </p:txBody>
@@ -491,11 +610,11 @@
 </file>
 
 <file path=ppt/notesSlides/notesSlide10.xml><?xml version="1.0" encoding="utf-8"?>
-<p:notes xmlns:a="http://schemas.openxmlformats.org/drawingml/2006/main" xmlns:r="http://schemas.openxmlformats.org/officeDocument/2006/relationships" xmlns:mc="http://schemas.openxmlformats.org/markup-compatibility/2006" xmlns:mv="urn:schemas-microsoft-com:mac:vml" xmlns:p="http://schemas.openxmlformats.org/presentationml/2006/main" xmlns:c="http://schemas.openxmlformats.org/drawingml/2006/chart" xmlns:dgm="http://schemas.openxmlformats.org/drawingml/2006/diagram" xmlns:o="urn:schemas-microsoft-com:office:office" xmlns:v="urn:schemas-microsoft-com:vml" xmlns:pvml="urn:schemas-microsoft-com:office:powerpoint" xmlns:com="http://schemas.openxmlformats.org/drawingml/2006/compatibility" xmlns:p14="http://schemas.microsoft.com/office/powerpoint/2010/main" xmlns:p15="http://schemas.microsoft.com/office/powerpoint/2012/main" showMasterPhAnim="0" showMasterSp="0">
+<p:notes xmlns:a="http://schemas.openxmlformats.org/drawingml/2006/main" xmlns:r="http://schemas.openxmlformats.org/officeDocument/2006/relationships" xmlns:p="http://schemas.openxmlformats.org/presentationml/2006/main" showMasterSp="0" showMasterPhAnim="0">
   <p:cSld>
     <p:spTree>
       <p:nvGrpSpPr>
-        <p:cNvPr id="130" name="Shape 130"/>
+        <p:cNvPr id="1" name="Shape 130"/>
         <p:cNvGrpSpPr/>
         <p:nvPr/>
       </p:nvGrpSpPr>
@@ -510,19 +629,26 @@
       <p:sp>
         <p:nvSpPr>
           <p:cNvPr id="131" name="Shape 131"/>
-          <p:cNvSpPr/>
+          <p:cNvSpPr>
+            <a:spLocks noGrp="1" noRot="1" noChangeAspect="1"/>
+          </p:cNvSpPr>
           <p:nvPr>
-            <p:ph idx="2" type="sldImg"/>
+            <p:ph type="sldImg" idx="2"/>
           </p:nvPr>
         </p:nvSpPr>
         <p:spPr>
           <a:xfrm>
-            <a:off x="381175" y="685800"/>
-            <a:ext cx="6096300" cy="3429000"/>
+            <a:off x="381000" y="685800"/>
+            <a:ext cx="6096000" cy="3429000"/>
           </a:xfrm>
           <a:custGeom>
+            <a:avLst/>
+            <a:gdLst/>
+            <a:ahLst/>
+            <a:cxnLst/>
+            <a:rect l="0" t="0" r="0" b="0"/>
             <a:pathLst>
-              <a:path extrusionOk="0" h="120000" w="120000">
+              <a:path w="120000" h="120000" extrusionOk="0">
                 <a:moveTo>
                   <a:pt x="0" y="0"/>
                 </a:moveTo>
@@ -544,9 +670,11 @@
       <p:sp>
         <p:nvSpPr>
           <p:cNvPr id="132" name="Shape 132"/>
-          <p:cNvSpPr txBox="1"/>
+          <p:cNvSpPr txBox="1">
+            <a:spLocks noGrp="1"/>
+          </p:cNvSpPr>
           <p:nvPr>
-            <p:ph idx="1" type="body"/>
+            <p:ph type="body" idx="1"/>
           </p:nvPr>
         </p:nvSpPr>
         <p:spPr>
@@ -559,20 +687,17 @@
           </a:prstGeom>
         </p:spPr>
         <p:txBody>
-          <a:bodyPr anchorCtr="0" anchor="t" bIns="91425" lIns="91425" rIns="91425" wrap="square" tIns="91425">
+          <a:bodyPr wrap="square" lIns="91425" tIns="91425" rIns="91425" bIns="91425" anchor="t" anchorCtr="0">
             <a:noAutofit/>
           </a:bodyPr>
           <a:lstStyle/>
           <a:p>
-            <a:pPr indent="0" lvl="0" marL="0">
+            <a:pPr marL="0" lvl="0" indent="0">
               <a:spcBef>
                 <a:spcPts val="0"/>
               </a:spcBef>
               <a:buNone/>
             </a:pPr>
-            <a:r>
-              <a:t/>
-            </a:r>
             <a:endParaRPr/>
           </a:p>
         </p:txBody>
@@ -586,11 +711,11 @@
 </file>
 
 <file path=ppt/notesSlides/notesSlide11.xml><?xml version="1.0" encoding="utf-8"?>
-<p:notes xmlns:a="http://schemas.openxmlformats.org/drawingml/2006/main" xmlns:r="http://schemas.openxmlformats.org/officeDocument/2006/relationships" xmlns:mc="http://schemas.openxmlformats.org/markup-compatibility/2006" xmlns:mv="urn:schemas-microsoft-com:mac:vml" xmlns:p="http://schemas.openxmlformats.org/presentationml/2006/main" xmlns:c="http://schemas.openxmlformats.org/drawingml/2006/chart" xmlns:dgm="http://schemas.openxmlformats.org/drawingml/2006/diagram" xmlns:o="urn:schemas-microsoft-com:office:office" xmlns:v="urn:schemas-microsoft-com:vml" xmlns:pvml="urn:schemas-microsoft-com:office:powerpoint" xmlns:com="http://schemas.openxmlformats.org/drawingml/2006/compatibility" xmlns:p14="http://schemas.microsoft.com/office/powerpoint/2010/main" xmlns:p15="http://schemas.microsoft.com/office/powerpoint/2012/main" showMasterPhAnim="0" showMasterSp="0">
+<p:notes xmlns:a="http://schemas.openxmlformats.org/drawingml/2006/main" xmlns:r="http://schemas.openxmlformats.org/officeDocument/2006/relationships" xmlns:p="http://schemas.openxmlformats.org/presentationml/2006/main" showMasterSp="0" showMasterPhAnim="0">
   <p:cSld>
     <p:spTree>
       <p:nvGrpSpPr>
-        <p:cNvPr id="136" name="Shape 136"/>
+        <p:cNvPr id="1" name="Shape 136"/>
         <p:cNvGrpSpPr/>
         <p:nvPr/>
       </p:nvGrpSpPr>
@@ -605,19 +730,26 @@
       <p:sp>
         <p:nvSpPr>
           <p:cNvPr id="137" name="Shape 137"/>
-          <p:cNvSpPr/>
+          <p:cNvSpPr>
+            <a:spLocks noGrp="1" noRot="1" noChangeAspect="1"/>
+          </p:cNvSpPr>
           <p:nvPr>
-            <p:ph idx="2" type="sldImg"/>
+            <p:ph type="sldImg" idx="2"/>
           </p:nvPr>
         </p:nvSpPr>
         <p:spPr>
           <a:xfrm>
-            <a:off x="381175" y="685800"/>
-            <a:ext cx="6096300" cy="3429000"/>
+            <a:off x="381000" y="685800"/>
+            <a:ext cx="6096000" cy="3429000"/>
           </a:xfrm>
           <a:custGeom>
+            <a:avLst/>
+            <a:gdLst/>
+            <a:ahLst/>
+            <a:cxnLst/>
+            <a:rect l="0" t="0" r="0" b="0"/>
             <a:pathLst>
-              <a:path extrusionOk="0" h="120000" w="120000">
+              <a:path w="120000" h="120000" extrusionOk="0">
                 <a:moveTo>
                   <a:pt x="0" y="0"/>
                 </a:moveTo>
@@ -639,9 +771,11 @@
       <p:sp>
         <p:nvSpPr>
           <p:cNvPr id="138" name="Shape 138"/>
-          <p:cNvSpPr txBox="1"/>
+          <p:cNvSpPr txBox="1">
+            <a:spLocks noGrp="1"/>
+          </p:cNvSpPr>
           <p:nvPr>
-            <p:ph idx="1" type="body"/>
+            <p:ph type="body" idx="1"/>
           </p:nvPr>
         </p:nvSpPr>
         <p:spPr>
@@ -654,20 +788,17 @@
           </a:prstGeom>
         </p:spPr>
         <p:txBody>
-          <a:bodyPr anchorCtr="0" anchor="t" bIns="91425" lIns="91425" rIns="91425" wrap="square" tIns="91425">
+          <a:bodyPr wrap="square" lIns="91425" tIns="91425" rIns="91425" bIns="91425" anchor="t" anchorCtr="0">
             <a:noAutofit/>
           </a:bodyPr>
           <a:lstStyle/>
           <a:p>
-            <a:pPr indent="0" lvl="0" marL="0">
+            <a:pPr marL="0" lvl="0" indent="0">
               <a:spcBef>
                 <a:spcPts val="0"/>
               </a:spcBef>
               <a:buNone/>
             </a:pPr>
-            <a:r>
-              <a:t/>
-            </a:r>
             <a:endParaRPr/>
           </a:p>
         </p:txBody>
@@ -681,11 +812,11 @@
 </file>
 
 <file path=ppt/notesSlides/notesSlide12.xml><?xml version="1.0" encoding="utf-8"?>
-<p:notes xmlns:a="http://schemas.openxmlformats.org/drawingml/2006/main" xmlns:r="http://schemas.openxmlformats.org/officeDocument/2006/relationships" xmlns:mc="http://schemas.openxmlformats.org/markup-compatibility/2006" xmlns:mv="urn:schemas-microsoft-com:mac:vml" xmlns:p="http://schemas.openxmlformats.org/presentationml/2006/main" xmlns:c="http://schemas.openxmlformats.org/drawingml/2006/chart" xmlns:dgm="http://schemas.openxmlformats.org/drawingml/2006/diagram" xmlns:o="urn:schemas-microsoft-com:office:office" xmlns:v="urn:schemas-microsoft-com:vml" xmlns:pvml="urn:schemas-microsoft-com:office:powerpoint" xmlns:com="http://schemas.openxmlformats.org/drawingml/2006/compatibility" xmlns:p14="http://schemas.microsoft.com/office/powerpoint/2010/main" xmlns:p15="http://schemas.microsoft.com/office/powerpoint/2012/main" showMasterPhAnim="0" showMasterSp="0">
+<p:notes xmlns:a="http://schemas.openxmlformats.org/drawingml/2006/main" xmlns:r="http://schemas.openxmlformats.org/officeDocument/2006/relationships" xmlns:p="http://schemas.openxmlformats.org/presentationml/2006/main" showMasterSp="0" showMasterPhAnim="0">
   <p:cSld>
     <p:spTree>
       <p:nvGrpSpPr>
-        <p:cNvPr id="142" name="Shape 142"/>
+        <p:cNvPr id="1" name="Shape 142"/>
         <p:cNvGrpSpPr/>
         <p:nvPr/>
       </p:nvGrpSpPr>
@@ -700,19 +831,26 @@
       <p:sp>
         <p:nvSpPr>
           <p:cNvPr id="143" name="Shape 143"/>
-          <p:cNvSpPr/>
+          <p:cNvSpPr>
+            <a:spLocks noGrp="1" noRot="1" noChangeAspect="1"/>
+          </p:cNvSpPr>
           <p:nvPr>
-            <p:ph idx="2" type="sldImg"/>
+            <p:ph type="sldImg" idx="2"/>
           </p:nvPr>
         </p:nvSpPr>
         <p:spPr>
           <a:xfrm>
-            <a:off x="381175" y="685800"/>
-            <a:ext cx="6096300" cy="3429000"/>
+            <a:off x="381000" y="685800"/>
+            <a:ext cx="6096000" cy="3429000"/>
           </a:xfrm>
           <a:custGeom>
+            <a:avLst/>
+            <a:gdLst/>
+            <a:ahLst/>
+            <a:cxnLst/>
+            <a:rect l="0" t="0" r="0" b="0"/>
             <a:pathLst>
-              <a:path extrusionOk="0" h="120000" w="120000">
+              <a:path w="120000" h="120000" extrusionOk="0">
                 <a:moveTo>
                   <a:pt x="0" y="0"/>
                 </a:moveTo>
@@ -734,9 +872,11 @@
       <p:sp>
         <p:nvSpPr>
           <p:cNvPr id="144" name="Shape 144"/>
-          <p:cNvSpPr txBox="1"/>
+          <p:cNvSpPr txBox="1">
+            <a:spLocks noGrp="1"/>
+          </p:cNvSpPr>
           <p:nvPr>
-            <p:ph idx="1" type="body"/>
+            <p:ph type="body" idx="1"/>
           </p:nvPr>
         </p:nvSpPr>
         <p:spPr>
@@ -749,20 +889,17 @@
           </a:prstGeom>
         </p:spPr>
         <p:txBody>
-          <a:bodyPr anchorCtr="0" anchor="t" bIns="91425" lIns="91425" rIns="91425" wrap="square" tIns="91425">
+          <a:bodyPr wrap="square" lIns="91425" tIns="91425" rIns="91425" bIns="91425" anchor="t" anchorCtr="0">
             <a:noAutofit/>
           </a:bodyPr>
           <a:lstStyle/>
           <a:p>
-            <a:pPr indent="0" lvl="0" marL="0">
+            <a:pPr marL="0" lvl="0" indent="0">
               <a:spcBef>
                 <a:spcPts val="0"/>
               </a:spcBef>
               <a:buNone/>
             </a:pPr>
-            <a:r>
-              <a:t/>
-            </a:r>
             <a:endParaRPr/>
           </a:p>
         </p:txBody>
@@ -776,11 +913,11 @@
 </file>
 
 <file path=ppt/notesSlides/notesSlide2.xml><?xml version="1.0" encoding="utf-8"?>
-<p:notes xmlns:a="http://schemas.openxmlformats.org/drawingml/2006/main" xmlns:r="http://schemas.openxmlformats.org/officeDocument/2006/relationships" xmlns:mc="http://schemas.openxmlformats.org/markup-compatibility/2006" xmlns:mv="urn:schemas-microsoft-com:mac:vml" xmlns:p="http://schemas.openxmlformats.org/presentationml/2006/main" xmlns:c="http://schemas.openxmlformats.org/drawingml/2006/chart" xmlns:dgm="http://schemas.openxmlformats.org/drawingml/2006/diagram" xmlns:o="urn:schemas-microsoft-com:office:office" xmlns:v="urn:schemas-microsoft-com:vml" xmlns:pvml="urn:schemas-microsoft-com:office:powerpoint" xmlns:com="http://schemas.openxmlformats.org/drawingml/2006/compatibility" xmlns:p14="http://schemas.microsoft.com/office/powerpoint/2010/main" xmlns:p15="http://schemas.microsoft.com/office/powerpoint/2012/main" showMasterPhAnim="0" showMasterSp="0">
+<p:notes xmlns:a="http://schemas.openxmlformats.org/drawingml/2006/main" xmlns:r="http://schemas.openxmlformats.org/officeDocument/2006/relationships" xmlns:p="http://schemas.openxmlformats.org/presentationml/2006/main" showMasterSp="0" showMasterPhAnim="0">
   <p:cSld>
     <p:spTree>
       <p:nvGrpSpPr>
-        <p:cNvPr id="76" name="Shape 76"/>
+        <p:cNvPr id="1" name="Shape 76"/>
         <p:cNvGrpSpPr/>
         <p:nvPr/>
       </p:nvGrpSpPr>
@@ -795,19 +932,26 @@
       <p:sp>
         <p:nvSpPr>
           <p:cNvPr id="77" name="Shape 77"/>
-          <p:cNvSpPr/>
+          <p:cNvSpPr>
+            <a:spLocks noGrp="1" noRot="1" noChangeAspect="1"/>
+          </p:cNvSpPr>
           <p:nvPr>
-            <p:ph idx="2" type="sldImg"/>
+            <p:ph type="sldImg" idx="2"/>
           </p:nvPr>
         </p:nvSpPr>
         <p:spPr>
           <a:xfrm>
-            <a:off x="381175" y="685800"/>
-            <a:ext cx="6096300" cy="3429000"/>
+            <a:off x="381000" y="685800"/>
+            <a:ext cx="6096000" cy="3429000"/>
           </a:xfrm>
           <a:custGeom>
+            <a:avLst/>
+            <a:gdLst/>
+            <a:ahLst/>
+            <a:cxnLst/>
+            <a:rect l="0" t="0" r="0" b="0"/>
             <a:pathLst>
-              <a:path extrusionOk="0" h="120000" w="120000">
+              <a:path w="120000" h="120000" extrusionOk="0">
                 <a:moveTo>
                   <a:pt x="0" y="0"/>
                 </a:moveTo>
@@ -829,9 +973,11 @@
       <p:sp>
         <p:nvSpPr>
           <p:cNvPr id="78" name="Shape 78"/>
-          <p:cNvSpPr txBox="1"/>
+          <p:cNvSpPr txBox="1">
+            <a:spLocks noGrp="1"/>
+          </p:cNvSpPr>
           <p:nvPr>
-            <p:ph idx="1" type="body"/>
+            <p:ph type="body" idx="1"/>
           </p:nvPr>
         </p:nvSpPr>
         <p:spPr>
@@ -844,20 +990,17 @@
           </a:prstGeom>
         </p:spPr>
         <p:txBody>
-          <a:bodyPr anchorCtr="0" anchor="t" bIns="91425" lIns="91425" rIns="91425" wrap="square" tIns="91425">
+          <a:bodyPr wrap="square" lIns="91425" tIns="91425" rIns="91425" bIns="91425" anchor="t" anchorCtr="0">
             <a:noAutofit/>
           </a:bodyPr>
           <a:lstStyle/>
           <a:p>
-            <a:pPr indent="0" lvl="0" marL="0">
+            <a:pPr marL="0" lvl="0" indent="0">
               <a:spcBef>
                 <a:spcPts val="0"/>
               </a:spcBef>
               <a:buNone/>
             </a:pPr>
-            <a:r>
-              <a:t/>
-            </a:r>
             <a:endParaRPr/>
           </a:p>
         </p:txBody>
@@ -871,11 +1014,11 @@
 </file>
 
 <file path=ppt/notesSlides/notesSlide3.xml><?xml version="1.0" encoding="utf-8"?>
-<p:notes xmlns:a="http://schemas.openxmlformats.org/drawingml/2006/main" xmlns:r="http://schemas.openxmlformats.org/officeDocument/2006/relationships" xmlns:mc="http://schemas.openxmlformats.org/markup-compatibility/2006" xmlns:mv="urn:schemas-microsoft-com:mac:vml" xmlns:p="http://schemas.openxmlformats.org/presentationml/2006/main" xmlns:c="http://schemas.openxmlformats.org/drawingml/2006/chart" xmlns:dgm="http://schemas.openxmlformats.org/drawingml/2006/diagram" xmlns:o="urn:schemas-microsoft-com:office:office" xmlns:v="urn:schemas-microsoft-com:vml" xmlns:pvml="urn:schemas-microsoft-com:office:powerpoint" xmlns:com="http://schemas.openxmlformats.org/drawingml/2006/compatibility" xmlns:p14="http://schemas.microsoft.com/office/powerpoint/2010/main" xmlns:p15="http://schemas.microsoft.com/office/powerpoint/2012/main" showMasterPhAnim="0" showMasterSp="0">
+<p:notes xmlns:a="http://schemas.openxmlformats.org/drawingml/2006/main" xmlns:r="http://schemas.openxmlformats.org/officeDocument/2006/relationships" xmlns:p="http://schemas.openxmlformats.org/presentationml/2006/main" showMasterSp="0" showMasterPhAnim="0">
   <p:cSld>
     <p:spTree>
       <p:nvGrpSpPr>
-        <p:cNvPr id="83" name="Shape 83"/>
+        <p:cNvPr id="1" name="Shape 83"/>
         <p:cNvGrpSpPr/>
         <p:nvPr/>
       </p:nvGrpSpPr>
@@ -890,19 +1033,26 @@
       <p:sp>
         <p:nvSpPr>
           <p:cNvPr id="84" name="Shape 84"/>
-          <p:cNvSpPr/>
+          <p:cNvSpPr>
+            <a:spLocks noGrp="1" noRot="1" noChangeAspect="1"/>
+          </p:cNvSpPr>
           <p:nvPr>
-            <p:ph idx="2" type="sldImg"/>
+            <p:ph type="sldImg" idx="2"/>
           </p:nvPr>
         </p:nvSpPr>
         <p:spPr>
           <a:xfrm>
-            <a:off x="381175" y="685800"/>
-            <a:ext cx="6096300" cy="3429000"/>
+            <a:off x="381000" y="685800"/>
+            <a:ext cx="6096000" cy="3429000"/>
           </a:xfrm>
           <a:custGeom>
+            <a:avLst/>
+            <a:gdLst/>
+            <a:ahLst/>
+            <a:cxnLst/>
+            <a:rect l="0" t="0" r="0" b="0"/>
             <a:pathLst>
-              <a:path extrusionOk="0" h="120000" w="120000">
+              <a:path w="120000" h="120000" extrusionOk="0">
                 <a:moveTo>
                   <a:pt x="0" y="0"/>
                 </a:moveTo>
@@ -924,9 +1074,11 @@
       <p:sp>
         <p:nvSpPr>
           <p:cNvPr id="85" name="Shape 85"/>
-          <p:cNvSpPr txBox="1"/>
+          <p:cNvSpPr txBox="1">
+            <a:spLocks noGrp="1"/>
+          </p:cNvSpPr>
           <p:nvPr>
-            <p:ph idx="1" type="body"/>
+            <p:ph type="body" idx="1"/>
           </p:nvPr>
         </p:nvSpPr>
         <p:spPr>
@@ -939,20 +1091,17 @@
           </a:prstGeom>
         </p:spPr>
         <p:txBody>
-          <a:bodyPr anchorCtr="0" anchor="t" bIns="91425" lIns="91425" rIns="91425" wrap="square" tIns="91425">
+          <a:bodyPr wrap="square" lIns="91425" tIns="91425" rIns="91425" bIns="91425" anchor="t" anchorCtr="0">
             <a:noAutofit/>
           </a:bodyPr>
           <a:lstStyle/>
           <a:p>
-            <a:pPr indent="0" lvl="0" marL="0">
+            <a:pPr marL="0" lvl="0" indent="0">
               <a:spcBef>
                 <a:spcPts val="0"/>
               </a:spcBef>
               <a:buNone/>
             </a:pPr>
-            <a:r>
-              <a:t/>
-            </a:r>
             <a:endParaRPr/>
           </a:p>
         </p:txBody>
@@ -966,11 +1115,11 @@
 </file>
 
 <file path=ppt/notesSlides/notesSlide4.xml><?xml version="1.0" encoding="utf-8"?>
-<p:notes xmlns:a="http://schemas.openxmlformats.org/drawingml/2006/main" xmlns:r="http://schemas.openxmlformats.org/officeDocument/2006/relationships" xmlns:mc="http://schemas.openxmlformats.org/markup-compatibility/2006" xmlns:mv="urn:schemas-microsoft-com:mac:vml" xmlns:p="http://schemas.openxmlformats.org/presentationml/2006/main" xmlns:c="http://schemas.openxmlformats.org/drawingml/2006/chart" xmlns:dgm="http://schemas.openxmlformats.org/drawingml/2006/diagram" xmlns:o="urn:schemas-microsoft-com:office:office" xmlns:v="urn:schemas-microsoft-com:vml" xmlns:pvml="urn:schemas-microsoft-com:office:powerpoint" xmlns:com="http://schemas.openxmlformats.org/drawingml/2006/compatibility" xmlns:p14="http://schemas.microsoft.com/office/powerpoint/2010/main" xmlns:p15="http://schemas.microsoft.com/office/powerpoint/2012/main" showMasterPhAnim="0" showMasterSp="0">
+<p:notes xmlns:a="http://schemas.openxmlformats.org/drawingml/2006/main" xmlns:r="http://schemas.openxmlformats.org/officeDocument/2006/relationships" xmlns:p="http://schemas.openxmlformats.org/presentationml/2006/main" showMasterSp="0" showMasterPhAnim="0">
   <p:cSld>
     <p:spTree>
       <p:nvGrpSpPr>
-        <p:cNvPr id="90" name="Shape 90"/>
+        <p:cNvPr id="1" name="Shape 90"/>
         <p:cNvGrpSpPr/>
         <p:nvPr/>
       </p:nvGrpSpPr>
@@ -985,19 +1134,26 @@
       <p:sp>
         <p:nvSpPr>
           <p:cNvPr id="91" name="Shape 91"/>
-          <p:cNvSpPr/>
+          <p:cNvSpPr>
+            <a:spLocks noGrp="1" noRot="1" noChangeAspect="1"/>
+          </p:cNvSpPr>
           <p:nvPr>
-            <p:ph idx="2" type="sldImg"/>
+            <p:ph type="sldImg" idx="2"/>
           </p:nvPr>
         </p:nvSpPr>
         <p:spPr>
           <a:xfrm>
-            <a:off x="381175" y="685800"/>
-            <a:ext cx="6096300" cy="3429000"/>
+            <a:off x="381000" y="685800"/>
+            <a:ext cx="6096000" cy="3429000"/>
           </a:xfrm>
           <a:custGeom>
+            <a:avLst/>
+            <a:gdLst/>
+            <a:ahLst/>
+            <a:cxnLst/>
+            <a:rect l="0" t="0" r="0" b="0"/>
             <a:pathLst>
-              <a:path extrusionOk="0" h="120000" w="120000">
+              <a:path w="120000" h="120000" extrusionOk="0">
                 <a:moveTo>
                   <a:pt x="0" y="0"/>
                 </a:moveTo>
@@ -1019,9 +1175,11 @@
       <p:sp>
         <p:nvSpPr>
           <p:cNvPr id="92" name="Shape 92"/>
-          <p:cNvSpPr txBox="1"/>
+          <p:cNvSpPr txBox="1">
+            <a:spLocks noGrp="1"/>
+          </p:cNvSpPr>
           <p:nvPr>
-            <p:ph idx="1" type="body"/>
+            <p:ph type="body" idx="1"/>
           </p:nvPr>
         </p:nvSpPr>
         <p:spPr>
@@ -1034,20 +1192,17 @@
           </a:prstGeom>
         </p:spPr>
         <p:txBody>
-          <a:bodyPr anchorCtr="0" anchor="t" bIns="91425" lIns="91425" rIns="91425" wrap="square" tIns="91425">
+          <a:bodyPr wrap="square" lIns="91425" tIns="91425" rIns="91425" bIns="91425" anchor="t" anchorCtr="0">
             <a:noAutofit/>
           </a:bodyPr>
           <a:lstStyle/>
           <a:p>
-            <a:pPr indent="0" lvl="0" marL="0">
+            <a:pPr marL="0" lvl="0" indent="0">
               <a:spcBef>
                 <a:spcPts val="0"/>
               </a:spcBef>
               <a:buNone/>
             </a:pPr>
-            <a:r>
-              <a:t/>
-            </a:r>
             <a:endParaRPr/>
           </a:p>
         </p:txBody>
@@ -1061,11 +1216,11 @@
 </file>
 
 <file path=ppt/notesSlides/notesSlide5.xml><?xml version="1.0" encoding="utf-8"?>
-<p:notes xmlns:a="http://schemas.openxmlformats.org/drawingml/2006/main" xmlns:r="http://schemas.openxmlformats.org/officeDocument/2006/relationships" xmlns:mc="http://schemas.openxmlformats.org/markup-compatibility/2006" xmlns:mv="urn:schemas-microsoft-com:mac:vml" xmlns:p="http://schemas.openxmlformats.org/presentationml/2006/main" xmlns:c="http://schemas.openxmlformats.org/drawingml/2006/chart" xmlns:dgm="http://schemas.openxmlformats.org/drawingml/2006/diagram" xmlns:o="urn:schemas-microsoft-com:office:office" xmlns:v="urn:schemas-microsoft-com:vml" xmlns:pvml="urn:schemas-microsoft-com:office:powerpoint" xmlns:com="http://schemas.openxmlformats.org/drawingml/2006/compatibility" xmlns:p14="http://schemas.microsoft.com/office/powerpoint/2010/main" xmlns:p15="http://schemas.microsoft.com/office/powerpoint/2012/main" showMasterPhAnim="0" showMasterSp="0">
+<p:notes xmlns:a="http://schemas.openxmlformats.org/drawingml/2006/main" xmlns:r="http://schemas.openxmlformats.org/officeDocument/2006/relationships" xmlns:p="http://schemas.openxmlformats.org/presentationml/2006/main" showMasterSp="0" showMasterPhAnim="0">
   <p:cSld>
     <p:spTree>
       <p:nvGrpSpPr>
-        <p:cNvPr id="100" name="Shape 100"/>
+        <p:cNvPr id="1" name="Shape 100"/>
         <p:cNvGrpSpPr/>
         <p:nvPr/>
       </p:nvGrpSpPr>
@@ -1080,19 +1235,26 @@
       <p:sp>
         <p:nvSpPr>
           <p:cNvPr id="101" name="Shape 101"/>
-          <p:cNvSpPr/>
+          <p:cNvSpPr>
+            <a:spLocks noGrp="1" noRot="1" noChangeAspect="1"/>
+          </p:cNvSpPr>
           <p:nvPr>
-            <p:ph idx="2" type="sldImg"/>
+            <p:ph type="sldImg" idx="2"/>
           </p:nvPr>
         </p:nvSpPr>
         <p:spPr>
           <a:xfrm>
-            <a:off x="381175" y="685800"/>
-            <a:ext cx="6096300" cy="3429000"/>
+            <a:off x="381000" y="685800"/>
+            <a:ext cx="6096000" cy="3429000"/>
           </a:xfrm>
           <a:custGeom>
+            <a:avLst/>
+            <a:gdLst/>
+            <a:ahLst/>
+            <a:cxnLst/>
+            <a:rect l="0" t="0" r="0" b="0"/>
             <a:pathLst>
-              <a:path extrusionOk="0" h="120000" w="120000">
+              <a:path w="120000" h="120000" extrusionOk="0">
                 <a:moveTo>
                   <a:pt x="0" y="0"/>
                 </a:moveTo>
@@ -1114,9 +1276,11 @@
       <p:sp>
         <p:nvSpPr>
           <p:cNvPr id="102" name="Shape 102"/>
-          <p:cNvSpPr txBox="1"/>
+          <p:cNvSpPr txBox="1">
+            <a:spLocks noGrp="1"/>
+          </p:cNvSpPr>
           <p:nvPr>
-            <p:ph idx="1" type="body"/>
+            <p:ph type="body" idx="1"/>
           </p:nvPr>
         </p:nvSpPr>
         <p:spPr>
@@ -1129,20 +1293,17 @@
           </a:prstGeom>
         </p:spPr>
         <p:txBody>
-          <a:bodyPr anchorCtr="0" anchor="t" bIns="91425" lIns="91425" rIns="91425" wrap="square" tIns="91425">
+          <a:bodyPr wrap="square" lIns="91425" tIns="91425" rIns="91425" bIns="91425" anchor="t" anchorCtr="0">
             <a:noAutofit/>
           </a:bodyPr>
           <a:lstStyle/>
           <a:p>
-            <a:pPr indent="0" lvl="0" marL="0">
+            <a:pPr marL="0" lvl="0" indent="0">
               <a:spcBef>
                 <a:spcPts val="0"/>
               </a:spcBef>
               <a:buNone/>
             </a:pPr>
-            <a:r>
-              <a:t/>
-            </a:r>
             <a:endParaRPr/>
           </a:p>
         </p:txBody>
@@ -1156,11 +1317,11 @@
 </file>
 
 <file path=ppt/notesSlides/notesSlide6.xml><?xml version="1.0" encoding="utf-8"?>
-<p:notes xmlns:a="http://schemas.openxmlformats.org/drawingml/2006/main" xmlns:r="http://schemas.openxmlformats.org/officeDocument/2006/relationships" xmlns:mc="http://schemas.openxmlformats.org/markup-compatibility/2006" xmlns:mv="urn:schemas-microsoft-com:mac:vml" xmlns:p="http://schemas.openxmlformats.org/presentationml/2006/main" xmlns:c="http://schemas.openxmlformats.org/drawingml/2006/chart" xmlns:dgm="http://schemas.openxmlformats.org/drawingml/2006/diagram" xmlns:o="urn:schemas-microsoft-com:office:office" xmlns:v="urn:schemas-microsoft-com:vml" xmlns:pvml="urn:schemas-microsoft-com:office:powerpoint" xmlns:com="http://schemas.openxmlformats.org/drawingml/2006/compatibility" xmlns:p14="http://schemas.microsoft.com/office/powerpoint/2010/main" xmlns:p15="http://schemas.microsoft.com/office/powerpoint/2012/main" showMasterPhAnim="0" showMasterSp="0">
+<p:notes xmlns:a="http://schemas.openxmlformats.org/drawingml/2006/main" xmlns:r="http://schemas.openxmlformats.org/officeDocument/2006/relationships" xmlns:p="http://schemas.openxmlformats.org/presentationml/2006/main" showMasterSp="0" showMasterPhAnim="0">
   <p:cSld>
     <p:spTree>
       <p:nvGrpSpPr>
-        <p:cNvPr id="106" name="Shape 106"/>
+        <p:cNvPr id="1" name="Shape 106"/>
         <p:cNvGrpSpPr/>
         <p:nvPr/>
       </p:nvGrpSpPr>
@@ -1175,19 +1336,26 @@
       <p:sp>
         <p:nvSpPr>
           <p:cNvPr id="107" name="Shape 107"/>
-          <p:cNvSpPr/>
+          <p:cNvSpPr>
+            <a:spLocks noGrp="1" noRot="1" noChangeAspect="1"/>
+          </p:cNvSpPr>
           <p:nvPr>
-            <p:ph idx="2" type="sldImg"/>
+            <p:ph type="sldImg" idx="2"/>
           </p:nvPr>
         </p:nvSpPr>
         <p:spPr>
           <a:xfrm>
-            <a:off x="381175" y="685800"/>
-            <a:ext cx="6096300" cy="3429000"/>
+            <a:off x="381000" y="685800"/>
+            <a:ext cx="6096000" cy="3429000"/>
           </a:xfrm>
           <a:custGeom>
+            <a:avLst/>
+            <a:gdLst/>
+            <a:ahLst/>
+            <a:cxnLst/>
+            <a:rect l="0" t="0" r="0" b="0"/>
             <a:pathLst>
-              <a:path extrusionOk="0" h="120000" w="120000">
+              <a:path w="120000" h="120000" extrusionOk="0">
                 <a:moveTo>
                   <a:pt x="0" y="0"/>
                 </a:moveTo>
@@ -1209,9 +1377,11 @@
       <p:sp>
         <p:nvSpPr>
           <p:cNvPr id="108" name="Shape 108"/>
-          <p:cNvSpPr txBox="1"/>
+          <p:cNvSpPr txBox="1">
+            <a:spLocks noGrp="1"/>
+          </p:cNvSpPr>
           <p:nvPr>
-            <p:ph idx="1" type="body"/>
+            <p:ph type="body" idx="1"/>
           </p:nvPr>
         </p:nvSpPr>
         <p:spPr>
@@ -1224,20 +1394,17 @@
           </a:prstGeom>
         </p:spPr>
         <p:txBody>
-          <a:bodyPr anchorCtr="0" anchor="t" bIns="91425" lIns="91425" rIns="91425" wrap="square" tIns="91425">
+          <a:bodyPr wrap="square" lIns="91425" tIns="91425" rIns="91425" bIns="91425" anchor="t" anchorCtr="0">
             <a:noAutofit/>
           </a:bodyPr>
           <a:lstStyle/>
           <a:p>
-            <a:pPr indent="0" lvl="0" marL="0">
+            <a:pPr marL="0" lvl="0" indent="0">
               <a:spcBef>
                 <a:spcPts val="0"/>
               </a:spcBef>
               <a:buNone/>
             </a:pPr>
-            <a:r>
-              <a:t/>
-            </a:r>
             <a:endParaRPr/>
           </a:p>
         </p:txBody>
@@ -1251,11 +1418,11 @@
 </file>
 
 <file path=ppt/notesSlides/notesSlide7.xml><?xml version="1.0" encoding="utf-8"?>
-<p:notes xmlns:a="http://schemas.openxmlformats.org/drawingml/2006/main" xmlns:r="http://schemas.openxmlformats.org/officeDocument/2006/relationships" xmlns:mc="http://schemas.openxmlformats.org/markup-compatibility/2006" xmlns:mv="urn:schemas-microsoft-com:mac:vml" xmlns:p="http://schemas.openxmlformats.org/presentationml/2006/main" xmlns:c="http://schemas.openxmlformats.org/drawingml/2006/chart" xmlns:dgm="http://schemas.openxmlformats.org/drawingml/2006/diagram" xmlns:o="urn:schemas-microsoft-com:office:office" xmlns:v="urn:schemas-microsoft-com:vml" xmlns:pvml="urn:schemas-microsoft-com:office:powerpoint" xmlns:com="http://schemas.openxmlformats.org/drawingml/2006/compatibility" xmlns:p14="http://schemas.microsoft.com/office/powerpoint/2010/main" xmlns:p15="http://schemas.microsoft.com/office/powerpoint/2012/main" showMasterPhAnim="0" showMasterSp="0">
+<p:notes xmlns:a="http://schemas.openxmlformats.org/drawingml/2006/main" xmlns:r="http://schemas.openxmlformats.org/officeDocument/2006/relationships" xmlns:p="http://schemas.openxmlformats.org/presentationml/2006/main" showMasterSp="0" showMasterPhAnim="0">
   <p:cSld>
     <p:spTree>
       <p:nvGrpSpPr>
-        <p:cNvPr id="112" name="Shape 112"/>
+        <p:cNvPr id="1" name="Shape 112"/>
         <p:cNvGrpSpPr/>
         <p:nvPr/>
       </p:nvGrpSpPr>
@@ -1270,19 +1437,26 @@
       <p:sp>
         <p:nvSpPr>
           <p:cNvPr id="113" name="Shape 113"/>
-          <p:cNvSpPr/>
+          <p:cNvSpPr>
+            <a:spLocks noGrp="1" noRot="1" noChangeAspect="1"/>
+          </p:cNvSpPr>
           <p:nvPr>
-            <p:ph idx="2" type="sldImg"/>
+            <p:ph type="sldImg" idx="2"/>
           </p:nvPr>
         </p:nvSpPr>
         <p:spPr>
           <a:xfrm>
-            <a:off x="381175" y="685800"/>
-            <a:ext cx="6096300" cy="3429000"/>
+            <a:off x="381000" y="685800"/>
+            <a:ext cx="6096000" cy="3429000"/>
           </a:xfrm>
           <a:custGeom>
+            <a:avLst/>
+            <a:gdLst/>
+            <a:ahLst/>
+            <a:cxnLst/>
+            <a:rect l="0" t="0" r="0" b="0"/>
             <a:pathLst>
-              <a:path extrusionOk="0" h="120000" w="120000">
+              <a:path w="120000" h="120000" extrusionOk="0">
                 <a:moveTo>
                   <a:pt x="0" y="0"/>
                 </a:moveTo>
@@ -1304,9 +1478,11 @@
       <p:sp>
         <p:nvSpPr>
           <p:cNvPr id="114" name="Shape 114"/>
-          <p:cNvSpPr txBox="1"/>
+          <p:cNvSpPr txBox="1">
+            <a:spLocks noGrp="1"/>
+          </p:cNvSpPr>
           <p:nvPr>
-            <p:ph idx="1" type="body"/>
+            <p:ph type="body" idx="1"/>
           </p:nvPr>
         </p:nvSpPr>
         <p:spPr>
@@ -1319,20 +1495,17 @@
           </a:prstGeom>
         </p:spPr>
         <p:txBody>
-          <a:bodyPr anchorCtr="0" anchor="t" bIns="91425" lIns="91425" rIns="91425" wrap="square" tIns="91425">
+          <a:bodyPr wrap="square" lIns="91425" tIns="91425" rIns="91425" bIns="91425" anchor="t" anchorCtr="0">
             <a:noAutofit/>
           </a:bodyPr>
           <a:lstStyle/>
           <a:p>
-            <a:pPr indent="0" lvl="0" marL="0" rtl="0">
+            <a:pPr marL="0" lvl="0" indent="0" rtl="0">
               <a:spcBef>
                 <a:spcPts val="0"/>
               </a:spcBef>
               <a:buNone/>
             </a:pPr>
-            <a:r>
-              <a:t/>
-            </a:r>
             <a:endParaRPr/>
           </a:p>
         </p:txBody>
@@ -1346,11 +1519,11 @@
 </file>
 
 <file path=ppt/notesSlides/notesSlide8.xml><?xml version="1.0" encoding="utf-8"?>
-<p:notes xmlns:a="http://schemas.openxmlformats.org/drawingml/2006/main" xmlns:r="http://schemas.openxmlformats.org/officeDocument/2006/relationships" xmlns:mc="http://schemas.openxmlformats.org/markup-compatibility/2006" xmlns:mv="urn:schemas-microsoft-com:mac:vml" xmlns:p="http://schemas.openxmlformats.org/presentationml/2006/main" xmlns:c="http://schemas.openxmlformats.org/drawingml/2006/chart" xmlns:dgm="http://schemas.openxmlformats.org/drawingml/2006/diagram" xmlns:o="urn:schemas-microsoft-com:office:office" xmlns:v="urn:schemas-microsoft-com:vml" xmlns:pvml="urn:schemas-microsoft-com:office:powerpoint" xmlns:com="http://schemas.openxmlformats.org/drawingml/2006/compatibility" xmlns:p14="http://schemas.microsoft.com/office/powerpoint/2010/main" xmlns:p15="http://schemas.microsoft.com/office/powerpoint/2012/main" showMasterPhAnim="0" showMasterSp="0">
+<p:notes xmlns:a="http://schemas.openxmlformats.org/drawingml/2006/main" xmlns:r="http://schemas.openxmlformats.org/officeDocument/2006/relationships" xmlns:p="http://schemas.openxmlformats.org/presentationml/2006/main" showMasterSp="0" showMasterPhAnim="0">
   <p:cSld>
     <p:spTree>
       <p:nvGrpSpPr>
-        <p:cNvPr id="118" name="Shape 118"/>
+        <p:cNvPr id="1" name="Shape 118"/>
         <p:cNvGrpSpPr/>
         <p:nvPr/>
       </p:nvGrpSpPr>
@@ -1365,19 +1538,26 @@
       <p:sp>
         <p:nvSpPr>
           <p:cNvPr id="119" name="Shape 119"/>
-          <p:cNvSpPr/>
+          <p:cNvSpPr>
+            <a:spLocks noGrp="1" noRot="1" noChangeAspect="1"/>
+          </p:cNvSpPr>
           <p:nvPr>
-            <p:ph idx="2" type="sldImg"/>
+            <p:ph type="sldImg" idx="2"/>
           </p:nvPr>
         </p:nvSpPr>
         <p:spPr>
           <a:xfrm>
-            <a:off x="381175" y="685800"/>
-            <a:ext cx="6096300" cy="3429000"/>
+            <a:off x="381000" y="685800"/>
+            <a:ext cx="6096000" cy="3429000"/>
           </a:xfrm>
           <a:custGeom>
+            <a:avLst/>
+            <a:gdLst/>
+            <a:ahLst/>
+            <a:cxnLst/>
+            <a:rect l="0" t="0" r="0" b="0"/>
             <a:pathLst>
-              <a:path extrusionOk="0" h="120000" w="120000">
+              <a:path w="120000" h="120000" extrusionOk="0">
                 <a:moveTo>
                   <a:pt x="0" y="0"/>
                 </a:moveTo>
@@ -1399,9 +1579,11 @@
       <p:sp>
         <p:nvSpPr>
           <p:cNvPr id="120" name="Shape 120"/>
-          <p:cNvSpPr txBox="1"/>
+          <p:cNvSpPr txBox="1">
+            <a:spLocks noGrp="1"/>
+          </p:cNvSpPr>
           <p:nvPr>
-            <p:ph idx="1" type="body"/>
+            <p:ph type="body" idx="1"/>
           </p:nvPr>
         </p:nvSpPr>
         <p:spPr>
@@ -1414,20 +1596,17 @@
           </a:prstGeom>
         </p:spPr>
         <p:txBody>
-          <a:bodyPr anchorCtr="0" anchor="t" bIns="91425" lIns="91425" rIns="91425" wrap="square" tIns="91425">
+          <a:bodyPr wrap="square" lIns="91425" tIns="91425" rIns="91425" bIns="91425" anchor="t" anchorCtr="0">
             <a:noAutofit/>
           </a:bodyPr>
           <a:lstStyle/>
           <a:p>
-            <a:pPr indent="0" lvl="0" marL="0" rtl="0">
+            <a:pPr marL="0" lvl="0" indent="0" rtl="0">
               <a:spcBef>
                 <a:spcPts val="0"/>
               </a:spcBef>
               <a:buNone/>
             </a:pPr>
-            <a:r>
-              <a:t/>
-            </a:r>
             <a:endParaRPr/>
           </a:p>
         </p:txBody>
@@ -1441,11 +1620,11 @@
 </file>
 
 <file path=ppt/notesSlides/notesSlide9.xml><?xml version="1.0" encoding="utf-8"?>
-<p:notes xmlns:a="http://schemas.openxmlformats.org/drawingml/2006/main" xmlns:r="http://schemas.openxmlformats.org/officeDocument/2006/relationships" xmlns:mc="http://schemas.openxmlformats.org/markup-compatibility/2006" xmlns:mv="urn:schemas-microsoft-com:mac:vml" xmlns:p="http://schemas.openxmlformats.org/presentationml/2006/main" xmlns:c="http://schemas.openxmlformats.org/drawingml/2006/chart" xmlns:dgm="http://schemas.openxmlformats.org/drawingml/2006/diagram" xmlns:o="urn:schemas-microsoft-com:office:office" xmlns:v="urn:schemas-microsoft-com:vml" xmlns:pvml="urn:schemas-microsoft-com:office:powerpoint" xmlns:com="http://schemas.openxmlformats.org/drawingml/2006/compatibility" xmlns:p14="http://schemas.microsoft.com/office/powerpoint/2010/main" xmlns:p15="http://schemas.microsoft.com/office/powerpoint/2012/main" showMasterPhAnim="0" showMasterSp="0">
+<p:notes xmlns:a="http://schemas.openxmlformats.org/drawingml/2006/main" xmlns:r="http://schemas.openxmlformats.org/officeDocument/2006/relationships" xmlns:p="http://schemas.openxmlformats.org/presentationml/2006/main" showMasterSp="0" showMasterPhAnim="0">
   <p:cSld>
     <p:spTree>
       <p:nvGrpSpPr>
-        <p:cNvPr id="124" name="Shape 124"/>
+        <p:cNvPr id="1" name="Shape 124"/>
         <p:cNvGrpSpPr/>
         <p:nvPr/>
       </p:nvGrpSpPr>
@@ -1460,19 +1639,26 @@
       <p:sp>
         <p:nvSpPr>
           <p:cNvPr id="125" name="Shape 125"/>
-          <p:cNvSpPr/>
+          <p:cNvSpPr>
+            <a:spLocks noGrp="1" noRot="1" noChangeAspect="1"/>
+          </p:cNvSpPr>
           <p:nvPr>
-            <p:ph idx="2" type="sldImg"/>
+            <p:ph type="sldImg" idx="2"/>
           </p:nvPr>
         </p:nvSpPr>
         <p:spPr>
           <a:xfrm>
-            <a:off x="381187" y="685800"/>
-            <a:ext cx="6096300" cy="3429000"/>
+            <a:off x="381000" y="685800"/>
+            <a:ext cx="6096000" cy="3429000"/>
           </a:xfrm>
           <a:custGeom>
+            <a:avLst/>
+            <a:gdLst/>
+            <a:ahLst/>
+            <a:cxnLst/>
+            <a:rect l="0" t="0" r="0" b="0"/>
             <a:pathLst>
-              <a:path extrusionOk="0" h="120000" w="120000">
+              <a:path w="120000" h="120000" extrusionOk="0">
                 <a:moveTo>
                   <a:pt x="0" y="0"/>
                 </a:moveTo>
@@ -1494,9 +1680,11 @@
       <p:sp>
         <p:nvSpPr>
           <p:cNvPr id="126" name="Shape 126"/>
-          <p:cNvSpPr txBox="1"/>
+          <p:cNvSpPr txBox="1">
+            <a:spLocks noGrp="1"/>
+          </p:cNvSpPr>
           <p:nvPr>
-            <p:ph idx="1" type="body"/>
+            <p:ph type="body" idx="1"/>
           </p:nvPr>
         </p:nvSpPr>
         <p:spPr>
@@ -1509,20 +1697,17 @@
           </a:prstGeom>
         </p:spPr>
         <p:txBody>
-          <a:bodyPr anchorCtr="0" anchor="t" bIns="91425" lIns="91425" rIns="91425" wrap="square" tIns="91425">
+          <a:bodyPr wrap="square" lIns="91425" tIns="91425" rIns="91425" bIns="91425" anchor="t" anchorCtr="0">
             <a:noAutofit/>
           </a:bodyPr>
           <a:lstStyle/>
           <a:p>
-            <a:pPr indent="0" lvl="0" marL="0">
+            <a:pPr marL="0" lvl="0" indent="0">
               <a:spcBef>
                 <a:spcPts val="0"/>
               </a:spcBef>
               <a:buNone/>
             </a:pPr>
-            <a:r>
-              <a:t/>
-            </a:r>
             <a:endParaRPr/>
           </a:p>
         </p:txBody>
@@ -1536,11 +1721,11 @@
 </file>
 
 <file path=ppt/slideLayouts/slideLayout1.xml><?xml version="1.0" encoding="utf-8"?>
-<p:sldLayout xmlns:a="http://schemas.openxmlformats.org/drawingml/2006/main" xmlns:r="http://schemas.openxmlformats.org/officeDocument/2006/relationships" xmlns:mc="http://schemas.openxmlformats.org/markup-compatibility/2006" xmlns:mv="urn:schemas-microsoft-com:mac:vml" xmlns:p="http://schemas.openxmlformats.org/presentationml/2006/main" xmlns:c="http://schemas.openxmlformats.org/drawingml/2006/chart" xmlns:dgm="http://schemas.openxmlformats.org/drawingml/2006/diagram" xmlns:o="urn:schemas-microsoft-com:office:office" xmlns:v="urn:schemas-microsoft-com:vml" xmlns:pvml="urn:schemas-microsoft-com:office:powerpoint" xmlns:com="http://schemas.openxmlformats.org/drawingml/2006/compatibility" xmlns:p14="http://schemas.microsoft.com/office/powerpoint/2010/main" xmlns:p15="http://schemas.microsoft.com/office/powerpoint/2012/main" type="title">
+<p:sldLayout xmlns:a="http://schemas.openxmlformats.org/drawingml/2006/main" xmlns:r="http://schemas.openxmlformats.org/officeDocument/2006/relationships" xmlns:p="http://schemas.openxmlformats.org/presentationml/2006/main" type="title">
   <p:cSld name="Title slide">
     <p:spTree>
       <p:nvGrpSpPr>
-        <p:cNvPr id="8" name="Shape 8"/>
+        <p:cNvPr id="1" name="Shape 8"/>
         <p:cNvGrpSpPr/>
         <p:nvPr/>
       </p:nvGrpSpPr>
@@ -1576,20 +1761,17 @@
           </a:ln>
         </p:spPr>
         <p:txBody>
-          <a:bodyPr anchorCtr="0" anchor="ctr" bIns="45700" lIns="91425" rIns="91425" wrap="square" tIns="45700">
+          <a:bodyPr wrap="square" lIns="91425" tIns="45700" rIns="91425" bIns="45700" anchor="ctr" anchorCtr="0">
             <a:noAutofit/>
           </a:bodyPr>
           <a:lstStyle/>
           <a:p>
-            <a:pPr indent="0" lvl="0" marL="0">
+            <a:pPr marL="0" lvl="0" indent="0">
               <a:spcBef>
                 <a:spcPts val="0"/>
               </a:spcBef>
               <a:buNone/>
             </a:pPr>
-            <a:r>
-              <a:t/>
-            </a:r>
             <a:endParaRPr/>
           </a:p>
         </p:txBody>
@@ -1620,8 +1802,13 @@
               <a:ext cx="798030" cy="6858065"/>
             </a:xfrm>
             <a:custGeom>
+              <a:avLst/>
+              <a:gdLst/>
+              <a:ahLst/>
+              <a:cxnLst/>
+              <a:rect l="0" t="0" r="0" b="0"/>
               <a:pathLst>
-                <a:path extrusionOk="0" h="6875253" w="500332">
+                <a:path w="500332" h="6875253" extrusionOk="0">
                   <a:moveTo>
                     <a:pt x="0" y="0"/>
                   </a:moveTo>
@@ -1651,20 +1838,17 @@
             </a:ln>
           </p:spPr>
           <p:txBody>
-            <a:bodyPr anchorCtr="0" anchor="ctr" bIns="45700" lIns="91425" rIns="91425" wrap="square" tIns="45700">
+            <a:bodyPr wrap="square" lIns="91425" tIns="45700" rIns="91425" bIns="45700" anchor="ctr" anchorCtr="0">
               <a:noAutofit/>
             </a:bodyPr>
             <a:lstStyle/>
             <a:p>
-              <a:pPr indent="0" lvl="0" marL="0">
+              <a:pPr marL="0" lvl="0" indent="0">
                 <a:spcBef>
                   <a:spcPts val="0"/>
                 </a:spcBef>
                 <a:buNone/>
               </a:pPr>
-              <a:r>
-                <a:t/>
-              </a:r>
               <a:endParaRPr/>
             </a:p>
           </p:txBody>
@@ -1681,8 +1865,13 @@
               <a:ext cx="399015" cy="6858065"/>
             </a:xfrm>
             <a:custGeom>
+              <a:avLst/>
+              <a:gdLst/>
+              <a:ahLst/>
+              <a:cxnLst/>
+              <a:rect l="0" t="0" r="0" b="0"/>
               <a:pathLst>
-                <a:path extrusionOk="0" h="6875253" w="500332">
+                <a:path w="500332" h="6875253" extrusionOk="0">
                   <a:moveTo>
                     <a:pt x="0" y="0"/>
                   </a:moveTo>
@@ -1712,20 +1901,17 @@
             </a:ln>
           </p:spPr>
           <p:txBody>
-            <a:bodyPr anchorCtr="0" anchor="ctr" bIns="45700" lIns="91425" rIns="91425" wrap="square" tIns="45700">
+            <a:bodyPr wrap="square" lIns="91425" tIns="45700" rIns="91425" bIns="45700" anchor="ctr" anchorCtr="0">
               <a:noAutofit/>
             </a:bodyPr>
             <a:lstStyle/>
             <a:p>
-              <a:pPr indent="0" lvl="0" marL="0">
+              <a:pPr marL="0" lvl="0" indent="0">
                 <a:spcBef>
                   <a:spcPts val="0"/>
                 </a:spcBef>
                 <a:buNone/>
               </a:pPr>
-              <a:r>
-                <a:t/>
-              </a:r>
               <a:endParaRPr/>
             </a:p>
           </p:txBody>
@@ -1757,8 +1943,13 @@
               <a:ext cx="798030" cy="6858065"/>
             </a:xfrm>
             <a:custGeom>
+              <a:avLst/>
+              <a:gdLst/>
+              <a:ahLst/>
+              <a:cxnLst/>
+              <a:rect l="0" t="0" r="0" b="0"/>
               <a:pathLst>
-                <a:path extrusionOk="0" h="6875253" w="500332">
+                <a:path w="500332" h="6875253" extrusionOk="0">
                   <a:moveTo>
                     <a:pt x="0" y="0"/>
                   </a:moveTo>
@@ -1788,20 +1979,17 @@
             </a:ln>
           </p:spPr>
           <p:txBody>
-            <a:bodyPr anchorCtr="0" anchor="ctr" bIns="45700" lIns="91425" rIns="91425" wrap="square" tIns="45700">
+            <a:bodyPr wrap="square" lIns="91425" tIns="45700" rIns="91425" bIns="45700" anchor="ctr" anchorCtr="0">
               <a:noAutofit/>
             </a:bodyPr>
             <a:lstStyle/>
             <a:p>
-              <a:pPr indent="0" lvl="0" marL="0">
+              <a:pPr marL="0" lvl="0" indent="0">
                 <a:spcBef>
                   <a:spcPts val="0"/>
                 </a:spcBef>
                 <a:buNone/>
               </a:pPr>
-              <a:r>
-                <a:t/>
-              </a:r>
               <a:endParaRPr/>
             </a:p>
           </p:txBody>
@@ -1818,8 +2006,13 @@
               <a:ext cx="399015" cy="6858065"/>
             </a:xfrm>
             <a:custGeom>
+              <a:avLst/>
+              <a:gdLst/>
+              <a:ahLst/>
+              <a:cxnLst/>
+              <a:rect l="0" t="0" r="0" b="0"/>
               <a:pathLst>
-                <a:path extrusionOk="0" h="6875253" w="500332">
+                <a:path w="500332" h="6875253" extrusionOk="0">
                   <a:moveTo>
                     <a:pt x="0" y="0"/>
                   </a:moveTo>
@@ -1849,20 +2042,17 @@
             </a:ln>
           </p:spPr>
           <p:txBody>
-            <a:bodyPr anchorCtr="0" anchor="ctr" bIns="45700" lIns="91425" rIns="91425" wrap="square" tIns="45700">
+            <a:bodyPr wrap="square" lIns="91425" tIns="45700" rIns="91425" bIns="45700" anchor="ctr" anchorCtr="0">
               <a:noAutofit/>
             </a:bodyPr>
             <a:lstStyle/>
             <a:p>
-              <a:pPr indent="0" lvl="0" marL="0">
+              <a:pPr marL="0" lvl="0" indent="0">
                 <a:spcBef>
                   <a:spcPts val="0"/>
                 </a:spcBef>
                 <a:buNone/>
               </a:pPr>
-              <a:r>
-                <a:t/>
-              </a:r>
               <a:endParaRPr/>
             </a:p>
           </p:txBody>
@@ -1871,7 +2061,9 @@
       <p:sp>
         <p:nvSpPr>
           <p:cNvPr id="16" name="Shape 16"/>
-          <p:cNvSpPr txBox="1"/>
+          <p:cNvSpPr txBox="1">
+            <a:spLocks noGrp="1"/>
+          </p:cNvSpPr>
           <p:nvPr>
             <p:ph type="ctrTitle"/>
           </p:nvPr>
@@ -1890,9 +2082,9 @@
           </a:ln>
         </p:spPr>
         <p:txBody>
-          <a:bodyPr anchorCtr="0" anchor="b" bIns="91425" lIns="91425" rIns="91425" wrap="square" tIns="91425"/>
+          <a:bodyPr wrap="square" lIns="91425" tIns="91425" rIns="91425" bIns="91425" anchor="b" anchorCtr="0"/>
           <a:lstStyle>
-            <a:lvl1pPr lvl="0" rtl="0" algn="ctr">
+            <a:lvl1pPr lvl="0" algn="ctr" rtl="0">
               <a:spcBef>
                 <a:spcPts val="0"/>
               </a:spcBef>
@@ -1902,7 +2094,7 @@
               <a:buSzPts val="4800"/>
               <a:buFont typeface="Trebuchet MS"/>
               <a:buNone/>
-              <a:defRPr b="1" i="0" sz="4800" u="none" cap="none" strike="noStrike">
+              <a:defRPr sz="4800" b="1" i="0" u="none" strike="noStrike" cap="none">
                 <a:solidFill>
                   <a:schemeClr val="lt2"/>
                 </a:solidFill>
@@ -1912,7 +2104,7 @@
                 <a:sym typeface="Trebuchet MS"/>
               </a:defRPr>
             </a:lvl1pPr>
-            <a:lvl2pPr lvl="1" rtl="0" algn="ctr">
+            <a:lvl2pPr lvl="1" algn="ctr" rtl="0">
               <a:spcBef>
                 <a:spcPts val="0"/>
               </a:spcBef>
@@ -1922,7 +2114,7 @@
               <a:buSzPts val="4800"/>
               <a:buFont typeface="Trebuchet MS"/>
               <a:buNone/>
-              <a:defRPr b="1" i="0" sz="4800" u="none" cap="none" strike="noStrike">
+              <a:defRPr sz="4800" b="1" i="0" u="none" strike="noStrike" cap="none">
                 <a:solidFill>
                   <a:schemeClr val="lt2"/>
                 </a:solidFill>
@@ -1932,7 +2124,7 @@
                 <a:sym typeface="Trebuchet MS"/>
               </a:defRPr>
             </a:lvl2pPr>
-            <a:lvl3pPr lvl="2" rtl="0" algn="ctr">
+            <a:lvl3pPr lvl="2" algn="ctr" rtl="0">
               <a:spcBef>
                 <a:spcPts val="0"/>
               </a:spcBef>
@@ -1942,7 +2134,7 @@
               <a:buSzPts val="4800"/>
               <a:buFont typeface="Trebuchet MS"/>
               <a:buNone/>
-              <a:defRPr b="1" i="0" sz="4800" u="none" cap="none" strike="noStrike">
+              <a:defRPr sz="4800" b="1" i="0" u="none" strike="noStrike" cap="none">
                 <a:solidFill>
                   <a:schemeClr val="lt2"/>
                 </a:solidFill>
@@ -1952,7 +2144,7 @@
                 <a:sym typeface="Trebuchet MS"/>
               </a:defRPr>
             </a:lvl3pPr>
-            <a:lvl4pPr lvl="3" rtl="0" algn="ctr">
+            <a:lvl4pPr lvl="3" algn="ctr" rtl="0">
               <a:spcBef>
                 <a:spcPts val="0"/>
               </a:spcBef>
@@ -1962,7 +2154,7 @@
               <a:buSzPts val="4800"/>
               <a:buFont typeface="Trebuchet MS"/>
               <a:buNone/>
-              <a:defRPr b="1" i="0" sz="4800" u="none" cap="none" strike="noStrike">
+              <a:defRPr sz="4800" b="1" i="0" u="none" strike="noStrike" cap="none">
                 <a:solidFill>
                   <a:schemeClr val="lt2"/>
                 </a:solidFill>
@@ -1972,7 +2164,7 @@
                 <a:sym typeface="Trebuchet MS"/>
               </a:defRPr>
             </a:lvl4pPr>
-            <a:lvl5pPr lvl="4" rtl="0" algn="ctr">
+            <a:lvl5pPr lvl="4" algn="ctr" rtl="0">
               <a:spcBef>
                 <a:spcPts val="0"/>
               </a:spcBef>
@@ -1982,7 +2174,7 @@
               <a:buSzPts val="4800"/>
               <a:buFont typeface="Trebuchet MS"/>
               <a:buNone/>
-              <a:defRPr b="1" i="0" sz="4800" u="none" cap="none" strike="noStrike">
+              <a:defRPr sz="4800" b="1" i="0" u="none" strike="noStrike" cap="none">
                 <a:solidFill>
                   <a:schemeClr val="lt2"/>
                 </a:solidFill>
@@ -1992,7 +2184,7 @@
                 <a:sym typeface="Trebuchet MS"/>
               </a:defRPr>
             </a:lvl5pPr>
-            <a:lvl6pPr lvl="5" rtl="0" algn="ctr">
+            <a:lvl6pPr lvl="5" algn="ctr" rtl="0">
               <a:spcBef>
                 <a:spcPts val="0"/>
               </a:spcBef>
@@ -2002,7 +2194,7 @@
               <a:buSzPts val="4800"/>
               <a:buFont typeface="Trebuchet MS"/>
               <a:buNone/>
-              <a:defRPr b="1" i="0" sz="4800" u="none" cap="none" strike="noStrike">
+              <a:defRPr sz="4800" b="1" i="0" u="none" strike="noStrike" cap="none">
                 <a:solidFill>
                   <a:schemeClr val="lt2"/>
                 </a:solidFill>
@@ -2012,7 +2204,7 @@
                 <a:sym typeface="Trebuchet MS"/>
               </a:defRPr>
             </a:lvl6pPr>
-            <a:lvl7pPr lvl="6" rtl="0" algn="ctr">
+            <a:lvl7pPr lvl="6" algn="ctr" rtl="0">
               <a:spcBef>
                 <a:spcPts val="0"/>
               </a:spcBef>
@@ -2022,7 +2214,7 @@
               <a:buSzPts val="4800"/>
               <a:buFont typeface="Trebuchet MS"/>
               <a:buNone/>
-              <a:defRPr b="1" i="0" sz="4800" u="none" cap="none" strike="noStrike">
+              <a:defRPr sz="4800" b="1" i="0" u="none" strike="noStrike" cap="none">
                 <a:solidFill>
                   <a:schemeClr val="lt2"/>
                 </a:solidFill>
@@ -2032,7 +2224,7 @@
                 <a:sym typeface="Trebuchet MS"/>
               </a:defRPr>
             </a:lvl7pPr>
-            <a:lvl8pPr lvl="7" rtl="0" algn="ctr">
+            <a:lvl8pPr lvl="7" algn="ctr" rtl="0">
               <a:spcBef>
                 <a:spcPts val="0"/>
               </a:spcBef>
@@ -2042,7 +2234,7 @@
               <a:buSzPts val="4800"/>
               <a:buFont typeface="Trebuchet MS"/>
               <a:buNone/>
-              <a:defRPr b="1" i="0" sz="4800" u="none" cap="none" strike="noStrike">
+              <a:defRPr sz="4800" b="1" i="0" u="none" strike="noStrike" cap="none">
                 <a:solidFill>
                   <a:schemeClr val="lt2"/>
                 </a:solidFill>
@@ -2052,7 +2244,7 @@
                 <a:sym typeface="Trebuchet MS"/>
               </a:defRPr>
             </a:lvl8pPr>
-            <a:lvl9pPr lvl="8" rtl="0" algn="ctr">
+            <a:lvl9pPr lvl="8" algn="ctr" rtl="0">
               <a:spcBef>
                 <a:spcPts val="0"/>
               </a:spcBef>
@@ -2062,7 +2254,7 @@
               <a:buSzPts val="4800"/>
               <a:buFont typeface="Trebuchet MS"/>
               <a:buNone/>
-              <a:defRPr b="1" i="0" sz="4800" u="none" cap="none" strike="noStrike">
+              <a:defRPr sz="4800" b="1" i="0" u="none" strike="noStrike" cap="none">
                 <a:solidFill>
                   <a:schemeClr val="lt2"/>
                 </a:solidFill>
@@ -2073,15 +2265,19 @@
               </a:defRPr>
             </a:lvl9pPr>
           </a:lstStyle>
-          <a:p/>
+          <a:p>
+            <a:endParaRPr/>
+          </a:p>
         </p:txBody>
       </p:sp>
       <p:sp>
         <p:nvSpPr>
           <p:cNvPr id="17" name="Shape 17"/>
-          <p:cNvSpPr txBox="1"/>
+          <p:cNvSpPr txBox="1">
+            <a:spLocks noGrp="1"/>
+          </p:cNvSpPr>
           <p:nvPr>
-            <p:ph idx="1" type="subTitle"/>
+            <p:ph type="subTitle" idx="1"/>
           </p:nvPr>
         </p:nvSpPr>
         <p:spPr>
@@ -2098,9 +2294,9 @@
           </a:ln>
         </p:spPr>
         <p:txBody>
-          <a:bodyPr anchorCtr="0" anchor="t" bIns="91425" lIns="91425" rIns="91425" wrap="square" tIns="91425"/>
+          <a:bodyPr wrap="square" lIns="91425" tIns="91425" rIns="91425" bIns="91425" anchor="t" anchorCtr="0"/>
           <a:lstStyle>
-            <a:lvl1pPr lvl="0" rtl="0" algn="ctr">
+            <a:lvl1pPr lvl="0" algn="ctr" rtl="0">
               <a:spcBef>
                 <a:spcPts val="0"/>
               </a:spcBef>
@@ -2110,7 +2306,7 @@
               <a:buSzPts val="2400"/>
               <a:buFont typeface="Trebuchet MS"/>
               <a:buNone/>
-              <a:defRPr b="0" i="0" sz="2400" u="none" cap="none" strike="noStrike">
+              <a:defRPr sz="2400" b="0" i="0" u="none" strike="noStrike" cap="none">
                 <a:solidFill>
                   <a:schemeClr val="lt2"/>
                 </a:solidFill>
@@ -2120,7 +2316,7 @@
                 <a:sym typeface="Trebuchet MS"/>
               </a:defRPr>
             </a:lvl1pPr>
-            <a:lvl2pPr lvl="1" rtl="0" algn="ctr">
+            <a:lvl2pPr lvl="1" algn="ctr" rtl="0">
               <a:spcBef>
                 <a:spcPts val="0"/>
               </a:spcBef>
@@ -2130,7 +2326,7 @@
               <a:buSzPts val="2400"/>
               <a:buFont typeface="Trebuchet MS"/>
               <a:buNone/>
-              <a:defRPr b="0" i="0" sz="2400" u="none" cap="none" strike="noStrike">
+              <a:defRPr sz="2400" b="0" i="0" u="none" strike="noStrike" cap="none">
                 <a:solidFill>
                   <a:schemeClr val="lt2"/>
                 </a:solidFill>
@@ -2140,7 +2336,7 @@
                 <a:sym typeface="Trebuchet MS"/>
               </a:defRPr>
             </a:lvl2pPr>
-            <a:lvl3pPr lvl="2" rtl="0" algn="ctr">
+            <a:lvl3pPr lvl="2" algn="ctr" rtl="0">
               <a:spcBef>
                 <a:spcPts val="0"/>
               </a:spcBef>
@@ -2150,7 +2346,7 @@
               <a:buSzPts val="2400"/>
               <a:buFont typeface="Trebuchet MS"/>
               <a:buNone/>
-              <a:defRPr b="0" i="0" sz="2400" u="none" cap="none" strike="noStrike">
+              <a:defRPr sz="2400" b="0" i="0" u="none" strike="noStrike" cap="none">
                 <a:solidFill>
                   <a:schemeClr val="lt2"/>
                 </a:solidFill>
@@ -2160,7 +2356,7 @@
                 <a:sym typeface="Trebuchet MS"/>
               </a:defRPr>
             </a:lvl3pPr>
-            <a:lvl4pPr lvl="3" rtl="0" algn="ctr">
+            <a:lvl4pPr lvl="3" algn="ctr" rtl="0">
               <a:spcBef>
                 <a:spcPts val="0"/>
               </a:spcBef>
@@ -2170,7 +2366,7 @@
               <a:buSzPts val="2400"/>
               <a:buFont typeface="Trebuchet MS"/>
               <a:buNone/>
-              <a:defRPr b="0" i="0" sz="2400" u="none" cap="none" strike="noStrike">
+              <a:defRPr sz="2400" b="0" i="0" u="none" strike="noStrike" cap="none">
                 <a:solidFill>
                   <a:schemeClr val="lt2"/>
                 </a:solidFill>
@@ -2180,7 +2376,7 @@
                 <a:sym typeface="Trebuchet MS"/>
               </a:defRPr>
             </a:lvl4pPr>
-            <a:lvl5pPr lvl="4" rtl="0" algn="ctr">
+            <a:lvl5pPr lvl="4" algn="ctr" rtl="0">
               <a:spcBef>
                 <a:spcPts val="0"/>
               </a:spcBef>
@@ -2190,7 +2386,7 @@
               <a:buSzPts val="2400"/>
               <a:buFont typeface="Trebuchet MS"/>
               <a:buNone/>
-              <a:defRPr b="0" i="0" sz="2400" u="none" cap="none" strike="noStrike">
+              <a:defRPr sz="2400" b="0" i="0" u="none" strike="noStrike" cap="none">
                 <a:solidFill>
                   <a:schemeClr val="lt2"/>
                 </a:solidFill>
@@ -2200,7 +2396,7 @@
                 <a:sym typeface="Trebuchet MS"/>
               </a:defRPr>
             </a:lvl5pPr>
-            <a:lvl6pPr lvl="5" rtl="0" algn="ctr">
+            <a:lvl6pPr lvl="5" algn="ctr" rtl="0">
               <a:spcBef>
                 <a:spcPts val="0"/>
               </a:spcBef>
@@ -2210,7 +2406,7 @@
               <a:buSzPts val="2400"/>
               <a:buFont typeface="Trebuchet MS"/>
               <a:buNone/>
-              <a:defRPr b="0" i="0" sz="2400" u="none" cap="none" strike="noStrike">
+              <a:defRPr sz="2400" b="0" i="0" u="none" strike="noStrike" cap="none">
                 <a:solidFill>
                   <a:schemeClr val="lt2"/>
                 </a:solidFill>
@@ -2220,7 +2416,7 @@
                 <a:sym typeface="Trebuchet MS"/>
               </a:defRPr>
             </a:lvl6pPr>
-            <a:lvl7pPr lvl="6" rtl="0" algn="ctr">
+            <a:lvl7pPr lvl="6" algn="ctr" rtl="0">
               <a:spcBef>
                 <a:spcPts val="0"/>
               </a:spcBef>
@@ -2230,7 +2426,7 @@
               <a:buSzPts val="2400"/>
               <a:buFont typeface="Trebuchet MS"/>
               <a:buNone/>
-              <a:defRPr b="0" i="0" sz="2400" u="none" cap="none" strike="noStrike">
+              <a:defRPr sz="2400" b="0" i="0" u="none" strike="noStrike" cap="none">
                 <a:solidFill>
                   <a:schemeClr val="lt2"/>
                 </a:solidFill>
@@ -2240,7 +2436,7 @@
                 <a:sym typeface="Trebuchet MS"/>
               </a:defRPr>
             </a:lvl7pPr>
-            <a:lvl8pPr lvl="7" rtl="0" algn="ctr">
+            <a:lvl8pPr lvl="7" algn="ctr" rtl="0">
               <a:spcBef>
                 <a:spcPts val="0"/>
               </a:spcBef>
@@ -2250,7 +2446,7 @@
               <a:buSzPts val="2400"/>
               <a:buFont typeface="Trebuchet MS"/>
               <a:buNone/>
-              <a:defRPr b="0" i="0" sz="2400" u="none" cap="none" strike="noStrike">
+              <a:defRPr sz="2400" b="0" i="0" u="none" strike="noStrike" cap="none">
                 <a:solidFill>
                   <a:schemeClr val="lt2"/>
                 </a:solidFill>
@@ -2260,7 +2456,7 @@
                 <a:sym typeface="Trebuchet MS"/>
               </a:defRPr>
             </a:lvl8pPr>
-            <a:lvl9pPr lvl="8" rtl="0" algn="ctr">
+            <a:lvl9pPr lvl="8" algn="ctr" rtl="0">
               <a:spcBef>
                 <a:spcPts val="0"/>
               </a:spcBef>
@@ -2270,7 +2466,7 @@
               <a:buSzPts val="2400"/>
               <a:buFont typeface="Trebuchet MS"/>
               <a:buNone/>
-              <a:defRPr b="0" i="0" sz="2400" u="none" cap="none" strike="noStrike">
+              <a:defRPr sz="2400" b="0" i="0" u="none" strike="noStrike" cap="none">
                 <a:solidFill>
                   <a:schemeClr val="lt2"/>
                 </a:solidFill>
@@ -2281,7 +2477,9 @@
               </a:defRPr>
             </a:lvl9pPr>
           </a:lstStyle>
-          <a:p/>
+          <a:p>
+            <a:endParaRPr/>
+          </a:p>
         </p:txBody>
       </p:sp>
     </p:spTree>
@@ -2293,11 +2491,11 @@
 </file>
 
 <file path=ppt/slideLayouts/slideLayout2.xml><?xml version="1.0" encoding="utf-8"?>
-<p:sldLayout xmlns:a="http://schemas.openxmlformats.org/drawingml/2006/main" xmlns:r="http://schemas.openxmlformats.org/officeDocument/2006/relationships" xmlns:mc="http://schemas.openxmlformats.org/markup-compatibility/2006" xmlns:mv="urn:schemas-microsoft-com:mac:vml" xmlns:p="http://schemas.openxmlformats.org/presentationml/2006/main" xmlns:c="http://schemas.openxmlformats.org/drawingml/2006/chart" xmlns:dgm="http://schemas.openxmlformats.org/drawingml/2006/diagram" xmlns:o="urn:schemas-microsoft-com:office:office" xmlns:v="urn:schemas-microsoft-com:vml" xmlns:pvml="urn:schemas-microsoft-com:office:powerpoint" xmlns:com="http://schemas.openxmlformats.org/drawingml/2006/compatibility" xmlns:p14="http://schemas.microsoft.com/office/powerpoint/2010/main" xmlns:p15="http://schemas.microsoft.com/office/powerpoint/2012/main" type="tx">
+<p:sldLayout xmlns:a="http://schemas.openxmlformats.org/drawingml/2006/main" xmlns:r="http://schemas.openxmlformats.org/officeDocument/2006/relationships" xmlns:p="http://schemas.openxmlformats.org/presentationml/2006/main" type="tx">
   <p:cSld name="Title and body">
     <p:spTree>
       <p:nvGrpSpPr>
-        <p:cNvPr id="18" name="Shape 18"/>
+        <p:cNvPr id="1" name="Shape 18"/>
         <p:cNvGrpSpPr/>
         <p:nvPr/>
       </p:nvGrpSpPr>
@@ -2333,20 +2531,17 @@
           </a:ln>
         </p:spPr>
         <p:txBody>
-          <a:bodyPr anchorCtr="0" anchor="ctr" bIns="45700" lIns="91425" rIns="91425" wrap="square" tIns="45700">
+          <a:bodyPr wrap="square" lIns="91425" tIns="45700" rIns="91425" bIns="45700" anchor="ctr" anchorCtr="0">
             <a:noAutofit/>
           </a:bodyPr>
           <a:lstStyle/>
           <a:p>
-            <a:pPr indent="0" lvl="0" marL="0">
+            <a:pPr marL="0" lvl="0" indent="0">
               <a:spcBef>
                 <a:spcPts val="0"/>
               </a:spcBef>
               <a:buNone/>
             </a:pPr>
-            <a:r>
-              <a:t/>
-            </a:r>
             <a:endParaRPr/>
           </a:p>
         </p:txBody>
@@ -2377,8 +2572,13 @@
               <a:ext cx="649181" cy="6858065"/>
             </a:xfrm>
             <a:custGeom>
+              <a:avLst/>
+              <a:gdLst/>
+              <a:ahLst/>
+              <a:cxnLst/>
+              <a:rect l="0" t="0" r="0" b="0"/>
               <a:pathLst>
-                <a:path extrusionOk="0" h="6875253" w="500332">
+                <a:path w="500332" h="6875253" extrusionOk="0">
                   <a:moveTo>
                     <a:pt x="0" y="0"/>
                   </a:moveTo>
@@ -2408,20 +2608,17 @@
             </a:ln>
           </p:spPr>
           <p:txBody>
-            <a:bodyPr anchorCtr="0" anchor="ctr" bIns="45700" lIns="91425" rIns="91425" wrap="square" tIns="45700">
+            <a:bodyPr wrap="square" lIns="91425" tIns="45700" rIns="91425" bIns="45700" anchor="ctr" anchorCtr="0">
               <a:noAutofit/>
             </a:bodyPr>
             <a:lstStyle/>
             <a:p>
-              <a:pPr indent="0" lvl="0" marL="0">
+              <a:pPr marL="0" lvl="0" indent="0">
                 <a:spcBef>
                   <a:spcPts val="0"/>
                 </a:spcBef>
                 <a:buNone/>
               </a:pPr>
-              <a:r>
-                <a:t/>
-              </a:r>
               <a:endParaRPr/>
             </a:p>
           </p:txBody>
@@ -2438,8 +2635,13 @@
               <a:ext cx="500332" cy="6858065"/>
             </a:xfrm>
             <a:custGeom>
+              <a:avLst/>
+              <a:gdLst/>
+              <a:ahLst/>
+              <a:cxnLst/>
+              <a:rect l="0" t="0" r="0" b="0"/>
               <a:pathLst>
-                <a:path extrusionOk="0" h="6875253" w="500332">
+                <a:path w="500332" h="6875253" extrusionOk="0">
                   <a:moveTo>
                     <a:pt x="0" y="0"/>
                   </a:moveTo>
@@ -2469,20 +2671,17 @@
             </a:ln>
           </p:spPr>
           <p:txBody>
-            <a:bodyPr anchorCtr="0" anchor="ctr" bIns="45700" lIns="91425" rIns="91425" wrap="square" tIns="45700">
+            <a:bodyPr wrap="square" lIns="91425" tIns="45700" rIns="91425" bIns="45700" anchor="ctr" anchorCtr="0">
               <a:noAutofit/>
             </a:bodyPr>
             <a:lstStyle/>
             <a:p>
-              <a:pPr indent="0" lvl="0" marL="0">
+              <a:pPr marL="0" lvl="0" indent="0">
                 <a:spcBef>
                   <a:spcPts val="0"/>
                 </a:spcBef>
                 <a:buNone/>
               </a:pPr>
-              <a:r>
-                <a:t/>
-              </a:r>
               <a:endParaRPr/>
             </a:p>
           </p:txBody>
@@ -2514,8 +2713,13 @@
               <a:ext cx="649181" cy="6858065"/>
             </a:xfrm>
             <a:custGeom>
+              <a:avLst/>
+              <a:gdLst/>
+              <a:ahLst/>
+              <a:cxnLst/>
+              <a:rect l="0" t="0" r="0" b="0"/>
               <a:pathLst>
-                <a:path extrusionOk="0" h="6875253" w="500332">
+                <a:path w="500332" h="6875253" extrusionOk="0">
                   <a:moveTo>
                     <a:pt x="0" y="0"/>
                   </a:moveTo>
@@ -2545,20 +2749,17 @@
             </a:ln>
           </p:spPr>
           <p:txBody>
-            <a:bodyPr anchorCtr="0" anchor="ctr" bIns="45700" lIns="91425" rIns="91425" wrap="square" tIns="45700">
+            <a:bodyPr wrap="square" lIns="91425" tIns="45700" rIns="91425" bIns="45700" anchor="ctr" anchorCtr="0">
               <a:noAutofit/>
             </a:bodyPr>
             <a:lstStyle/>
             <a:p>
-              <a:pPr indent="0" lvl="0" marL="0">
+              <a:pPr marL="0" lvl="0" indent="0">
                 <a:spcBef>
                   <a:spcPts val="0"/>
                 </a:spcBef>
                 <a:buNone/>
               </a:pPr>
-              <a:r>
-                <a:t/>
-              </a:r>
               <a:endParaRPr/>
             </a:p>
           </p:txBody>
@@ -2575,8 +2776,13 @@
               <a:ext cx="500332" cy="6858065"/>
             </a:xfrm>
             <a:custGeom>
+              <a:avLst/>
+              <a:gdLst/>
+              <a:ahLst/>
+              <a:cxnLst/>
+              <a:rect l="0" t="0" r="0" b="0"/>
               <a:pathLst>
-                <a:path extrusionOk="0" h="6875253" w="500332">
+                <a:path w="500332" h="6875253" extrusionOk="0">
                   <a:moveTo>
                     <a:pt x="0" y="0"/>
                   </a:moveTo>
@@ -2606,20 +2812,17 @@
             </a:ln>
           </p:spPr>
           <p:txBody>
-            <a:bodyPr anchorCtr="0" anchor="ctr" bIns="45700" lIns="91425" rIns="91425" wrap="square" tIns="45700">
+            <a:bodyPr wrap="square" lIns="91425" tIns="45700" rIns="91425" bIns="45700" anchor="ctr" anchorCtr="0">
               <a:noAutofit/>
             </a:bodyPr>
             <a:lstStyle/>
             <a:p>
-              <a:pPr indent="0" lvl="0" marL="0">
+              <a:pPr marL="0" lvl="0" indent="0">
                 <a:spcBef>
                   <a:spcPts val="0"/>
                 </a:spcBef>
                 <a:buNone/>
               </a:pPr>
-              <a:r>
-                <a:t/>
-              </a:r>
               <a:endParaRPr/>
             </a:p>
           </p:txBody>
@@ -2649,20 +2852,17 @@
           </a:ln>
         </p:spPr>
         <p:txBody>
-          <a:bodyPr anchorCtr="0" anchor="ctr" bIns="45700" lIns="91425" rIns="91425" wrap="square" tIns="45700">
+          <a:bodyPr wrap="square" lIns="91425" tIns="45700" rIns="91425" bIns="45700" anchor="ctr" anchorCtr="0">
             <a:noAutofit/>
           </a:bodyPr>
           <a:lstStyle/>
           <a:p>
-            <a:pPr indent="0" lvl="0" marL="0">
+            <a:pPr marL="0" lvl="0" indent="0">
               <a:spcBef>
                 <a:spcPts val="0"/>
               </a:spcBef>
               <a:buNone/>
             </a:pPr>
-            <a:r>
-              <a:t/>
-            </a:r>
             <a:endParaRPr/>
           </a:p>
         </p:txBody>
@@ -2670,7 +2870,9 @@
       <p:sp>
         <p:nvSpPr>
           <p:cNvPr id="27" name="Shape 27"/>
-          <p:cNvSpPr txBox="1"/>
+          <p:cNvSpPr txBox="1">
+            <a:spLocks noGrp="1"/>
+          </p:cNvSpPr>
           <p:nvPr>
             <p:ph type="title"/>
           </p:nvPr>
@@ -2689,16 +2891,16 @@
           </a:ln>
         </p:spPr>
         <p:txBody>
-          <a:bodyPr anchorCtr="0" anchor="b" bIns="91425" lIns="91425" rIns="91425" wrap="square" tIns="91425"/>
+          <a:bodyPr wrap="square" lIns="91425" tIns="91425" rIns="91425" bIns="91425" anchor="b" anchorCtr="0"/>
           <a:lstStyle>
-            <a:lvl1pPr lvl="0" rtl="0" algn="l">
+            <a:lvl1pPr lvl="0" algn="l" rtl="0">
               <a:spcBef>
                 <a:spcPts val="0"/>
               </a:spcBef>
               <a:buSzPts val="3600"/>
               <a:buFont typeface="Trebuchet MS"/>
               <a:buNone/>
-              <a:defRPr b="1" sz="3600">
+              <a:defRPr sz="3600" b="1">
                 <a:solidFill>
                   <a:schemeClr val="lt2"/>
                 </a:solidFill>
@@ -2708,14 +2910,14 @@
                 <a:sym typeface="Trebuchet MS"/>
               </a:defRPr>
             </a:lvl1pPr>
-            <a:lvl2pPr lvl="1" rtl="0" algn="l">
+            <a:lvl2pPr lvl="1" algn="l" rtl="0">
               <a:spcBef>
                 <a:spcPts val="0"/>
               </a:spcBef>
               <a:buSzPts val="3600"/>
               <a:buFont typeface="Trebuchet MS"/>
               <a:buNone/>
-              <a:defRPr b="1" sz="3600">
+              <a:defRPr sz="3600" b="1">
                 <a:solidFill>
                   <a:schemeClr val="lt2"/>
                 </a:solidFill>
@@ -2725,14 +2927,14 @@
                 <a:sym typeface="Trebuchet MS"/>
               </a:defRPr>
             </a:lvl2pPr>
-            <a:lvl3pPr lvl="2" rtl="0" algn="l">
+            <a:lvl3pPr lvl="2" algn="l" rtl="0">
               <a:spcBef>
                 <a:spcPts val="0"/>
               </a:spcBef>
               <a:buSzPts val="3600"/>
               <a:buFont typeface="Trebuchet MS"/>
               <a:buNone/>
-              <a:defRPr b="1" sz="3600">
+              <a:defRPr sz="3600" b="1">
                 <a:solidFill>
                   <a:schemeClr val="lt2"/>
                 </a:solidFill>
@@ -2742,14 +2944,14 @@
                 <a:sym typeface="Trebuchet MS"/>
               </a:defRPr>
             </a:lvl3pPr>
-            <a:lvl4pPr lvl="3" rtl="0" algn="l">
+            <a:lvl4pPr lvl="3" algn="l" rtl="0">
               <a:spcBef>
                 <a:spcPts val="0"/>
               </a:spcBef>
               <a:buSzPts val="3600"/>
               <a:buFont typeface="Trebuchet MS"/>
               <a:buNone/>
-              <a:defRPr b="1" sz="3600">
+              <a:defRPr sz="3600" b="1">
                 <a:solidFill>
                   <a:schemeClr val="lt2"/>
                 </a:solidFill>
@@ -2759,14 +2961,14 @@
                 <a:sym typeface="Trebuchet MS"/>
               </a:defRPr>
             </a:lvl4pPr>
-            <a:lvl5pPr lvl="4" rtl="0" algn="l">
+            <a:lvl5pPr lvl="4" algn="l" rtl="0">
               <a:spcBef>
                 <a:spcPts val="0"/>
               </a:spcBef>
               <a:buSzPts val="3600"/>
               <a:buFont typeface="Trebuchet MS"/>
               <a:buNone/>
-              <a:defRPr b="1" sz="3600">
+              <a:defRPr sz="3600" b="1">
                 <a:solidFill>
                   <a:schemeClr val="lt2"/>
                 </a:solidFill>
@@ -2776,14 +2978,14 @@
                 <a:sym typeface="Trebuchet MS"/>
               </a:defRPr>
             </a:lvl5pPr>
-            <a:lvl6pPr lvl="5" rtl="0" algn="l">
+            <a:lvl6pPr lvl="5" algn="l" rtl="0">
               <a:spcBef>
                 <a:spcPts val="0"/>
               </a:spcBef>
               <a:buSzPts val="3600"/>
               <a:buFont typeface="Trebuchet MS"/>
               <a:buNone/>
-              <a:defRPr b="1" sz="3600">
+              <a:defRPr sz="3600" b="1">
                 <a:solidFill>
                   <a:schemeClr val="lt2"/>
                 </a:solidFill>
@@ -2793,14 +2995,14 @@
                 <a:sym typeface="Trebuchet MS"/>
               </a:defRPr>
             </a:lvl6pPr>
-            <a:lvl7pPr lvl="6" rtl="0" algn="l">
+            <a:lvl7pPr lvl="6" algn="l" rtl="0">
               <a:spcBef>
                 <a:spcPts val="0"/>
               </a:spcBef>
               <a:buSzPts val="3600"/>
               <a:buFont typeface="Trebuchet MS"/>
               <a:buNone/>
-              <a:defRPr b="1" sz="3600">
+              <a:defRPr sz="3600" b="1">
                 <a:solidFill>
                   <a:schemeClr val="lt2"/>
                 </a:solidFill>
@@ -2810,14 +3012,14 @@
                 <a:sym typeface="Trebuchet MS"/>
               </a:defRPr>
             </a:lvl7pPr>
-            <a:lvl8pPr lvl="7" rtl="0" algn="l">
+            <a:lvl8pPr lvl="7" algn="l" rtl="0">
               <a:spcBef>
                 <a:spcPts val="0"/>
               </a:spcBef>
               <a:buSzPts val="3600"/>
               <a:buFont typeface="Trebuchet MS"/>
               <a:buNone/>
-              <a:defRPr b="1" sz="3600">
+              <a:defRPr sz="3600" b="1">
                 <a:solidFill>
                   <a:schemeClr val="lt2"/>
                 </a:solidFill>
@@ -2827,14 +3029,14 @@
                 <a:sym typeface="Trebuchet MS"/>
               </a:defRPr>
             </a:lvl8pPr>
-            <a:lvl9pPr lvl="8" rtl="0" algn="l">
+            <a:lvl9pPr lvl="8" algn="l" rtl="0">
               <a:spcBef>
                 <a:spcPts val="0"/>
               </a:spcBef>
               <a:buSzPts val="3600"/>
               <a:buFont typeface="Trebuchet MS"/>
               <a:buNone/>
-              <a:defRPr b="1" sz="3600">
+              <a:defRPr sz="3600" b="1">
                 <a:solidFill>
                   <a:schemeClr val="lt2"/>
                 </a:solidFill>
@@ -2845,15 +3047,19 @@
               </a:defRPr>
             </a:lvl9pPr>
           </a:lstStyle>
-          <a:p/>
+          <a:p>
+            <a:endParaRPr/>
+          </a:p>
         </p:txBody>
       </p:sp>
       <p:sp>
         <p:nvSpPr>
           <p:cNvPr id="28" name="Shape 28"/>
-          <p:cNvSpPr txBox="1"/>
+          <p:cNvSpPr txBox="1">
+            <a:spLocks noGrp="1"/>
+          </p:cNvSpPr>
           <p:nvPr>
-            <p:ph idx="1" type="body"/>
+            <p:ph type="body" idx="1"/>
           </p:nvPr>
         </p:nvSpPr>
         <p:spPr>
@@ -2870,7 +3076,7 @@
           </a:ln>
         </p:spPr>
         <p:txBody>
-          <a:bodyPr anchorCtr="0" anchor="t" bIns="91425" lIns="91425" rIns="91425" wrap="square" tIns="91425"/>
+          <a:bodyPr wrap="square" lIns="91425" tIns="91425" rIns="91425" bIns="91425" anchor="t" anchorCtr="0"/>
           <a:lstStyle>
             <a:lvl1pPr lvl="0" rtl="0">
               <a:spcBef>
@@ -2945,7 +3151,9 @@
               <a:defRPr sz="1800"/>
             </a:lvl9pPr>
           </a:lstStyle>
-          <a:p/>
+          <a:p>
+            <a:endParaRPr/>
+          </a:p>
         </p:txBody>
       </p:sp>
     </p:spTree>
@@ -2957,11 +3165,11 @@
 </file>
 
 <file path=ppt/slideLayouts/slideLayout3.xml><?xml version="1.0" encoding="utf-8"?>
-<p:sldLayout xmlns:a="http://schemas.openxmlformats.org/drawingml/2006/main" xmlns:r="http://schemas.openxmlformats.org/officeDocument/2006/relationships" xmlns:mc="http://schemas.openxmlformats.org/markup-compatibility/2006" xmlns:mv="urn:schemas-microsoft-com:mac:vml" xmlns:p="http://schemas.openxmlformats.org/presentationml/2006/main" xmlns:c="http://schemas.openxmlformats.org/drawingml/2006/chart" xmlns:dgm="http://schemas.openxmlformats.org/drawingml/2006/diagram" xmlns:o="urn:schemas-microsoft-com:office:office" xmlns:v="urn:schemas-microsoft-com:vml" xmlns:pvml="urn:schemas-microsoft-com:office:powerpoint" xmlns:com="http://schemas.openxmlformats.org/drawingml/2006/compatibility" xmlns:p14="http://schemas.microsoft.com/office/powerpoint/2010/main" xmlns:p15="http://schemas.microsoft.com/office/powerpoint/2012/main" type="twoColTx">
+<p:sldLayout xmlns:a="http://schemas.openxmlformats.org/drawingml/2006/main" xmlns:r="http://schemas.openxmlformats.org/officeDocument/2006/relationships" xmlns:p="http://schemas.openxmlformats.org/presentationml/2006/main" type="twoColTx">
   <p:cSld name="Title and two columns">
     <p:spTree>
       <p:nvGrpSpPr>
-        <p:cNvPr id="29" name="Shape 29"/>
+        <p:cNvPr id="1" name="Shape 29"/>
         <p:cNvGrpSpPr/>
         <p:nvPr/>
       </p:nvGrpSpPr>
@@ -2997,20 +3205,17 @@
           </a:ln>
         </p:spPr>
         <p:txBody>
-          <a:bodyPr anchorCtr="0" anchor="ctr" bIns="45700" lIns="91425" rIns="91425" wrap="square" tIns="45700">
+          <a:bodyPr wrap="square" lIns="91425" tIns="45700" rIns="91425" bIns="45700" anchor="ctr" anchorCtr="0">
             <a:noAutofit/>
           </a:bodyPr>
           <a:lstStyle/>
           <a:p>
-            <a:pPr indent="0" lvl="0" marL="0">
+            <a:pPr marL="0" lvl="0" indent="0">
               <a:spcBef>
                 <a:spcPts val="0"/>
               </a:spcBef>
               <a:buNone/>
             </a:pPr>
-            <a:r>
-              <a:t/>
-            </a:r>
             <a:endParaRPr/>
           </a:p>
         </p:txBody>
@@ -3041,8 +3246,13 @@
               <a:ext cx="649181" cy="6858065"/>
             </a:xfrm>
             <a:custGeom>
+              <a:avLst/>
+              <a:gdLst/>
+              <a:ahLst/>
+              <a:cxnLst/>
+              <a:rect l="0" t="0" r="0" b="0"/>
               <a:pathLst>
-                <a:path extrusionOk="0" h="6875253" w="500332">
+                <a:path w="500332" h="6875253" extrusionOk="0">
                   <a:moveTo>
                     <a:pt x="0" y="0"/>
                   </a:moveTo>
@@ -3072,20 +3282,17 @@
             </a:ln>
           </p:spPr>
           <p:txBody>
-            <a:bodyPr anchorCtr="0" anchor="ctr" bIns="45700" lIns="91425" rIns="91425" wrap="square" tIns="45700">
+            <a:bodyPr wrap="square" lIns="91425" tIns="45700" rIns="91425" bIns="45700" anchor="ctr" anchorCtr="0">
               <a:noAutofit/>
             </a:bodyPr>
             <a:lstStyle/>
             <a:p>
-              <a:pPr indent="0" lvl="0" marL="0">
+              <a:pPr marL="0" lvl="0" indent="0">
                 <a:spcBef>
                   <a:spcPts val="0"/>
                 </a:spcBef>
                 <a:buNone/>
               </a:pPr>
-              <a:r>
-                <a:t/>
-              </a:r>
               <a:endParaRPr/>
             </a:p>
           </p:txBody>
@@ -3102,8 +3309,13 @@
               <a:ext cx="500332" cy="6858065"/>
             </a:xfrm>
             <a:custGeom>
+              <a:avLst/>
+              <a:gdLst/>
+              <a:ahLst/>
+              <a:cxnLst/>
+              <a:rect l="0" t="0" r="0" b="0"/>
               <a:pathLst>
-                <a:path extrusionOk="0" h="6875253" w="500332">
+                <a:path w="500332" h="6875253" extrusionOk="0">
                   <a:moveTo>
                     <a:pt x="0" y="0"/>
                   </a:moveTo>
@@ -3133,20 +3345,17 @@
             </a:ln>
           </p:spPr>
           <p:txBody>
-            <a:bodyPr anchorCtr="0" anchor="ctr" bIns="45700" lIns="91425" rIns="91425" wrap="square" tIns="45700">
+            <a:bodyPr wrap="square" lIns="91425" tIns="45700" rIns="91425" bIns="45700" anchor="ctr" anchorCtr="0">
               <a:noAutofit/>
             </a:bodyPr>
             <a:lstStyle/>
             <a:p>
-              <a:pPr indent="0" lvl="0" marL="0">
+              <a:pPr marL="0" lvl="0" indent="0">
                 <a:spcBef>
                   <a:spcPts val="0"/>
                 </a:spcBef>
                 <a:buNone/>
               </a:pPr>
-              <a:r>
-                <a:t/>
-              </a:r>
               <a:endParaRPr/>
             </a:p>
           </p:txBody>
@@ -3178,8 +3387,13 @@
               <a:ext cx="649181" cy="6858065"/>
             </a:xfrm>
             <a:custGeom>
+              <a:avLst/>
+              <a:gdLst/>
+              <a:ahLst/>
+              <a:cxnLst/>
+              <a:rect l="0" t="0" r="0" b="0"/>
               <a:pathLst>
-                <a:path extrusionOk="0" h="6875253" w="500332">
+                <a:path w="500332" h="6875253" extrusionOk="0">
                   <a:moveTo>
                     <a:pt x="0" y="0"/>
                   </a:moveTo>
@@ -3209,20 +3423,17 @@
             </a:ln>
           </p:spPr>
           <p:txBody>
-            <a:bodyPr anchorCtr="0" anchor="ctr" bIns="45700" lIns="91425" rIns="91425" wrap="square" tIns="45700">
+            <a:bodyPr wrap="square" lIns="91425" tIns="45700" rIns="91425" bIns="45700" anchor="ctr" anchorCtr="0">
               <a:noAutofit/>
             </a:bodyPr>
             <a:lstStyle/>
             <a:p>
-              <a:pPr indent="0" lvl="0" marL="0">
+              <a:pPr marL="0" lvl="0" indent="0">
                 <a:spcBef>
                   <a:spcPts val="0"/>
                 </a:spcBef>
                 <a:buNone/>
               </a:pPr>
-              <a:r>
-                <a:t/>
-              </a:r>
               <a:endParaRPr/>
             </a:p>
           </p:txBody>
@@ -3239,8 +3450,13 @@
               <a:ext cx="500332" cy="6858065"/>
             </a:xfrm>
             <a:custGeom>
+              <a:avLst/>
+              <a:gdLst/>
+              <a:ahLst/>
+              <a:cxnLst/>
+              <a:rect l="0" t="0" r="0" b="0"/>
               <a:pathLst>
-                <a:path extrusionOk="0" h="6875253" w="500332">
+                <a:path w="500332" h="6875253" extrusionOk="0">
                   <a:moveTo>
                     <a:pt x="0" y="0"/>
                   </a:moveTo>
@@ -3270,20 +3486,17 @@
             </a:ln>
           </p:spPr>
           <p:txBody>
-            <a:bodyPr anchorCtr="0" anchor="ctr" bIns="45700" lIns="91425" rIns="91425" wrap="square" tIns="45700">
+            <a:bodyPr wrap="square" lIns="91425" tIns="45700" rIns="91425" bIns="45700" anchor="ctr" anchorCtr="0">
               <a:noAutofit/>
             </a:bodyPr>
             <a:lstStyle/>
             <a:p>
-              <a:pPr indent="0" lvl="0" marL="0">
+              <a:pPr marL="0" lvl="0" indent="0">
                 <a:spcBef>
                   <a:spcPts val="0"/>
                 </a:spcBef>
                 <a:buNone/>
               </a:pPr>
-              <a:r>
-                <a:t/>
-              </a:r>
               <a:endParaRPr/>
             </a:p>
           </p:txBody>
@@ -3313,20 +3526,17 @@
           </a:ln>
         </p:spPr>
         <p:txBody>
-          <a:bodyPr anchorCtr="0" anchor="ctr" bIns="45700" lIns="91425" rIns="91425" wrap="square" tIns="45700">
+          <a:bodyPr wrap="square" lIns="91425" tIns="45700" rIns="91425" bIns="45700" anchor="ctr" anchorCtr="0">
             <a:noAutofit/>
           </a:bodyPr>
           <a:lstStyle/>
           <a:p>
-            <a:pPr indent="0" lvl="0" marL="0">
+            <a:pPr marL="0" lvl="0" indent="0">
               <a:spcBef>
                 <a:spcPts val="0"/>
               </a:spcBef>
               <a:buNone/>
             </a:pPr>
-            <a:r>
-              <a:t/>
-            </a:r>
             <a:endParaRPr/>
           </a:p>
         </p:txBody>
@@ -3334,7 +3544,9 @@
       <p:sp>
         <p:nvSpPr>
           <p:cNvPr id="38" name="Shape 38"/>
-          <p:cNvSpPr txBox="1"/>
+          <p:cNvSpPr txBox="1">
+            <a:spLocks noGrp="1"/>
+          </p:cNvSpPr>
           <p:nvPr>
             <p:ph type="title"/>
           </p:nvPr>
@@ -3353,16 +3565,16 @@
           </a:ln>
         </p:spPr>
         <p:txBody>
-          <a:bodyPr anchorCtr="0" anchor="b" bIns="91425" lIns="91425" rIns="91425" wrap="square" tIns="91425"/>
+          <a:bodyPr wrap="square" lIns="91425" tIns="91425" rIns="91425" bIns="91425" anchor="b" anchorCtr="0"/>
           <a:lstStyle>
-            <a:lvl1pPr lvl="0" rtl="0" algn="l">
+            <a:lvl1pPr lvl="0" algn="l" rtl="0">
               <a:spcBef>
                 <a:spcPts val="0"/>
               </a:spcBef>
               <a:buSzPts val="3600"/>
               <a:buFont typeface="Trebuchet MS"/>
               <a:buNone/>
-              <a:defRPr b="1" sz="3600">
+              <a:defRPr sz="3600" b="1">
                 <a:solidFill>
                   <a:schemeClr val="lt2"/>
                 </a:solidFill>
@@ -3372,14 +3584,14 @@
                 <a:sym typeface="Trebuchet MS"/>
               </a:defRPr>
             </a:lvl1pPr>
-            <a:lvl2pPr lvl="1" rtl="0" algn="l">
+            <a:lvl2pPr lvl="1" algn="l" rtl="0">
               <a:spcBef>
                 <a:spcPts val="0"/>
               </a:spcBef>
               <a:buSzPts val="3600"/>
               <a:buFont typeface="Trebuchet MS"/>
               <a:buNone/>
-              <a:defRPr b="1" sz="3600">
+              <a:defRPr sz="3600" b="1">
                 <a:solidFill>
                   <a:schemeClr val="lt2"/>
                 </a:solidFill>
@@ -3389,14 +3601,14 @@
                 <a:sym typeface="Trebuchet MS"/>
               </a:defRPr>
             </a:lvl2pPr>
-            <a:lvl3pPr lvl="2" rtl="0" algn="l">
+            <a:lvl3pPr lvl="2" algn="l" rtl="0">
               <a:spcBef>
                 <a:spcPts val="0"/>
               </a:spcBef>
               <a:buSzPts val="3600"/>
               <a:buFont typeface="Trebuchet MS"/>
               <a:buNone/>
-              <a:defRPr b="1" sz="3600">
+              <a:defRPr sz="3600" b="1">
                 <a:solidFill>
                   <a:schemeClr val="lt2"/>
                 </a:solidFill>
@@ -3406,14 +3618,14 @@
                 <a:sym typeface="Trebuchet MS"/>
               </a:defRPr>
             </a:lvl3pPr>
-            <a:lvl4pPr lvl="3" rtl="0" algn="l">
+            <a:lvl4pPr lvl="3" algn="l" rtl="0">
               <a:spcBef>
                 <a:spcPts val="0"/>
               </a:spcBef>
               <a:buSzPts val="3600"/>
               <a:buFont typeface="Trebuchet MS"/>
               <a:buNone/>
-              <a:defRPr b="1" sz="3600">
+              <a:defRPr sz="3600" b="1">
                 <a:solidFill>
                   <a:schemeClr val="lt2"/>
                 </a:solidFill>
@@ -3423,14 +3635,14 @@
                 <a:sym typeface="Trebuchet MS"/>
               </a:defRPr>
             </a:lvl4pPr>
-            <a:lvl5pPr lvl="4" rtl="0" algn="l">
+            <a:lvl5pPr lvl="4" algn="l" rtl="0">
               <a:spcBef>
                 <a:spcPts val="0"/>
               </a:spcBef>
               <a:buSzPts val="3600"/>
               <a:buFont typeface="Trebuchet MS"/>
               <a:buNone/>
-              <a:defRPr b="1" sz="3600">
+              <a:defRPr sz="3600" b="1">
                 <a:solidFill>
                   <a:schemeClr val="lt2"/>
                 </a:solidFill>
@@ -3440,14 +3652,14 @@
                 <a:sym typeface="Trebuchet MS"/>
               </a:defRPr>
             </a:lvl5pPr>
-            <a:lvl6pPr lvl="5" rtl="0" algn="l">
+            <a:lvl6pPr lvl="5" algn="l" rtl="0">
               <a:spcBef>
                 <a:spcPts val="0"/>
               </a:spcBef>
               <a:buSzPts val="3600"/>
               <a:buFont typeface="Trebuchet MS"/>
               <a:buNone/>
-              <a:defRPr b="1" sz="3600">
+              <a:defRPr sz="3600" b="1">
                 <a:solidFill>
                   <a:schemeClr val="lt2"/>
                 </a:solidFill>
@@ -3457,14 +3669,14 @@
                 <a:sym typeface="Trebuchet MS"/>
               </a:defRPr>
             </a:lvl6pPr>
-            <a:lvl7pPr lvl="6" rtl="0" algn="l">
+            <a:lvl7pPr lvl="6" algn="l" rtl="0">
               <a:spcBef>
                 <a:spcPts val="0"/>
               </a:spcBef>
               <a:buSzPts val="3600"/>
               <a:buFont typeface="Trebuchet MS"/>
               <a:buNone/>
-              <a:defRPr b="1" sz="3600">
+              <a:defRPr sz="3600" b="1">
                 <a:solidFill>
                   <a:schemeClr val="lt2"/>
                 </a:solidFill>
@@ -3474,14 +3686,14 @@
                 <a:sym typeface="Trebuchet MS"/>
               </a:defRPr>
             </a:lvl7pPr>
-            <a:lvl8pPr lvl="7" rtl="0" algn="l">
+            <a:lvl8pPr lvl="7" algn="l" rtl="0">
               <a:spcBef>
                 <a:spcPts val="0"/>
               </a:spcBef>
               <a:buSzPts val="3600"/>
               <a:buFont typeface="Trebuchet MS"/>
               <a:buNone/>
-              <a:defRPr b="1" sz="3600">
+              <a:defRPr sz="3600" b="1">
                 <a:solidFill>
                   <a:schemeClr val="lt2"/>
                 </a:solidFill>
@@ -3491,14 +3703,14 @@
                 <a:sym typeface="Trebuchet MS"/>
               </a:defRPr>
             </a:lvl8pPr>
-            <a:lvl9pPr lvl="8" rtl="0" algn="l">
+            <a:lvl9pPr lvl="8" algn="l" rtl="0">
               <a:spcBef>
                 <a:spcPts val="0"/>
               </a:spcBef>
               <a:buSzPts val="3600"/>
               <a:buFont typeface="Trebuchet MS"/>
               <a:buNone/>
-              <a:defRPr b="1" sz="3600">
+              <a:defRPr sz="3600" b="1">
                 <a:solidFill>
                   <a:schemeClr val="lt2"/>
                 </a:solidFill>
@@ -3509,15 +3721,19 @@
               </a:defRPr>
             </a:lvl9pPr>
           </a:lstStyle>
-          <a:p/>
+          <a:p>
+            <a:endParaRPr/>
+          </a:p>
         </p:txBody>
       </p:sp>
       <p:sp>
         <p:nvSpPr>
           <p:cNvPr id="39" name="Shape 39"/>
-          <p:cNvSpPr txBox="1"/>
+          <p:cNvSpPr txBox="1">
+            <a:spLocks noGrp="1"/>
+          </p:cNvSpPr>
           <p:nvPr>
-            <p:ph idx="1" type="body"/>
+            <p:ph type="body" idx="1"/>
           </p:nvPr>
         </p:nvSpPr>
         <p:spPr>
@@ -3534,7 +3750,7 @@
           </a:ln>
         </p:spPr>
         <p:txBody>
-          <a:bodyPr anchorCtr="0" anchor="t" bIns="91425" lIns="91425" rIns="91425" wrap="square" tIns="91425"/>
+          <a:bodyPr wrap="square" lIns="91425" tIns="91425" rIns="91425" bIns="91425" anchor="t" anchorCtr="0"/>
           <a:lstStyle>
             <a:lvl1pPr lvl="0" rtl="0">
               <a:spcBef>
@@ -3609,15 +3825,19 @@
               <a:defRPr sz="1800"/>
             </a:lvl9pPr>
           </a:lstStyle>
-          <a:p/>
+          <a:p>
+            <a:endParaRPr/>
+          </a:p>
         </p:txBody>
       </p:sp>
       <p:sp>
         <p:nvSpPr>
           <p:cNvPr id="40" name="Shape 40"/>
-          <p:cNvSpPr txBox="1"/>
+          <p:cNvSpPr txBox="1">
+            <a:spLocks noGrp="1"/>
+          </p:cNvSpPr>
           <p:nvPr>
-            <p:ph idx="2" type="body"/>
+            <p:ph type="body" idx="2"/>
           </p:nvPr>
         </p:nvSpPr>
         <p:spPr>
@@ -3634,7 +3854,7 @@
           </a:ln>
         </p:spPr>
         <p:txBody>
-          <a:bodyPr anchorCtr="0" anchor="t" bIns="91425" lIns="91425" rIns="91425" wrap="square" tIns="91425"/>
+          <a:bodyPr wrap="square" lIns="91425" tIns="91425" rIns="91425" bIns="91425" anchor="t" anchorCtr="0"/>
           <a:lstStyle>
             <a:lvl1pPr lvl="0" rtl="0">
               <a:spcBef>
@@ -3709,7 +3929,9 @@
               <a:defRPr sz="1800"/>
             </a:lvl9pPr>
           </a:lstStyle>
-          <a:p/>
+          <a:p>
+            <a:endParaRPr/>
+          </a:p>
         </p:txBody>
       </p:sp>
     </p:spTree>
@@ -3721,11 +3943,11 @@
 </file>
 
 <file path=ppt/slideLayouts/slideLayout4.xml><?xml version="1.0" encoding="utf-8"?>
-<p:sldLayout xmlns:a="http://schemas.openxmlformats.org/drawingml/2006/main" xmlns:r="http://schemas.openxmlformats.org/officeDocument/2006/relationships" xmlns:mc="http://schemas.openxmlformats.org/markup-compatibility/2006" xmlns:mv="urn:schemas-microsoft-com:mac:vml" xmlns:p="http://schemas.openxmlformats.org/presentationml/2006/main" xmlns:c="http://schemas.openxmlformats.org/drawingml/2006/chart" xmlns:dgm="http://schemas.openxmlformats.org/drawingml/2006/diagram" xmlns:o="urn:schemas-microsoft-com:office:office" xmlns:v="urn:schemas-microsoft-com:vml" xmlns:pvml="urn:schemas-microsoft-com:office:powerpoint" xmlns:com="http://schemas.openxmlformats.org/drawingml/2006/compatibility" xmlns:p14="http://schemas.microsoft.com/office/powerpoint/2010/main" xmlns:p15="http://schemas.microsoft.com/office/powerpoint/2012/main" type="titleOnly">
+<p:sldLayout xmlns:a="http://schemas.openxmlformats.org/drawingml/2006/main" xmlns:r="http://schemas.openxmlformats.org/officeDocument/2006/relationships" xmlns:p="http://schemas.openxmlformats.org/presentationml/2006/main" type="titleOnly">
   <p:cSld name="Title only">
     <p:spTree>
       <p:nvGrpSpPr>
-        <p:cNvPr id="41" name="Shape 41"/>
+        <p:cNvPr id="1" name="Shape 41"/>
         <p:cNvGrpSpPr/>
         <p:nvPr/>
       </p:nvGrpSpPr>
@@ -3761,20 +3983,17 @@
           </a:ln>
         </p:spPr>
         <p:txBody>
-          <a:bodyPr anchorCtr="0" anchor="ctr" bIns="45700" lIns="91425" rIns="91425" wrap="square" tIns="45700">
+          <a:bodyPr wrap="square" lIns="91425" tIns="45700" rIns="91425" bIns="45700" anchor="ctr" anchorCtr="0">
             <a:noAutofit/>
           </a:bodyPr>
           <a:lstStyle/>
           <a:p>
-            <a:pPr indent="0" lvl="0" marL="0">
+            <a:pPr marL="0" lvl="0" indent="0">
               <a:spcBef>
                 <a:spcPts val="0"/>
               </a:spcBef>
               <a:buNone/>
             </a:pPr>
-            <a:r>
-              <a:t/>
-            </a:r>
             <a:endParaRPr/>
           </a:p>
         </p:txBody>
@@ -3805,8 +4024,13 @@
               <a:ext cx="649181" cy="6858065"/>
             </a:xfrm>
             <a:custGeom>
+              <a:avLst/>
+              <a:gdLst/>
+              <a:ahLst/>
+              <a:cxnLst/>
+              <a:rect l="0" t="0" r="0" b="0"/>
               <a:pathLst>
-                <a:path extrusionOk="0" h="6875253" w="500332">
+                <a:path w="500332" h="6875253" extrusionOk="0">
                   <a:moveTo>
                     <a:pt x="0" y="0"/>
                   </a:moveTo>
@@ -3836,20 +4060,17 @@
             </a:ln>
           </p:spPr>
           <p:txBody>
-            <a:bodyPr anchorCtr="0" anchor="ctr" bIns="45700" lIns="91425" rIns="91425" wrap="square" tIns="45700">
+            <a:bodyPr wrap="square" lIns="91425" tIns="45700" rIns="91425" bIns="45700" anchor="ctr" anchorCtr="0">
               <a:noAutofit/>
             </a:bodyPr>
             <a:lstStyle/>
             <a:p>
-              <a:pPr indent="0" lvl="0" marL="0">
+              <a:pPr marL="0" lvl="0" indent="0">
                 <a:spcBef>
                   <a:spcPts val="0"/>
                 </a:spcBef>
                 <a:buNone/>
               </a:pPr>
-              <a:r>
-                <a:t/>
-              </a:r>
               <a:endParaRPr/>
             </a:p>
           </p:txBody>
@@ -3866,8 +4087,13 @@
               <a:ext cx="500332" cy="6858065"/>
             </a:xfrm>
             <a:custGeom>
+              <a:avLst/>
+              <a:gdLst/>
+              <a:ahLst/>
+              <a:cxnLst/>
+              <a:rect l="0" t="0" r="0" b="0"/>
               <a:pathLst>
-                <a:path extrusionOk="0" h="6875253" w="500332">
+                <a:path w="500332" h="6875253" extrusionOk="0">
                   <a:moveTo>
                     <a:pt x="0" y="0"/>
                   </a:moveTo>
@@ -3897,20 +4123,17 @@
             </a:ln>
           </p:spPr>
           <p:txBody>
-            <a:bodyPr anchorCtr="0" anchor="ctr" bIns="45700" lIns="91425" rIns="91425" wrap="square" tIns="45700">
+            <a:bodyPr wrap="square" lIns="91425" tIns="45700" rIns="91425" bIns="45700" anchor="ctr" anchorCtr="0">
               <a:noAutofit/>
             </a:bodyPr>
             <a:lstStyle/>
             <a:p>
-              <a:pPr indent="0" lvl="0" marL="0">
+              <a:pPr marL="0" lvl="0" indent="0">
                 <a:spcBef>
                   <a:spcPts val="0"/>
                 </a:spcBef>
                 <a:buNone/>
               </a:pPr>
-              <a:r>
-                <a:t/>
-              </a:r>
               <a:endParaRPr/>
             </a:p>
           </p:txBody>
@@ -3942,8 +4165,13 @@
               <a:ext cx="649181" cy="6858065"/>
             </a:xfrm>
             <a:custGeom>
+              <a:avLst/>
+              <a:gdLst/>
+              <a:ahLst/>
+              <a:cxnLst/>
+              <a:rect l="0" t="0" r="0" b="0"/>
               <a:pathLst>
-                <a:path extrusionOk="0" h="6875253" w="500332">
+                <a:path w="500332" h="6875253" extrusionOk="0">
                   <a:moveTo>
                     <a:pt x="0" y="0"/>
                   </a:moveTo>
@@ -3973,20 +4201,17 @@
             </a:ln>
           </p:spPr>
           <p:txBody>
-            <a:bodyPr anchorCtr="0" anchor="ctr" bIns="45700" lIns="91425" rIns="91425" wrap="square" tIns="45700">
+            <a:bodyPr wrap="square" lIns="91425" tIns="45700" rIns="91425" bIns="45700" anchor="ctr" anchorCtr="0">
               <a:noAutofit/>
             </a:bodyPr>
             <a:lstStyle/>
             <a:p>
-              <a:pPr indent="0" lvl="0" marL="0">
+              <a:pPr marL="0" lvl="0" indent="0">
                 <a:spcBef>
                   <a:spcPts val="0"/>
                 </a:spcBef>
                 <a:buNone/>
               </a:pPr>
-              <a:r>
-                <a:t/>
-              </a:r>
               <a:endParaRPr/>
             </a:p>
           </p:txBody>
@@ -4003,8 +4228,13 @@
               <a:ext cx="500332" cy="6858065"/>
             </a:xfrm>
             <a:custGeom>
+              <a:avLst/>
+              <a:gdLst/>
+              <a:ahLst/>
+              <a:cxnLst/>
+              <a:rect l="0" t="0" r="0" b="0"/>
               <a:pathLst>
-                <a:path extrusionOk="0" h="6875253" w="500332">
+                <a:path w="500332" h="6875253" extrusionOk="0">
                   <a:moveTo>
                     <a:pt x="0" y="0"/>
                   </a:moveTo>
@@ -4034,20 +4264,17 @@
             </a:ln>
           </p:spPr>
           <p:txBody>
-            <a:bodyPr anchorCtr="0" anchor="ctr" bIns="45700" lIns="91425" rIns="91425" wrap="square" tIns="45700">
+            <a:bodyPr wrap="square" lIns="91425" tIns="45700" rIns="91425" bIns="45700" anchor="ctr" anchorCtr="0">
               <a:noAutofit/>
             </a:bodyPr>
             <a:lstStyle/>
             <a:p>
-              <a:pPr indent="0" lvl="0" marL="0">
+              <a:pPr marL="0" lvl="0" indent="0">
                 <a:spcBef>
                   <a:spcPts val="0"/>
                 </a:spcBef>
                 <a:buNone/>
               </a:pPr>
-              <a:r>
-                <a:t/>
-              </a:r>
               <a:endParaRPr/>
             </a:p>
           </p:txBody>
@@ -4077,20 +4304,17 @@
           </a:ln>
         </p:spPr>
         <p:txBody>
-          <a:bodyPr anchorCtr="0" anchor="ctr" bIns="45700" lIns="91425" rIns="91425" wrap="square" tIns="45700">
+          <a:bodyPr wrap="square" lIns="91425" tIns="45700" rIns="91425" bIns="45700" anchor="ctr" anchorCtr="0">
             <a:noAutofit/>
           </a:bodyPr>
           <a:lstStyle/>
           <a:p>
-            <a:pPr indent="0" lvl="0" marL="0">
+            <a:pPr marL="0" lvl="0" indent="0">
               <a:spcBef>
                 <a:spcPts val="0"/>
               </a:spcBef>
               <a:buNone/>
             </a:pPr>
-            <a:r>
-              <a:t/>
-            </a:r>
             <a:endParaRPr/>
           </a:p>
         </p:txBody>
@@ -4098,7 +4322,9 @@
       <p:sp>
         <p:nvSpPr>
           <p:cNvPr id="50" name="Shape 50"/>
-          <p:cNvSpPr txBox="1"/>
+          <p:cNvSpPr txBox="1">
+            <a:spLocks noGrp="1"/>
+          </p:cNvSpPr>
           <p:nvPr>
             <p:ph type="title"/>
           </p:nvPr>
@@ -4117,16 +4343,16 @@
           </a:ln>
         </p:spPr>
         <p:txBody>
-          <a:bodyPr anchorCtr="0" anchor="b" bIns="91425" lIns="91425" rIns="91425" wrap="square" tIns="91425"/>
+          <a:bodyPr wrap="square" lIns="91425" tIns="91425" rIns="91425" bIns="91425" anchor="b" anchorCtr="0"/>
           <a:lstStyle>
-            <a:lvl1pPr lvl="0" rtl="0" algn="l">
+            <a:lvl1pPr lvl="0" algn="l" rtl="0">
               <a:spcBef>
                 <a:spcPts val="0"/>
               </a:spcBef>
               <a:buSzPts val="3600"/>
               <a:buFont typeface="Trebuchet MS"/>
               <a:buNone/>
-              <a:defRPr b="1" sz="3600">
+              <a:defRPr sz="3600" b="1">
                 <a:solidFill>
                   <a:schemeClr val="lt2"/>
                 </a:solidFill>
@@ -4136,14 +4362,14 @@
                 <a:sym typeface="Trebuchet MS"/>
               </a:defRPr>
             </a:lvl1pPr>
-            <a:lvl2pPr lvl="1" rtl="0" algn="l">
+            <a:lvl2pPr lvl="1" algn="l" rtl="0">
               <a:spcBef>
                 <a:spcPts val="0"/>
               </a:spcBef>
               <a:buSzPts val="3600"/>
               <a:buFont typeface="Trebuchet MS"/>
               <a:buNone/>
-              <a:defRPr b="1" sz="3600">
+              <a:defRPr sz="3600" b="1">
                 <a:solidFill>
                   <a:schemeClr val="lt2"/>
                 </a:solidFill>
@@ -4153,14 +4379,14 @@
                 <a:sym typeface="Trebuchet MS"/>
               </a:defRPr>
             </a:lvl2pPr>
-            <a:lvl3pPr lvl="2" rtl="0" algn="l">
+            <a:lvl3pPr lvl="2" algn="l" rtl="0">
               <a:spcBef>
                 <a:spcPts val="0"/>
               </a:spcBef>
               <a:buSzPts val="3600"/>
               <a:buFont typeface="Trebuchet MS"/>
               <a:buNone/>
-              <a:defRPr b="1" sz="3600">
+              <a:defRPr sz="3600" b="1">
                 <a:solidFill>
                   <a:schemeClr val="lt2"/>
                 </a:solidFill>
@@ -4170,14 +4396,14 @@
                 <a:sym typeface="Trebuchet MS"/>
               </a:defRPr>
             </a:lvl3pPr>
-            <a:lvl4pPr lvl="3" rtl="0" algn="l">
+            <a:lvl4pPr lvl="3" algn="l" rtl="0">
               <a:spcBef>
                 <a:spcPts val="0"/>
               </a:spcBef>
               <a:buSzPts val="3600"/>
               <a:buFont typeface="Trebuchet MS"/>
               <a:buNone/>
-              <a:defRPr b="1" sz="3600">
+              <a:defRPr sz="3600" b="1">
                 <a:solidFill>
                   <a:schemeClr val="lt2"/>
                 </a:solidFill>
@@ -4187,14 +4413,14 @@
                 <a:sym typeface="Trebuchet MS"/>
               </a:defRPr>
             </a:lvl4pPr>
-            <a:lvl5pPr lvl="4" rtl="0" algn="l">
+            <a:lvl5pPr lvl="4" algn="l" rtl="0">
               <a:spcBef>
                 <a:spcPts val="0"/>
               </a:spcBef>
               <a:buSzPts val="3600"/>
               <a:buFont typeface="Trebuchet MS"/>
               <a:buNone/>
-              <a:defRPr b="1" sz="3600">
+              <a:defRPr sz="3600" b="1">
                 <a:solidFill>
                   <a:schemeClr val="lt2"/>
                 </a:solidFill>
@@ -4204,14 +4430,14 @@
                 <a:sym typeface="Trebuchet MS"/>
               </a:defRPr>
             </a:lvl5pPr>
-            <a:lvl6pPr lvl="5" rtl="0" algn="l">
+            <a:lvl6pPr lvl="5" algn="l" rtl="0">
               <a:spcBef>
                 <a:spcPts val="0"/>
               </a:spcBef>
               <a:buSzPts val="3600"/>
               <a:buFont typeface="Trebuchet MS"/>
               <a:buNone/>
-              <a:defRPr b="1" sz="3600">
+              <a:defRPr sz="3600" b="1">
                 <a:solidFill>
                   <a:schemeClr val="lt2"/>
                 </a:solidFill>
@@ -4221,14 +4447,14 @@
                 <a:sym typeface="Trebuchet MS"/>
               </a:defRPr>
             </a:lvl6pPr>
-            <a:lvl7pPr lvl="6" rtl="0" algn="l">
+            <a:lvl7pPr lvl="6" algn="l" rtl="0">
               <a:spcBef>
                 <a:spcPts val="0"/>
               </a:spcBef>
               <a:buSzPts val="3600"/>
               <a:buFont typeface="Trebuchet MS"/>
               <a:buNone/>
-              <a:defRPr b="1" sz="3600">
+              <a:defRPr sz="3600" b="1">
                 <a:solidFill>
                   <a:schemeClr val="lt2"/>
                 </a:solidFill>
@@ -4238,14 +4464,14 @@
                 <a:sym typeface="Trebuchet MS"/>
               </a:defRPr>
             </a:lvl7pPr>
-            <a:lvl8pPr lvl="7" rtl="0" algn="l">
+            <a:lvl8pPr lvl="7" algn="l" rtl="0">
               <a:spcBef>
                 <a:spcPts val="0"/>
               </a:spcBef>
               <a:buSzPts val="3600"/>
               <a:buFont typeface="Trebuchet MS"/>
               <a:buNone/>
-              <a:defRPr b="1" sz="3600">
+              <a:defRPr sz="3600" b="1">
                 <a:solidFill>
                   <a:schemeClr val="lt2"/>
                 </a:solidFill>
@@ -4255,14 +4481,14 @@
                 <a:sym typeface="Trebuchet MS"/>
               </a:defRPr>
             </a:lvl8pPr>
-            <a:lvl9pPr lvl="8" rtl="0" algn="l">
+            <a:lvl9pPr lvl="8" algn="l" rtl="0">
               <a:spcBef>
                 <a:spcPts val="0"/>
               </a:spcBef>
               <a:buSzPts val="3600"/>
               <a:buFont typeface="Trebuchet MS"/>
               <a:buNone/>
-              <a:defRPr b="1" sz="3600">
+              <a:defRPr sz="3600" b="1">
                 <a:solidFill>
                   <a:schemeClr val="lt2"/>
                 </a:solidFill>
@@ -4273,7 +4499,9 @@
               </a:defRPr>
             </a:lvl9pPr>
           </a:lstStyle>
-          <a:p/>
+          <a:p>
+            <a:endParaRPr/>
+          </a:p>
         </p:txBody>
       </p:sp>
     </p:spTree>
@@ -4285,11 +4513,11 @@
 </file>
 
 <file path=ppt/slideLayouts/slideLayout5.xml><?xml version="1.0" encoding="utf-8"?>
-<p:sldLayout xmlns:a="http://schemas.openxmlformats.org/drawingml/2006/main" xmlns:r="http://schemas.openxmlformats.org/officeDocument/2006/relationships" xmlns:mc="http://schemas.openxmlformats.org/markup-compatibility/2006" xmlns:mv="urn:schemas-microsoft-com:mac:vml" xmlns:p="http://schemas.openxmlformats.org/presentationml/2006/main" xmlns:c="http://schemas.openxmlformats.org/drawingml/2006/chart" xmlns:dgm="http://schemas.openxmlformats.org/drawingml/2006/diagram" xmlns:o="urn:schemas-microsoft-com:office:office" xmlns:v="urn:schemas-microsoft-com:vml" xmlns:pvml="urn:schemas-microsoft-com:office:powerpoint" xmlns:com="http://schemas.openxmlformats.org/drawingml/2006/compatibility" xmlns:p14="http://schemas.microsoft.com/office/powerpoint/2010/main" xmlns:p15="http://schemas.microsoft.com/office/powerpoint/2012/main">
+<p:sldLayout xmlns:a="http://schemas.openxmlformats.org/drawingml/2006/main" xmlns:r="http://schemas.openxmlformats.org/officeDocument/2006/relationships" xmlns:p="http://schemas.openxmlformats.org/presentationml/2006/main">
   <p:cSld name="Caption">
     <p:spTree>
       <p:nvGrpSpPr>
-        <p:cNvPr id="51" name="Shape 51"/>
+        <p:cNvPr id="1" name="Shape 51"/>
         <p:cNvGrpSpPr/>
         <p:nvPr/>
       </p:nvGrpSpPr>
@@ -4325,20 +4553,17 @@
           </a:ln>
         </p:spPr>
         <p:txBody>
-          <a:bodyPr anchorCtr="0" anchor="ctr" bIns="45700" lIns="91425" rIns="91425" wrap="square" tIns="45700">
+          <a:bodyPr wrap="square" lIns="91425" tIns="45700" rIns="91425" bIns="45700" anchor="ctr" anchorCtr="0">
             <a:noAutofit/>
           </a:bodyPr>
           <a:lstStyle/>
           <a:p>
-            <a:pPr indent="0" lvl="0" marL="0">
+            <a:pPr marL="0" lvl="0" indent="0">
               <a:spcBef>
                 <a:spcPts val="0"/>
               </a:spcBef>
               <a:buNone/>
             </a:pPr>
-            <a:r>
-              <a:t/>
-            </a:r>
             <a:endParaRPr/>
           </a:p>
         </p:txBody>
@@ -4369,8 +4594,13 @@
               <a:ext cx="649181" cy="6858065"/>
             </a:xfrm>
             <a:custGeom>
+              <a:avLst/>
+              <a:gdLst/>
+              <a:ahLst/>
+              <a:cxnLst/>
+              <a:rect l="0" t="0" r="0" b="0"/>
               <a:pathLst>
-                <a:path extrusionOk="0" h="6875253" w="500332">
+                <a:path w="500332" h="6875253" extrusionOk="0">
                   <a:moveTo>
                     <a:pt x="0" y="0"/>
                   </a:moveTo>
@@ -4400,20 +4630,17 @@
             </a:ln>
           </p:spPr>
           <p:txBody>
-            <a:bodyPr anchorCtr="0" anchor="ctr" bIns="45700" lIns="91425" rIns="91425" wrap="square" tIns="45700">
+            <a:bodyPr wrap="square" lIns="91425" tIns="45700" rIns="91425" bIns="45700" anchor="ctr" anchorCtr="0">
               <a:noAutofit/>
             </a:bodyPr>
             <a:lstStyle/>
             <a:p>
-              <a:pPr indent="0" lvl="0" marL="0">
+              <a:pPr marL="0" lvl="0" indent="0">
                 <a:spcBef>
                   <a:spcPts val="0"/>
                 </a:spcBef>
                 <a:buNone/>
               </a:pPr>
-              <a:r>
-                <a:t/>
-              </a:r>
               <a:endParaRPr/>
             </a:p>
           </p:txBody>
@@ -4430,8 +4657,13 @@
               <a:ext cx="500332" cy="6858065"/>
             </a:xfrm>
             <a:custGeom>
+              <a:avLst/>
+              <a:gdLst/>
+              <a:ahLst/>
+              <a:cxnLst/>
+              <a:rect l="0" t="0" r="0" b="0"/>
               <a:pathLst>
-                <a:path extrusionOk="0" h="6875253" w="500332">
+                <a:path w="500332" h="6875253" extrusionOk="0">
                   <a:moveTo>
                     <a:pt x="0" y="0"/>
                   </a:moveTo>
@@ -4461,20 +4693,17 @@
             </a:ln>
           </p:spPr>
           <p:txBody>
-            <a:bodyPr anchorCtr="0" anchor="ctr" bIns="45700" lIns="91425" rIns="91425" wrap="square" tIns="45700">
+            <a:bodyPr wrap="square" lIns="91425" tIns="45700" rIns="91425" bIns="45700" anchor="ctr" anchorCtr="0">
               <a:noAutofit/>
             </a:bodyPr>
             <a:lstStyle/>
             <a:p>
-              <a:pPr indent="0" lvl="0" marL="0">
+              <a:pPr marL="0" lvl="0" indent="0">
                 <a:spcBef>
                   <a:spcPts val="0"/>
                 </a:spcBef>
                 <a:buNone/>
               </a:pPr>
-              <a:r>
-                <a:t/>
-              </a:r>
               <a:endParaRPr/>
             </a:p>
           </p:txBody>
@@ -4506,8 +4735,13 @@
               <a:ext cx="649181" cy="6858065"/>
             </a:xfrm>
             <a:custGeom>
+              <a:avLst/>
+              <a:gdLst/>
+              <a:ahLst/>
+              <a:cxnLst/>
+              <a:rect l="0" t="0" r="0" b="0"/>
               <a:pathLst>
-                <a:path extrusionOk="0" h="6875253" w="500332">
+                <a:path w="500332" h="6875253" extrusionOk="0">
                   <a:moveTo>
                     <a:pt x="0" y="0"/>
                   </a:moveTo>
@@ -4537,20 +4771,17 @@
             </a:ln>
           </p:spPr>
           <p:txBody>
-            <a:bodyPr anchorCtr="0" anchor="ctr" bIns="45700" lIns="91425" rIns="91425" wrap="square" tIns="45700">
+            <a:bodyPr wrap="square" lIns="91425" tIns="45700" rIns="91425" bIns="45700" anchor="ctr" anchorCtr="0">
               <a:noAutofit/>
             </a:bodyPr>
             <a:lstStyle/>
             <a:p>
-              <a:pPr indent="0" lvl="0" marL="0">
+              <a:pPr marL="0" lvl="0" indent="0">
                 <a:spcBef>
                   <a:spcPts val="0"/>
                 </a:spcBef>
                 <a:buNone/>
               </a:pPr>
-              <a:r>
-                <a:t/>
-              </a:r>
               <a:endParaRPr/>
             </a:p>
           </p:txBody>
@@ -4567,8 +4798,13 @@
               <a:ext cx="500332" cy="6858065"/>
             </a:xfrm>
             <a:custGeom>
+              <a:avLst/>
+              <a:gdLst/>
+              <a:ahLst/>
+              <a:cxnLst/>
+              <a:rect l="0" t="0" r="0" b="0"/>
               <a:pathLst>
-                <a:path extrusionOk="0" h="6875253" w="500332">
+                <a:path w="500332" h="6875253" extrusionOk="0">
                   <a:moveTo>
                     <a:pt x="0" y="0"/>
                   </a:moveTo>
@@ -4598,20 +4834,17 @@
             </a:ln>
           </p:spPr>
           <p:txBody>
-            <a:bodyPr anchorCtr="0" anchor="ctr" bIns="45700" lIns="91425" rIns="91425" wrap="square" tIns="45700">
+            <a:bodyPr wrap="square" lIns="91425" tIns="45700" rIns="91425" bIns="45700" anchor="ctr" anchorCtr="0">
               <a:noAutofit/>
             </a:bodyPr>
             <a:lstStyle/>
             <a:p>
-              <a:pPr indent="0" lvl="0" marL="0">
+              <a:pPr marL="0" lvl="0" indent="0">
                 <a:spcBef>
                   <a:spcPts val="0"/>
                 </a:spcBef>
                 <a:buNone/>
               </a:pPr>
-              <a:r>
-                <a:t/>
-              </a:r>
               <a:endParaRPr/>
             </a:p>
           </p:txBody>
@@ -4641,20 +4874,17 @@
           </a:ln>
         </p:spPr>
         <p:txBody>
-          <a:bodyPr anchorCtr="0" anchor="ctr" bIns="45700" lIns="91425" rIns="91425" wrap="square" tIns="45700">
+          <a:bodyPr wrap="square" lIns="91425" tIns="45700" rIns="91425" bIns="45700" anchor="ctr" anchorCtr="0">
             <a:noAutofit/>
           </a:bodyPr>
           <a:lstStyle/>
           <a:p>
-            <a:pPr indent="0" lvl="0" marL="0">
+            <a:pPr marL="0" lvl="0" indent="0">
               <a:spcBef>
                 <a:spcPts val="0"/>
               </a:spcBef>
               <a:buNone/>
             </a:pPr>
-            <a:r>
-              <a:t/>
-            </a:r>
             <a:endParaRPr/>
           </a:p>
         </p:txBody>
@@ -4662,9 +4892,11 @@
       <p:sp>
         <p:nvSpPr>
           <p:cNvPr id="60" name="Shape 60"/>
-          <p:cNvSpPr txBox="1"/>
+          <p:cNvSpPr txBox="1">
+            <a:spLocks noGrp="1"/>
+          </p:cNvSpPr>
           <p:nvPr>
-            <p:ph idx="1" type="body"/>
+            <p:ph type="body" idx="1"/>
           </p:nvPr>
         </p:nvSpPr>
         <p:spPr>
@@ -4681,9 +4913,9 @@
           </a:ln>
         </p:spPr>
         <p:txBody>
-          <a:bodyPr anchorCtr="0" anchor="t" bIns="91425" lIns="91425" rIns="91425" wrap="square" tIns="91425"/>
+          <a:bodyPr wrap="square" lIns="91425" tIns="91425" rIns="91425" bIns="91425" anchor="t" anchorCtr="0"/>
           <a:lstStyle>
-            <a:lvl1pPr lvl="0" rtl="0" algn="ctr">
+            <a:lvl1pPr lvl="0" algn="ctr" rtl="0">
               <a:lnSpc>
                 <a:spcPct val="100000"/>
               </a:lnSpc>
@@ -4705,7 +4937,7 @@
                 </a:solidFill>
               </a:defRPr>
             </a:lvl1pPr>
-            <a:lvl2pPr lvl="1" rtl="0" algn="ctr">
+            <a:lvl2pPr lvl="1" algn="ctr" rtl="0">
               <a:lnSpc>
                 <a:spcPct val="100000"/>
               </a:lnSpc>
@@ -4727,7 +4959,7 @@
                 </a:solidFill>
               </a:defRPr>
             </a:lvl2pPr>
-            <a:lvl3pPr lvl="2" rtl="0" algn="ctr">
+            <a:lvl3pPr lvl="2" algn="ctr" rtl="0">
               <a:lnSpc>
                 <a:spcPct val="100000"/>
               </a:lnSpc>
@@ -4749,7 +4981,7 @@
                 </a:solidFill>
               </a:defRPr>
             </a:lvl3pPr>
-            <a:lvl4pPr lvl="3" rtl="0" algn="ctr">
+            <a:lvl4pPr lvl="3" algn="ctr" rtl="0">
               <a:lnSpc>
                 <a:spcPct val="100000"/>
               </a:lnSpc>
@@ -4771,7 +5003,7 @@
                 </a:solidFill>
               </a:defRPr>
             </a:lvl4pPr>
-            <a:lvl5pPr lvl="4" rtl="0" algn="ctr">
+            <a:lvl5pPr lvl="4" algn="ctr" rtl="0">
               <a:lnSpc>
                 <a:spcPct val="100000"/>
               </a:lnSpc>
@@ -4793,7 +5025,7 @@
                 </a:solidFill>
               </a:defRPr>
             </a:lvl5pPr>
-            <a:lvl6pPr lvl="5" rtl="0" algn="ctr">
+            <a:lvl6pPr lvl="5" algn="ctr" rtl="0">
               <a:lnSpc>
                 <a:spcPct val="100000"/>
               </a:lnSpc>
@@ -4815,7 +5047,7 @@
                 </a:solidFill>
               </a:defRPr>
             </a:lvl6pPr>
-            <a:lvl7pPr lvl="6" rtl="0" algn="ctr">
+            <a:lvl7pPr lvl="6" algn="ctr" rtl="0">
               <a:lnSpc>
                 <a:spcPct val="100000"/>
               </a:lnSpc>
@@ -4837,7 +5069,7 @@
                 </a:solidFill>
               </a:defRPr>
             </a:lvl7pPr>
-            <a:lvl8pPr lvl="7" rtl="0" algn="ctr">
+            <a:lvl8pPr lvl="7" algn="ctr" rtl="0">
               <a:lnSpc>
                 <a:spcPct val="100000"/>
               </a:lnSpc>
@@ -4859,7 +5091,7 @@
                 </a:solidFill>
               </a:defRPr>
             </a:lvl8pPr>
-            <a:lvl9pPr lvl="8" rtl="0" algn="ctr">
+            <a:lvl9pPr lvl="8" algn="ctr" rtl="0">
               <a:lnSpc>
                 <a:spcPct val="100000"/>
               </a:lnSpc>
@@ -4882,7 +5114,9 @@
               </a:defRPr>
             </a:lvl9pPr>
           </a:lstStyle>
-          <a:p/>
+          <a:p>
+            <a:endParaRPr/>
+          </a:p>
         </p:txBody>
       </p:sp>
     </p:spTree>
@@ -4894,11 +5128,11 @@
 </file>
 
 <file path=ppt/slideLayouts/slideLayout6.xml><?xml version="1.0" encoding="utf-8"?>
-<p:sldLayout xmlns:a="http://schemas.openxmlformats.org/drawingml/2006/main" xmlns:r="http://schemas.openxmlformats.org/officeDocument/2006/relationships" xmlns:mc="http://schemas.openxmlformats.org/markup-compatibility/2006" xmlns:mv="urn:schemas-microsoft-com:mac:vml" xmlns:p="http://schemas.openxmlformats.org/presentationml/2006/main" xmlns:c="http://schemas.openxmlformats.org/drawingml/2006/chart" xmlns:dgm="http://schemas.openxmlformats.org/drawingml/2006/diagram" xmlns:o="urn:schemas-microsoft-com:office:office" xmlns:v="urn:schemas-microsoft-com:vml" xmlns:pvml="urn:schemas-microsoft-com:office:powerpoint" xmlns:com="http://schemas.openxmlformats.org/drawingml/2006/compatibility" xmlns:p14="http://schemas.microsoft.com/office/powerpoint/2010/main" xmlns:p15="http://schemas.microsoft.com/office/powerpoint/2012/main" type="blank">
+<p:sldLayout xmlns:a="http://schemas.openxmlformats.org/drawingml/2006/main" xmlns:r="http://schemas.openxmlformats.org/officeDocument/2006/relationships" xmlns:p="http://schemas.openxmlformats.org/presentationml/2006/main" type="blank">
   <p:cSld name="Blank">
     <p:spTree>
       <p:nvGrpSpPr>
-        <p:cNvPr id="61" name="Shape 61"/>
+        <p:cNvPr id="1" name="Shape 61"/>
         <p:cNvGrpSpPr/>
         <p:nvPr/>
       </p:nvGrpSpPr>
@@ -4934,20 +5168,17 @@
           </a:ln>
         </p:spPr>
         <p:txBody>
-          <a:bodyPr anchorCtr="0" anchor="ctr" bIns="45700" lIns="91425" rIns="91425" wrap="square" tIns="45700">
+          <a:bodyPr wrap="square" lIns="91425" tIns="45700" rIns="91425" bIns="45700" anchor="ctr" anchorCtr="0">
             <a:noAutofit/>
           </a:bodyPr>
           <a:lstStyle/>
           <a:p>
-            <a:pPr indent="0" lvl="0" marL="0">
+            <a:pPr marL="0" lvl="0" indent="0">
               <a:spcBef>
                 <a:spcPts val="0"/>
               </a:spcBef>
               <a:buNone/>
             </a:pPr>
-            <a:r>
-              <a:t/>
-            </a:r>
             <a:endParaRPr/>
           </a:p>
         </p:txBody>
@@ -4978,8 +5209,13 @@
               <a:ext cx="649181" cy="6858065"/>
             </a:xfrm>
             <a:custGeom>
+              <a:avLst/>
+              <a:gdLst/>
+              <a:ahLst/>
+              <a:cxnLst/>
+              <a:rect l="0" t="0" r="0" b="0"/>
               <a:pathLst>
-                <a:path extrusionOk="0" h="6875253" w="500332">
+                <a:path w="500332" h="6875253" extrusionOk="0">
                   <a:moveTo>
                     <a:pt x="0" y="0"/>
                   </a:moveTo>
@@ -5009,20 +5245,17 @@
             </a:ln>
           </p:spPr>
           <p:txBody>
-            <a:bodyPr anchorCtr="0" anchor="ctr" bIns="45700" lIns="91425" rIns="91425" wrap="square" tIns="45700">
+            <a:bodyPr wrap="square" lIns="91425" tIns="45700" rIns="91425" bIns="45700" anchor="ctr" anchorCtr="0">
               <a:noAutofit/>
             </a:bodyPr>
             <a:lstStyle/>
             <a:p>
-              <a:pPr indent="0" lvl="0" marL="0">
+              <a:pPr marL="0" lvl="0" indent="0">
                 <a:spcBef>
                   <a:spcPts val="0"/>
                 </a:spcBef>
                 <a:buNone/>
               </a:pPr>
-              <a:r>
-                <a:t/>
-              </a:r>
               <a:endParaRPr/>
             </a:p>
           </p:txBody>
@@ -5039,8 +5272,13 @@
               <a:ext cx="500332" cy="6858065"/>
             </a:xfrm>
             <a:custGeom>
+              <a:avLst/>
+              <a:gdLst/>
+              <a:ahLst/>
+              <a:cxnLst/>
+              <a:rect l="0" t="0" r="0" b="0"/>
               <a:pathLst>
-                <a:path extrusionOk="0" h="6875253" w="500332">
+                <a:path w="500332" h="6875253" extrusionOk="0">
                   <a:moveTo>
                     <a:pt x="0" y="0"/>
                   </a:moveTo>
@@ -5070,20 +5308,17 @@
             </a:ln>
           </p:spPr>
           <p:txBody>
-            <a:bodyPr anchorCtr="0" anchor="ctr" bIns="45700" lIns="91425" rIns="91425" wrap="square" tIns="45700">
+            <a:bodyPr wrap="square" lIns="91425" tIns="45700" rIns="91425" bIns="45700" anchor="ctr" anchorCtr="0">
               <a:noAutofit/>
             </a:bodyPr>
             <a:lstStyle/>
             <a:p>
-              <a:pPr indent="0" lvl="0" marL="0">
+              <a:pPr marL="0" lvl="0" indent="0">
                 <a:spcBef>
                   <a:spcPts val="0"/>
                 </a:spcBef>
                 <a:buNone/>
               </a:pPr>
-              <a:r>
-                <a:t/>
-              </a:r>
               <a:endParaRPr/>
             </a:p>
           </p:txBody>
@@ -5115,8 +5350,13 @@
               <a:ext cx="649181" cy="6858065"/>
             </a:xfrm>
             <a:custGeom>
+              <a:avLst/>
+              <a:gdLst/>
+              <a:ahLst/>
+              <a:cxnLst/>
+              <a:rect l="0" t="0" r="0" b="0"/>
               <a:pathLst>
-                <a:path extrusionOk="0" h="6875253" w="500332">
+                <a:path w="500332" h="6875253" extrusionOk="0">
                   <a:moveTo>
                     <a:pt x="0" y="0"/>
                   </a:moveTo>
@@ -5146,20 +5386,17 @@
             </a:ln>
           </p:spPr>
           <p:txBody>
-            <a:bodyPr anchorCtr="0" anchor="ctr" bIns="45700" lIns="91425" rIns="91425" wrap="square" tIns="45700">
+            <a:bodyPr wrap="square" lIns="91425" tIns="45700" rIns="91425" bIns="45700" anchor="ctr" anchorCtr="0">
               <a:noAutofit/>
             </a:bodyPr>
             <a:lstStyle/>
             <a:p>
-              <a:pPr indent="0" lvl="0" marL="0">
+              <a:pPr marL="0" lvl="0" indent="0">
                 <a:spcBef>
                   <a:spcPts val="0"/>
                 </a:spcBef>
                 <a:buNone/>
               </a:pPr>
-              <a:r>
-                <a:t/>
-              </a:r>
               <a:endParaRPr/>
             </a:p>
           </p:txBody>
@@ -5176,8 +5413,13 @@
               <a:ext cx="500332" cy="6858065"/>
             </a:xfrm>
             <a:custGeom>
+              <a:avLst/>
+              <a:gdLst/>
+              <a:ahLst/>
+              <a:cxnLst/>
+              <a:rect l="0" t="0" r="0" b="0"/>
               <a:pathLst>
-                <a:path extrusionOk="0" h="6875253" w="500332">
+                <a:path w="500332" h="6875253" extrusionOk="0">
                   <a:moveTo>
                     <a:pt x="0" y="0"/>
                   </a:moveTo>
@@ -5207,20 +5449,17 @@
             </a:ln>
           </p:spPr>
           <p:txBody>
-            <a:bodyPr anchorCtr="0" anchor="ctr" bIns="45700" lIns="91425" rIns="91425" wrap="square" tIns="45700">
+            <a:bodyPr wrap="square" lIns="91425" tIns="45700" rIns="91425" bIns="45700" anchor="ctr" anchorCtr="0">
               <a:noAutofit/>
             </a:bodyPr>
             <a:lstStyle/>
             <a:p>
-              <a:pPr indent="0" lvl="0" marL="0">
+              <a:pPr marL="0" lvl="0" indent="0">
                 <a:spcBef>
                   <a:spcPts val="0"/>
                 </a:spcBef>
                 <a:buNone/>
               </a:pPr>
-              <a:r>
-                <a:t/>
-              </a:r>
               <a:endParaRPr/>
             </a:p>
           </p:txBody>
@@ -5250,20 +5489,17 @@
           </a:ln>
         </p:spPr>
         <p:txBody>
-          <a:bodyPr anchorCtr="0" anchor="ctr" bIns="45700" lIns="91425" rIns="91425" wrap="square" tIns="45700">
+          <a:bodyPr wrap="square" lIns="91425" tIns="45700" rIns="91425" bIns="45700" anchor="ctr" anchorCtr="0">
             <a:noAutofit/>
           </a:bodyPr>
           <a:lstStyle/>
           <a:p>
-            <a:pPr indent="0" lvl="0" marL="0">
+            <a:pPr marL="0" lvl="0" indent="0">
               <a:spcBef>
                 <a:spcPts val="0"/>
               </a:spcBef>
               <a:buNone/>
             </a:pPr>
-            <a:r>
-              <a:t/>
-            </a:r>
             <a:endParaRPr/>
           </a:p>
         </p:txBody>
@@ -5277,7 +5513,7 @@
 </file>
 
 <file path=ppt/slideMasters/slideMaster1.xml><?xml version="1.0" encoding="utf-8"?>
-<p:sldMaster xmlns:a="http://schemas.openxmlformats.org/drawingml/2006/main" xmlns:r="http://schemas.openxmlformats.org/officeDocument/2006/relationships" xmlns:mc="http://schemas.openxmlformats.org/markup-compatibility/2006" xmlns:mv="urn:schemas-microsoft-com:mac:vml" xmlns:p="http://schemas.openxmlformats.org/presentationml/2006/main" xmlns:c="http://schemas.openxmlformats.org/drawingml/2006/chart" xmlns:dgm="http://schemas.openxmlformats.org/drawingml/2006/diagram" xmlns:o="urn:schemas-microsoft-com:office:office" xmlns:v="urn:schemas-microsoft-com:vml" xmlns:pvml="urn:schemas-microsoft-com:office:powerpoint" xmlns:com="http://schemas.openxmlformats.org/drawingml/2006/compatibility" xmlns:p14="http://schemas.microsoft.com/office/powerpoint/2010/main" xmlns:p15="http://schemas.microsoft.com/office/powerpoint/2012/main">
+<p:sldMaster xmlns:a="http://schemas.openxmlformats.org/drawingml/2006/main" xmlns:r="http://schemas.openxmlformats.org/officeDocument/2006/relationships" xmlns:p="http://schemas.openxmlformats.org/presentationml/2006/main">
   <p:cSld>
     <p:bg>
       <p:bgPr>
@@ -5291,15 +5527,16 @@
             </a:gs>
           </a:gsLst>
           <a:path path="circle">
-            <a:fillToRect b="50%" l="50%" r="50%" t="50%"/>
+            <a:fillToRect l="50000" t="50000" r="50000" b="50000"/>
           </a:path>
           <a:tileRect/>
         </a:gradFill>
+        <a:effectLst/>
       </p:bgPr>
     </p:bg>
     <p:spTree>
       <p:nvGrpSpPr>
-        <p:cNvPr id="5" name="Shape 5"/>
+        <p:cNvPr id="1" name="Shape 5"/>
         <p:cNvGrpSpPr/>
         <p:nvPr/>
       </p:nvGrpSpPr>
@@ -5314,7 +5551,9 @@
       <p:sp>
         <p:nvSpPr>
           <p:cNvPr id="6" name="Shape 6"/>
-          <p:cNvSpPr txBox="1"/>
+          <p:cNvSpPr txBox="1">
+            <a:spLocks noGrp="1"/>
+          </p:cNvSpPr>
           <p:nvPr>
             <p:ph type="title"/>
           </p:nvPr>
@@ -5333,9 +5572,9 @@
           </a:ln>
         </p:spPr>
         <p:txBody>
-          <a:bodyPr anchorCtr="0" anchor="b" bIns="91425" lIns="91425" rIns="91425" wrap="square" tIns="91425"/>
+          <a:bodyPr wrap="square" lIns="91425" tIns="91425" rIns="91425" bIns="91425" anchor="b" anchorCtr="0"/>
           <a:lstStyle>
-            <a:lvl1pPr lvl="0" rtl="0" algn="l">
+            <a:lvl1pPr lvl="0" algn="l" rtl="0">
               <a:spcBef>
                 <a:spcPts val="0"/>
               </a:spcBef>
@@ -5345,7 +5584,7 @@
               <a:buSzPts val="3600"/>
               <a:buFont typeface="Trebuchet MS"/>
               <a:buNone/>
-              <a:defRPr b="1" i="0" sz="3600" u="none" cap="none" strike="noStrike">
+              <a:defRPr sz="3600" b="1" i="0" u="none" strike="noStrike" cap="none">
                 <a:solidFill>
                   <a:schemeClr val="lt2"/>
                 </a:solidFill>
@@ -5355,7 +5594,7 @@
                 <a:sym typeface="Trebuchet MS"/>
               </a:defRPr>
             </a:lvl1pPr>
-            <a:lvl2pPr lvl="1" rtl="0" algn="l">
+            <a:lvl2pPr lvl="1" algn="l" rtl="0">
               <a:spcBef>
                 <a:spcPts val="0"/>
               </a:spcBef>
@@ -5365,7 +5604,7 @@
               <a:buSzPts val="3600"/>
               <a:buFont typeface="Trebuchet MS"/>
               <a:buNone/>
-              <a:defRPr b="1" i="0" sz="3600" u="none" cap="none" strike="noStrike">
+              <a:defRPr sz="3600" b="1" i="0" u="none" strike="noStrike" cap="none">
                 <a:solidFill>
                   <a:schemeClr val="lt2"/>
                 </a:solidFill>
@@ -5375,7 +5614,7 @@
                 <a:sym typeface="Trebuchet MS"/>
               </a:defRPr>
             </a:lvl2pPr>
-            <a:lvl3pPr lvl="2" rtl="0" algn="l">
+            <a:lvl3pPr lvl="2" algn="l" rtl="0">
               <a:spcBef>
                 <a:spcPts val="0"/>
               </a:spcBef>
@@ -5385,7 +5624,7 @@
               <a:buSzPts val="3600"/>
               <a:buFont typeface="Trebuchet MS"/>
               <a:buNone/>
-              <a:defRPr b="1" i="0" sz="3600" u="none" cap="none" strike="noStrike">
+              <a:defRPr sz="3600" b="1" i="0" u="none" strike="noStrike" cap="none">
                 <a:solidFill>
                   <a:schemeClr val="lt2"/>
                 </a:solidFill>
@@ -5395,7 +5634,7 @@
                 <a:sym typeface="Trebuchet MS"/>
               </a:defRPr>
             </a:lvl3pPr>
-            <a:lvl4pPr lvl="3" rtl="0" algn="l">
+            <a:lvl4pPr lvl="3" algn="l" rtl="0">
               <a:spcBef>
                 <a:spcPts val="0"/>
               </a:spcBef>
@@ -5405,7 +5644,7 @@
               <a:buSzPts val="3600"/>
               <a:buFont typeface="Trebuchet MS"/>
               <a:buNone/>
-              <a:defRPr b="1" i="0" sz="3600" u="none" cap="none" strike="noStrike">
+              <a:defRPr sz="3600" b="1" i="0" u="none" strike="noStrike" cap="none">
                 <a:solidFill>
                   <a:schemeClr val="lt2"/>
                 </a:solidFill>
@@ -5415,7 +5654,7 @@
                 <a:sym typeface="Trebuchet MS"/>
               </a:defRPr>
             </a:lvl4pPr>
-            <a:lvl5pPr lvl="4" rtl="0" algn="l">
+            <a:lvl5pPr lvl="4" algn="l" rtl="0">
               <a:spcBef>
                 <a:spcPts val="0"/>
               </a:spcBef>
@@ -5425,7 +5664,7 @@
               <a:buSzPts val="3600"/>
               <a:buFont typeface="Trebuchet MS"/>
               <a:buNone/>
-              <a:defRPr b="1" i="0" sz="3600" u="none" cap="none" strike="noStrike">
+              <a:defRPr sz="3600" b="1" i="0" u="none" strike="noStrike" cap="none">
                 <a:solidFill>
                   <a:schemeClr val="lt2"/>
                 </a:solidFill>
@@ -5435,7 +5674,7 @@
                 <a:sym typeface="Trebuchet MS"/>
               </a:defRPr>
             </a:lvl5pPr>
-            <a:lvl6pPr lvl="5" rtl="0" algn="l">
+            <a:lvl6pPr lvl="5" algn="l" rtl="0">
               <a:spcBef>
                 <a:spcPts val="0"/>
               </a:spcBef>
@@ -5445,7 +5684,7 @@
               <a:buSzPts val="3600"/>
               <a:buFont typeface="Trebuchet MS"/>
               <a:buNone/>
-              <a:defRPr b="1" i="0" sz="3600" u="none" cap="none" strike="noStrike">
+              <a:defRPr sz="3600" b="1" i="0" u="none" strike="noStrike" cap="none">
                 <a:solidFill>
                   <a:schemeClr val="lt2"/>
                 </a:solidFill>
@@ -5455,7 +5694,7 @@
                 <a:sym typeface="Trebuchet MS"/>
               </a:defRPr>
             </a:lvl6pPr>
-            <a:lvl7pPr lvl="6" rtl="0" algn="l">
+            <a:lvl7pPr lvl="6" algn="l" rtl="0">
               <a:spcBef>
                 <a:spcPts val="0"/>
               </a:spcBef>
@@ -5465,7 +5704,7 @@
               <a:buSzPts val="3600"/>
               <a:buFont typeface="Trebuchet MS"/>
               <a:buNone/>
-              <a:defRPr b="1" i="0" sz="3600" u="none" cap="none" strike="noStrike">
+              <a:defRPr sz="3600" b="1" i="0" u="none" strike="noStrike" cap="none">
                 <a:solidFill>
                   <a:schemeClr val="lt2"/>
                 </a:solidFill>
@@ -5475,7 +5714,7 @@
                 <a:sym typeface="Trebuchet MS"/>
               </a:defRPr>
             </a:lvl7pPr>
-            <a:lvl8pPr lvl="7" rtl="0" algn="l">
+            <a:lvl8pPr lvl="7" algn="l" rtl="0">
               <a:spcBef>
                 <a:spcPts val="0"/>
               </a:spcBef>
@@ -5485,7 +5724,7 @@
               <a:buSzPts val="3600"/>
               <a:buFont typeface="Trebuchet MS"/>
               <a:buNone/>
-              <a:defRPr b="1" i="0" sz="3600" u="none" cap="none" strike="noStrike">
+              <a:defRPr sz="3600" b="1" i="0" u="none" strike="noStrike" cap="none">
                 <a:solidFill>
                   <a:schemeClr val="lt2"/>
                 </a:solidFill>
@@ -5495,7 +5734,7 @@
                 <a:sym typeface="Trebuchet MS"/>
               </a:defRPr>
             </a:lvl8pPr>
-            <a:lvl9pPr lvl="8" rtl="0" algn="l">
+            <a:lvl9pPr lvl="8" algn="l" rtl="0">
               <a:spcBef>
                 <a:spcPts val="0"/>
               </a:spcBef>
@@ -5505,7 +5744,7 @@
               <a:buSzPts val="3600"/>
               <a:buFont typeface="Trebuchet MS"/>
               <a:buNone/>
-              <a:defRPr b="1" i="0" sz="3600" u="none" cap="none" strike="noStrike">
+              <a:defRPr sz="3600" b="1" i="0" u="none" strike="noStrike" cap="none">
                 <a:solidFill>
                   <a:schemeClr val="lt2"/>
                 </a:solidFill>
@@ -5516,15 +5755,19 @@
               </a:defRPr>
             </a:lvl9pPr>
           </a:lstStyle>
-          <a:p/>
+          <a:p>
+            <a:endParaRPr/>
+          </a:p>
         </p:txBody>
       </p:sp>
       <p:sp>
         <p:nvSpPr>
           <p:cNvPr id="7" name="Shape 7"/>
-          <p:cNvSpPr txBox="1"/>
+          <p:cNvSpPr txBox="1">
+            <a:spLocks noGrp="1"/>
+          </p:cNvSpPr>
           <p:nvPr>
-            <p:ph idx="1" type="body"/>
+            <p:ph type="body" idx="1"/>
           </p:nvPr>
         </p:nvSpPr>
         <p:spPr>
@@ -5541,9 +5784,9 @@
           </a:ln>
         </p:spPr>
         <p:txBody>
-          <a:bodyPr anchorCtr="0" anchor="t" bIns="91425" lIns="91425" rIns="91425" wrap="square" tIns="91425"/>
+          <a:bodyPr wrap="square" lIns="91425" tIns="91425" rIns="91425" bIns="91425" anchor="t" anchorCtr="0"/>
           <a:lstStyle>
-            <a:lvl1pPr lvl="0" rtl="0" algn="l">
+            <a:lvl1pPr lvl="0" algn="l" rtl="0">
               <a:spcBef>
                 <a:spcPts val="600"/>
               </a:spcBef>
@@ -5553,7 +5796,7 @@
               <a:buSzPts val="3000"/>
               <a:buFont typeface="Trebuchet MS"/>
               <a:buChar char="●"/>
-              <a:defRPr b="0" i="0" sz="3000" u="none" cap="none" strike="noStrike">
+              <a:defRPr sz="3000" b="0" i="0" u="none" strike="noStrike" cap="none">
                 <a:solidFill>
                   <a:schemeClr val="lt1"/>
                 </a:solidFill>
@@ -5563,7 +5806,7 @@
                 <a:sym typeface="Trebuchet MS"/>
               </a:defRPr>
             </a:lvl1pPr>
-            <a:lvl2pPr lvl="1" rtl="0" algn="l">
+            <a:lvl2pPr lvl="1" algn="l" rtl="0">
               <a:spcBef>
                 <a:spcPts val="480"/>
               </a:spcBef>
@@ -5573,7 +5816,7 @@
               <a:buSzPts val="2400"/>
               <a:buFont typeface="Trebuchet MS"/>
               <a:buChar char="○"/>
-              <a:defRPr b="0" i="0" sz="2400" u="none" cap="none" strike="noStrike">
+              <a:defRPr sz="2400" b="0" i="0" u="none" strike="noStrike" cap="none">
                 <a:solidFill>
                   <a:schemeClr val="lt1"/>
                 </a:solidFill>
@@ -5583,7 +5826,7 @@
                 <a:sym typeface="Trebuchet MS"/>
               </a:defRPr>
             </a:lvl2pPr>
-            <a:lvl3pPr lvl="2" rtl="0" algn="l">
+            <a:lvl3pPr lvl="2" algn="l" rtl="0">
               <a:spcBef>
                 <a:spcPts val="480"/>
               </a:spcBef>
@@ -5593,7 +5836,7 @@
               <a:buSzPts val="2400"/>
               <a:buFont typeface="Trebuchet MS"/>
               <a:buChar char="■"/>
-              <a:defRPr b="0" i="0" sz="2400" u="none" cap="none" strike="noStrike">
+              <a:defRPr sz="2400" b="0" i="0" u="none" strike="noStrike" cap="none">
                 <a:solidFill>
                   <a:schemeClr val="lt1"/>
                 </a:solidFill>
@@ -5603,7 +5846,7 @@
                 <a:sym typeface="Trebuchet MS"/>
               </a:defRPr>
             </a:lvl3pPr>
-            <a:lvl4pPr lvl="3" rtl="0" algn="l">
+            <a:lvl4pPr lvl="3" algn="l" rtl="0">
               <a:spcBef>
                 <a:spcPts val="360"/>
               </a:spcBef>
@@ -5613,7 +5856,7 @@
               <a:buSzPts val="1800"/>
               <a:buFont typeface="Trebuchet MS"/>
               <a:buChar char="●"/>
-              <a:defRPr b="0" i="0" sz="1800" u="none" cap="none" strike="noStrike">
+              <a:defRPr sz="1800" b="0" i="0" u="none" strike="noStrike" cap="none">
                 <a:solidFill>
                   <a:schemeClr val="lt1"/>
                 </a:solidFill>
@@ -5623,7 +5866,7 @@
                 <a:sym typeface="Trebuchet MS"/>
               </a:defRPr>
             </a:lvl4pPr>
-            <a:lvl5pPr lvl="4" rtl="0" algn="l">
+            <a:lvl5pPr lvl="4" algn="l" rtl="0">
               <a:spcBef>
                 <a:spcPts val="360"/>
               </a:spcBef>
@@ -5633,7 +5876,7 @@
               <a:buSzPts val="1800"/>
               <a:buFont typeface="Trebuchet MS"/>
               <a:buChar char="○"/>
-              <a:defRPr b="0" i="0" sz="1800" u="none" cap="none" strike="noStrike">
+              <a:defRPr sz="1800" b="0" i="0" u="none" strike="noStrike" cap="none">
                 <a:solidFill>
                   <a:schemeClr val="lt1"/>
                 </a:solidFill>
@@ -5643,7 +5886,7 @@
                 <a:sym typeface="Trebuchet MS"/>
               </a:defRPr>
             </a:lvl5pPr>
-            <a:lvl6pPr lvl="5" rtl="0" algn="l">
+            <a:lvl6pPr lvl="5" algn="l" rtl="0">
               <a:spcBef>
                 <a:spcPts val="360"/>
               </a:spcBef>
@@ -5653,7 +5896,7 @@
               <a:buSzPts val="1800"/>
               <a:buFont typeface="Trebuchet MS"/>
               <a:buChar char="■"/>
-              <a:defRPr b="0" i="0" sz="1800" u="none" cap="none" strike="noStrike">
+              <a:defRPr sz="1800" b="0" i="0" u="none" strike="noStrike" cap="none">
                 <a:solidFill>
                   <a:schemeClr val="lt1"/>
                 </a:solidFill>
@@ -5663,7 +5906,7 @@
                 <a:sym typeface="Trebuchet MS"/>
               </a:defRPr>
             </a:lvl6pPr>
-            <a:lvl7pPr lvl="6" rtl="0" algn="l">
+            <a:lvl7pPr lvl="6" algn="l" rtl="0">
               <a:spcBef>
                 <a:spcPts val="360"/>
               </a:spcBef>
@@ -5673,7 +5916,7 @@
               <a:buSzPts val="1800"/>
               <a:buFont typeface="Trebuchet MS"/>
               <a:buChar char="●"/>
-              <a:defRPr b="0" i="0" sz="1800" u="none" cap="none" strike="noStrike">
+              <a:defRPr sz="1800" b="0" i="0" u="none" strike="noStrike" cap="none">
                 <a:solidFill>
                   <a:schemeClr val="lt1"/>
                 </a:solidFill>
@@ -5683,7 +5926,7 @@
                 <a:sym typeface="Trebuchet MS"/>
               </a:defRPr>
             </a:lvl7pPr>
-            <a:lvl8pPr lvl="7" rtl="0" algn="l">
+            <a:lvl8pPr lvl="7" algn="l" rtl="0">
               <a:spcBef>
                 <a:spcPts val="360"/>
               </a:spcBef>
@@ -5693,7 +5936,7 @@
               <a:buSzPts val="1800"/>
               <a:buFont typeface="Trebuchet MS"/>
               <a:buChar char="○"/>
-              <a:defRPr b="0" i="0" sz="1800" u="none" cap="none" strike="noStrike">
+              <a:defRPr sz="1800" b="0" i="0" u="none" strike="noStrike" cap="none">
                 <a:solidFill>
                   <a:schemeClr val="lt1"/>
                 </a:solidFill>
@@ -5703,7 +5946,7 @@
                 <a:sym typeface="Trebuchet MS"/>
               </a:defRPr>
             </a:lvl8pPr>
-            <a:lvl9pPr lvl="8" rtl="0" algn="l">
+            <a:lvl9pPr lvl="8" algn="l" rtl="0">
               <a:spcBef>
                 <a:spcPts val="360"/>
               </a:spcBef>
@@ -5713,7 +5956,7 @@
               <a:buSzPts val="1800"/>
               <a:buFont typeface="Trebuchet MS"/>
               <a:buChar char="■"/>
-              <a:defRPr b="0" i="0" sz="1800" u="none" cap="none" strike="noStrike">
+              <a:defRPr sz="1800" b="0" i="0" u="none" strike="noStrike" cap="none">
                 <a:solidFill>
                   <a:schemeClr val="lt1"/>
                 </a:solidFill>
@@ -5724,12 +5967,14 @@
               </a:defRPr>
             </a:lvl9pPr>
           </a:lstStyle>
-          <a:p/>
+          <a:p>
+            <a:endParaRPr/>
+          </a:p>
         </p:txBody>
       </p:sp>
     </p:spTree>
   </p:cSld>
-  <p:clrMap accent1="accent1" accent2="accent2" accent3="accent3" accent4="accent4" accent5="accent5" accent6="accent6" bg1="lt1" bg2="dk2" tx1="dk1" tx2="lt2" folHlink="folHlink" hlink="hlink"/>
+  <p:clrMap bg1="lt1" tx1="dk1" bg2="dk2" tx2="lt2" accent1="accent1" accent2="accent2" accent3="accent3" accent4="accent4" accent5="accent5" accent6="accent6" hlink="hlink" folHlink="folHlink"/>
   <p:sldLayoutIdLst>
     <p:sldLayoutId id="2147483648" r:id="rId1"/>
     <p:sldLayoutId id="2147483649" r:id="rId2"/>
@@ -5738,10 +5983,10 @@
     <p:sldLayoutId id="2147483652" r:id="rId5"/>
     <p:sldLayoutId id="2147483653" r:id="rId6"/>
   </p:sldLayoutIdLst>
-  <p:hf dt="0" ftr="0" hdr="0" sldNum="0"/>
+  <p:hf sldNum="0" hdr="0" ftr="0" dt="0"/>
   <p:txStyles>
     <p:titleStyle>
-      <a:defPPr lvl="0" marR="0" rtl="0" algn="l">
+      <a:defPPr marR="0" lvl="0" algn="l" rtl="0">
         <a:lnSpc>
           <a:spcPct val="100000"/>
         </a:lnSpc>
@@ -5752,7 +5997,7 @@
           <a:spcPts val="0"/>
         </a:spcAft>
       </a:defPPr>
-      <a:lvl1pPr lvl="0" marR="0" rtl="0" algn="l">
+      <a:lvl1pPr marR="0" lvl="0" algn="l" rtl="0">
         <a:lnSpc>
           <a:spcPct val="100000"/>
         </a:lnSpc>
@@ -5763,7 +6008,7 @@
           <a:spcPts val="0"/>
         </a:spcAft>
         <a:buNone/>
-        <a:defRPr b="0" i="0" sz="1400" u="none" cap="none" strike="noStrike">
+        <a:defRPr sz="1400" b="0" i="0" u="none" strike="noStrike" cap="none">
           <a:solidFill>
             <a:srgbClr val="000000"/>
           </a:solidFill>
@@ -5775,7 +6020,7 @@
       </a:lvl1pPr>
     </p:titleStyle>
     <p:bodyStyle>
-      <a:defPPr lvl="0" marR="0" rtl="0" algn="l">
+      <a:defPPr marR="0" lvl="0" algn="l" rtl="0">
         <a:lnSpc>
           <a:spcPct val="100000"/>
         </a:lnSpc>
@@ -5786,7 +6031,7 @@
           <a:spcPts val="0"/>
         </a:spcAft>
       </a:defPPr>
-      <a:lvl1pPr lvl="0" marR="0" rtl="0" algn="l">
+      <a:lvl1pPr marR="0" lvl="0" algn="l" rtl="0">
         <a:lnSpc>
           <a:spcPct val="100000"/>
         </a:lnSpc>
@@ -5797,7 +6042,7 @@
           <a:spcPts val="0"/>
         </a:spcAft>
         <a:buNone/>
-        <a:defRPr b="0" i="0" sz="1400" u="none" cap="none" strike="noStrike">
+        <a:defRPr sz="1400" b="0" i="0" u="none" strike="noStrike" cap="none">
           <a:solidFill>
             <a:srgbClr val="000000"/>
           </a:solidFill>
@@ -5807,7 +6052,7 @@
           <a:sym typeface="Arial"/>
         </a:defRPr>
       </a:lvl1pPr>
-      <a:lvl2pPr lvl="1" marR="0" rtl="0" algn="l">
+      <a:lvl2pPr marR="0" lvl="1" algn="l" rtl="0">
         <a:lnSpc>
           <a:spcPct val="100000"/>
         </a:lnSpc>
@@ -5818,7 +6063,7 @@
           <a:spcPts val="0"/>
         </a:spcAft>
         <a:buNone/>
-        <a:defRPr b="0" i="0" sz="1400" u="none" cap="none" strike="noStrike">
+        <a:defRPr sz="1400" b="0" i="0" u="none" strike="noStrike" cap="none">
           <a:solidFill>
             <a:srgbClr val="000000"/>
           </a:solidFill>
@@ -5828,7 +6073,7 @@
           <a:sym typeface="Arial"/>
         </a:defRPr>
       </a:lvl2pPr>
-      <a:lvl3pPr lvl="2" marR="0" rtl="0" algn="l">
+      <a:lvl3pPr marR="0" lvl="2" algn="l" rtl="0">
         <a:lnSpc>
           <a:spcPct val="100000"/>
         </a:lnSpc>
@@ -5839,7 +6084,7 @@
           <a:spcPts val="0"/>
         </a:spcAft>
         <a:buNone/>
-        <a:defRPr b="0" i="0" sz="1400" u="none" cap="none" strike="noStrike">
+        <a:defRPr sz="1400" b="0" i="0" u="none" strike="noStrike" cap="none">
           <a:solidFill>
             <a:srgbClr val="000000"/>
           </a:solidFill>
@@ -5849,7 +6094,7 @@
           <a:sym typeface="Arial"/>
         </a:defRPr>
       </a:lvl3pPr>
-      <a:lvl4pPr lvl="3" marR="0" rtl="0" algn="l">
+      <a:lvl4pPr marR="0" lvl="3" algn="l" rtl="0">
         <a:lnSpc>
           <a:spcPct val="100000"/>
         </a:lnSpc>
@@ -5860,7 +6105,7 @@
           <a:spcPts val="0"/>
         </a:spcAft>
         <a:buNone/>
-        <a:defRPr b="0" i="0" sz="1400" u="none" cap="none" strike="noStrike">
+        <a:defRPr sz="1400" b="0" i="0" u="none" strike="noStrike" cap="none">
           <a:solidFill>
             <a:srgbClr val="000000"/>
           </a:solidFill>
@@ -5870,7 +6115,7 @@
           <a:sym typeface="Arial"/>
         </a:defRPr>
       </a:lvl4pPr>
-      <a:lvl5pPr lvl="4" marR="0" rtl="0" algn="l">
+      <a:lvl5pPr marR="0" lvl="4" algn="l" rtl="0">
         <a:lnSpc>
           <a:spcPct val="100000"/>
         </a:lnSpc>
@@ -5881,7 +6126,7 @@
           <a:spcPts val="0"/>
         </a:spcAft>
         <a:buNone/>
-        <a:defRPr b="0" i="0" sz="1400" u="none" cap="none" strike="noStrike">
+        <a:defRPr sz="1400" b="0" i="0" u="none" strike="noStrike" cap="none">
           <a:solidFill>
             <a:srgbClr val="000000"/>
           </a:solidFill>
@@ -5891,7 +6136,7 @@
           <a:sym typeface="Arial"/>
         </a:defRPr>
       </a:lvl5pPr>
-      <a:lvl6pPr lvl="5" marR="0" rtl="0" algn="l">
+      <a:lvl6pPr marR="0" lvl="5" algn="l" rtl="0">
         <a:lnSpc>
           <a:spcPct val="100000"/>
         </a:lnSpc>
@@ -5902,7 +6147,7 @@
           <a:spcPts val="0"/>
         </a:spcAft>
         <a:buNone/>
-        <a:defRPr b="0" i="0" sz="1400" u="none" cap="none" strike="noStrike">
+        <a:defRPr sz="1400" b="0" i="0" u="none" strike="noStrike" cap="none">
           <a:solidFill>
             <a:srgbClr val="000000"/>
           </a:solidFill>
@@ -5912,7 +6157,7 @@
           <a:sym typeface="Arial"/>
         </a:defRPr>
       </a:lvl6pPr>
-      <a:lvl7pPr lvl="6" marR="0" rtl="0" algn="l">
+      <a:lvl7pPr marR="0" lvl="6" algn="l" rtl="0">
         <a:lnSpc>
           <a:spcPct val="100000"/>
         </a:lnSpc>
@@ -5923,7 +6168,7 @@
           <a:spcPts val="0"/>
         </a:spcAft>
         <a:buNone/>
-        <a:defRPr b="0" i="0" sz="1400" u="none" cap="none" strike="noStrike">
+        <a:defRPr sz="1400" b="0" i="0" u="none" strike="noStrike" cap="none">
           <a:solidFill>
             <a:srgbClr val="000000"/>
           </a:solidFill>
@@ -5933,7 +6178,7 @@
           <a:sym typeface="Arial"/>
         </a:defRPr>
       </a:lvl7pPr>
-      <a:lvl8pPr lvl="7" marR="0" rtl="0" algn="l">
+      <a:lvl8pPr marR="0" lvl="7" algn="l" rtl="0">
         <a:lnSpc>
           <a:spcPct val="100000"/>
         </a:lnSpc>
@@ -5944,7 +6189,7 @@
           <a:spcPts val="0"/>
         </a:spcAft>
         <a:buNone/>
-        <a:defRPr b="0" i="0" sz="1400" u="none" cap="none" strike="noStrike">
+        <a:defRPr sz="1400" b="0" i="0" u="none" strike="noStrike" cap="none">
           <a:solidFill>
             <a:srgbClr val="000000"/>
           </a:solidFill>
@@ -5954,7 +6199,7 @@
           <a:sym typeface="Arial"/>
         </a:defRPr>
       </a:lvl8pPr>
-      <a:lvl9pPr lvl="8" marR="0" rtl="0" algn="l">
+      <a:lvl9pPr marR="0" lvl="8" algn="l" rtl="0">
         <a:lnSpc>
           <a:spcPct val="100000"/>
         </a:lnSpc>
@@ -5965,7 +6210,7 @@
           <a:spcPts val="0"/>
         </a:spcAft>
         <a:buNone/>
-        <a:defRPr b="0" i="0" sz="1400" u="none" cap="none" strike="noStrike">
+        <a:defRPr sz="1400" b="0" i="0" u="none" strike="noStrike" cap="none">
           <a:solidFill>
             <a:srgbClr val="000000"/>
           </a:solidFill>
@@ -5977,7 +6222,7 @@
       </a:lvl9pPr>
     </p:bodyStyle>
     <p:otherStyle>
-      <a:defPPr lvl="0" marR="0" rtl="0" algn="l">
+      <a:defPPr marR="0" lvl="0" algn="l" rtl="0">
         <a:lnSpc>
           <a:spcPct val="100000"/>
         </a:lnSpc>
@@ -5988,7 +6233,7 @@
           <a:spcPts val="0"/>
         </a:spcAft>
       </a:defPPr>
-      <a:lvl1pPr lvl="0" marR="0" rtl="0" algn="l">
+      <a:lvl1pPr marR="0" lvl="0" algn="l" rtl="0">
         <a:lnSpc>
           <a:spcPct val="100000"/>
         </a:lnSpc>
@@ -5999,7 +6244,7 @@
           <a:spcPts val="0"/>
         </a:spcAft>
         <a:buNone/>
-        <a:defRPr b="0" i="0" sz="1400" u="none" cap="none" strike="noStrike">
+        <a:defRPr sz="1400" b="0" i="0" u="none" strike="noStrike" cap="none">
           <a:solidFill>
             <a:srgbClr val="000000"/>
           </a:solidFill>
@@ -6009,7 +6254,7 @@
           <a:sym typeface="Arial"/>
         </a:defRPr>
       </a:lvl1pPr>
-      <a:lvl2pPr lvl="1" marR="0" rtl="0" algn="l">
+      <a:lvl2pPr marR="0" lvl="1" algn="l" rtl="0">
         <a:lnSpc>
           <a:spcPct val="100000"/>
         </a:lnSpc>
@@ -6020,7 +6265,7 @@
           <a:spcPts val="0"/>
         </a:spcAft>
         <a:buNone/>
-        <a:defRPr b="0" i="0" sz="1400" u="none" cap="none" strike="noStrike">
+        <a:defRPr sz="1400" b="0" i="0" u="none" strike="noStrike" cap="none">
           <a:solidFill>
             <a:srgbClr val="000000"/>
           </a:solidFill>
@@ -6030,7 +6275,7 @@
           <a:sym typeface="Arial"/>
         </a:defRPr>
       </a:lvl2pPr>
-      <a:lvl3pPr lvl="2" marR="0" rtl="0" algn="l">
+      <a:lvl3pPr marR="0" lvl="2" algn="l" rtl="0">
         <a:lnSpc>
           <a:spcPct val="100000"/>
         </a:lnSpc>
@@ -6041,7 +6286,7 @@
           <a:spcPts val="0"/>
         </a:spcAft>
         <a:buNone/>
-        <a:defRPr b="0" i="0" sz="1400" u="none" cap="none" strike="noStrike">
+        <a:defRPr sz="1400" b="0" i="0" u="none" strike="noStrike" cap="none">
           <a:solidFill>
             <a:srgbClr val="000000"/>
           </a:solidFill>
@@ -6051,7 +6296,7 @@
           <a:sym typeface="Arial"/>
         </a:defRPr>
       </a:lvl3pPr>
-      <a:lvl4pPr lvl="3" marR="0" rtl="0" algn="l">
+      <a:lvl4pPr marR="0" lvl="3" algn="l" rtl="0">
         <a:lnSpc>
           <a:spcPct val="100000"/>
         </a:lnSpc>
@@ -6062,7 +6307,7 @@
           <a:spcPts val="0"/>
         </a:spcAft>
         <a:buNone/>
-        <a:defRPr b="0" i="0" sz="1400" u="none" cap="none" strike="noStrike">
+        <a:defRPr sz="1400" b="0" i="0" u="none" strike="noStrike" cap="none">
           <a:solidFill>
             <a:srgbClr val="000000"/>
           </a:solidFill>
@@ -6072,7 +6317,7 @@
           <a:sym typeface="Arial"/>
         </a:defRPr>
       </a:lvl4pPr>
-      <a:lvl5pPr lvl="4" marR="0" rtl="0" algn="l">
+      <a:lvl5pPr marR="0" lvl="4" algn="l" rtl="0">
         <a:lnSpc>
           <a:spcPct val="100000"/>
         </a:lnSpc>
@@ -6083,7 +6328,7 @@
           <a:spcPts val="0"/>
         </a:spcAft>
         <a:buNone/>
-        <a:defRPr b="0" i="0" sz="1400" u="none" cap="none" strike="noStrike">
+        <a:defRPr sz="1400" b="0" i="0" u="none" strike="noStrike" cap="none">
           <a:solidFill>
             <a:srgbClr val="000000"/>
           </a:solidFill>
@@ -6093,7 +6338,7 @@
           <a:sym typeface="Arial"/>
         </a:defRPr>
       </a:lvl5pPr>
-      <a:lvl6pPr lvl="5" marR="0" rtl="0" algn="l">
+      <a:lvl6pPr marR="0" lvl="5" algn="l" rtl="0">
         <a:lnSpc>
           <a:spcPct val="100000"/>
         </a:lnSpc>
@@ -6104,7 +6349,7 @@
           <a:spcPts val="0"/>
         </a:spcAft>
         <a:buNone/>
-        <a:defRPr b="0" i="0" sz="1400" u="none" cap="none" strike="noStrike">
+        <a:defRPr sz="1400" b="0" i="0" u="none" strike="noStrike" cap="none">
           <a:solidFill>
             <a:srgbClr val="000000"/>
           </a:solidFill>
@@ -6114,7 +6359,7 @@
           <a:sym typeface="Arial"/>
         </a:defRPr>
       </a:lvl6pPr>
-      <a:lvl7pPr lvl="6" marR="0" rtl="0" algn="l">
+      <a:lvl7pPr marR="0" lvl="6" algn="l" rtl="0">
         <a:lnSpc>
           <a:spcPct val="100000"/>
         </a:lnSpc>
@@ -6125,7 +6370,7 @@
           <a:spcPts val="0"/>
         </a:spcAft>
         <a:buNone/>
-        <a:defRPr b="0" i="0" sz="1400" u="none" cap="none" strike="noStrike">
+        <a:defRPr sz="1400" b="0" i="0" u="none" strike="noStrike" cap="none">
           <a:solidFill>
             <a:srgbClr val="000000"/>
           </a:solidFill>
@@ -6135,7 +6380,7 @@
           <a:sym typeface="Arial"/>
         </a:defRPr>
       </a:lvl7pPr>
-      <a:lvl8pPr lvl="7" marR="0" rtl="0" algn="l">
+      <a:lvl8pPr marR="0" lvl="7" algn="l" rtl="0">
         <a:lnSpc>
           <a:spcPct val="100000"/>
         </a:lnSpc>
@@ -6146,7 +6391,7 @@
           <a:spcPts val="0"/>
         </a:spcAft>
         <a:buNone/>
-        <a:defRPr b="0" i="0" sz="1400" u="none" cap="none" strike="noStrike">
+        <a:defRPr sz="1400" b="0" i="0" u="none" strike="noStrike" cap="none">
           <a:solidFill>
             <a:srgbClr val="000000"/>
           </a:solidFill>
@@ -6156,7 +6401,7 @@
           <a:sym typeface="Arial"/>
         </a:defRPr>
       </a:lvl8pPr>
-      <a:lvl9pPr lvl="8" marR="0" rtl="0" algn="l">
+      <a:lvl9pPr marR="0" lvl="8" algn="l" rtl="0">
         <a:lnSpc>
           <a:spcPct val="100000"/>
         </a:lnSpc>
@@ -6167,7 +6412,7 @@
           <a:spcPts val="0"/>
         </a:spcAft>
         <a:buNone/>
-        <a:defRPr b="0" i="0" sz="1400" u="none" cap="none" strike="noStrike">
+        <a:defRPr sz="1400" b="0" i="0" u="none" strike="noStrike" cap="none">
           <a:solidFill>
             <a:srgbClr val="000000"/>
           </a:solidFill>
@@ -6183,11 +6428,11 @@
 </file>
 
 <file path=ppt/slides/slide1.xml><?xml version="1.0" encoding="utf-8"?>
-<p:sld xmlns:a="http://schemas.openxmlformats.org/drawingml/2006/main" xmlns:r="http://schemas.openxmlformats.org/officeDocument/2006/relationships" xmlns:mc="http://schemas.openxmlformats.org/markup-compatibility/2006" xmlns:mv="urn:schemas-microsoft-com:mac:vml" xmlns:p="http://schemas.openxmlformats.org/presentationml/2006/main" xmlns:c="http://schemas.openxmlformats.org/drawingml/2006/chart" xmlns:dgm="http://schemas.openxmlformats.org/drawingml/2006/diagram" xmlns:o="urn:schemas-microsoft-com:office:office" xmlns:v="urn:schemas-microsoft-com:vml" xmlns:pvml="urn:schemas-microsoft-com:office:powerpoint" xmlns:com="http://schemas.openxmlformats.org/drawingml/2006/compatibility" xmlns:p14="http://schemas.microsoft.com/office/powerpoint/2010/main" xmlns:p15="http://schemas.microsoft.com/office/powerpoint/2012/main">
+<p:sld xmlns:a="http://schemas.openxmlformats.org/drawingml/2006/main" xmlns:r="http://schemas.openxmlformats.org/officeDocument/2006/relationships" xmlns:p="http://schemas.openxmlformats.org/presentationml/2006/main">
   <p:cSld>
     <p:spTree>
       <p:nvGrpSpPr>
-        <p:cNvPr id="73" name="Shape 73"/>
+        <p:cNvPr id="1" name="Shape 73"/>
         <p:cNvGrpSpPr/>
         <p:nvPr/>
       </p:nvGrpSpPr>
@@ -6202,7 +6447,9 @@
       <p:sp>
         <p:nvSpPr>
           <p:cNvPr id="74" name="Shape 74"/>
-          <p:cNvSpPr txBox="1"/>
+          <p:cNvSpPr txBox="1">
+            <a:spLocks noGrp="1"/>
+          </p:cNvSpPr>
           <p:nvPr>
             <p:ph type="ctrTitle"/>
           </p:nvPr>
@@ -6217,12 +6464,12 @@
           </a:prstGeom>
         </p:spPr>
         <p:txBody>
-          <a:bodyPr anchorCtr="0" anchor="b" bIns="91425" lIns="91425" rIns="91425" wrap="square" tIns="91425">
+          <a:bodyPr wrap="square" lIns="91425" tIns="91425" rIns="91425" bIns="91425" anchor="b" anchorCtr="0">
             <a:noAutofit/>
           </a:bodyPr>
           <a:lstStyle/>
           <a:p>
-            <a:pPr indent="0" lvl="0" marL="0">
+            <a:pPr marL="0" lvl="0" indent="0">
               <a:spcBef>
                 <a:spcPts val="0"/>
               </a:spcBef>
@@ -6241,7 +6488,7 @@
             </a:r>
           </a:p>
           <a:p>
-            <a:pPr indent="0" lvl="0" marL="0">
+            <a:pPr marL="0" lvl="0" indent="0">
               <a:spcBef>
                 <a:spcPts val="0"/>
               </a:spcBef>
@@ -6257,9 +6504,11 @@
       <p:sp>
         <p:nvSpPr>
           <p:cNvPr id="75" name="Shape 75"/>
-          <p:cNvSpPr txBox="1"/>
+          <p:cNvSpPr txBox="1">
+            <a:spLocks noGrp="1"/>
+          </p:cNvSpPr>
           <p:nvPr>
-            <p:ph idx="1" type="subTitle"/>
+            <p:ph type="subTitle" idx="1"/>
           </p:nvPr>
         </p:nvSpPr>
         <p:spPr>
@@ -6272,70 +6521,52 @@
           </a:prstGeom>
         </p:spPr>
         <p:txBody>
-          <a:bodyPr anchorCtr="0" anchor="t" bIns="91425" lIns="91425" rIns="91425" wrap="square" tIns="91425">
+          <a:bodyPr wrap="square" lIns="91425" tIns="91425" rIns="91425" bIns="91425" anchor="t" anchorCtr="0">
             <a:noAutofit/>
           </a:bodyPr>
           <a:lstStyle/>
           <a:p>
-            <a:pPr indent="0" lvl="0" marL="0" rtl="0">
+            <a:pPr marL="0" lvl="0" indent="0" rtl="0">
               <a:spcBef>
                 <a:spcPts val="0"/>
               </a:spcBef>
               <a:buNone/>
             </a:pPr>
             <a:r>
-              <a:rPr lang="en"/>
-              <a:t>Your Name</a:t>
+              <a:rPr lang="en" dirty="0" smtClean="0"/>
+              <a:t>Deliang Yin</a:t>
             </a:r>
+            <a:endParaRPr lang="en" dirty="0"/>
           </a:p>
           <a:p>
-            <a:pPr indent="0" lvl="0" marL="0" rtl="0">
+            <a:pPr marL="0" lvl="0" indent="0" rtl="0">
               <a:spcBef>
                 <a:spcPts val="0"/>
               </a:spcBef>
               <a:buNone/>
             </a:pPr>
             <a:r>
-              <a:rPr lang="en"/>
-              <a:t>prof.irfanessa.com / </a:t>
+              <a:rPr lang="en" u="sng" dirty="0" smtClean="0">
+                <a:solidFill>
+                  <a:schemeClr val="hlink"/>
+                </a:solidFill>
+              </a:rPr>
+              <a:t>deliang.yin</a:t>
             </a:r>
             <a:r>
-              <a:rPr lang="en" u="sng">
+              <a:rPr lang="en" u="sng" dirty="0" smtClean="0">
                 <a:solidFill>
                   <a:schemeClr val="hlink"/>
                 </a:solidFill>
                 <a:hlinkClick r:id="rId3"/>
               </a:rPr>
-              <a:t>irfan@cc.gatech.edu</a:t>
+              <a:t>@gatech.edu</a:t>
             </a:r>
             <a:r>
-              <a:rPr lang="en"/>
+              <a:rPr lang="en" dirty="0" smtClean="0"/>
               <a:t> </a:t>
             </a:r>
-          </a:p>
-          <a:p>
-            <a:pPr indent="0" lvl="0" marL="0" rtl="0">
-              <a:spcBef>
-                <a:spcPts val="0"/>
-              </a:spcBef>
-              <a:buNone/>
-            </a:pPr>
-            <a:r>
-              <a:rPr lang="en"/>
-              <a:t>(use your contact info)</a:t>
-            </a:r>
-          </a:p>
-          <a:p>
-            <a:pPr indent="0" lvl="0" marL="0">
-              <a:spcBef>
-                <a:spcPts val="0"/>
-              </a:spcBef>
-              <a:buNone/>
-            </a:pPr>
-            <a:r>
-              <a:t/>
-            </a:r>
-            <a:endParaRPr/>
+            <a:endParaRPr lang="en" dirty="0"/>
           </a:p>
         </p:txBody>
       </p:sp>
@@ -6348,11 +6579,11 @@
 </file>
 
 <file path=ppt/slides/slide10.xml><?xml version="1.0" encoding="utf-8"?>
-<p:sld xmlns:a="http://schemas.openxmlformats.org/drawingml/2006/main" xmlns:r="http://schemas.openxmlformats.org/officeDocument/2006/relationships" xmlns:mc="http://schemas.openxmlformats.org/markup-compatibility/2006" xmlns:mv="urn:schemas-microsoft-com:mac:vml" xmlns:p="http://schemas.openxmlformats.org/presentationml/2006/main" xmlns:c="http://schemas.openxmlformats.org/drawingml/2006/chart" xmlns:dgm="http://schemas.openxmlformats.org/drawingml/2006/diagram" xmlns:o="urn:schemas-microsoft-com:office:office" xmlns:v="urn:schemas-microsoft-com:vml" xmlns:pvml="urn:schemas-microsoft-com:office:powerpoint" xmlns:com="http://schemas.openxmlformats.org/drawingml/2006/compatibility" xmlns:p14="http://schemas.microsoft.com/office/powerpoint/2010/main" xmlns:p15="http://schemas.microsoft.com/office/powerpoint/2012/main">
+<p:sld xmlns:a="http://schemas.openxmlformats.org/drawingml/2006/main" xmlns:r="http://schemas.openxmlformats.org/officeDocument/2006/relationships" xmlns:p="http://schemas.openxmlformats.org/presentationml/2006/main">
   <p:cSld>
     <p:spTree>
       <p:nvGrpSpPr>
-        <p:cNvPr id="133" name="Shape 133"/>
+        <p:cNvPr id="1" name="Shape 133"/>
         <p:cNvGrpSpPr/>
         <p:nvPr/>
       </p:nvGrpSpPr>
@@ -6367,7 +6598,9 @@
       <p:sp>
         <p:nvSpPr>
           <p:cNvPr id="134" name="Shape 134"/>
-          <p:cNvSpPr txBox="1"/>
+          <p:cNvSpPr txBox="1">
+            <a:spLocks noGrp="1"/>
+          </p:cNvSpPr>
           <p:nvPr>
             <p:ph type="title"/>
           </p:nvPr>
@@ -6382,12 +6615,12 @@
           </a:prstGeom>
         </p:spPr>
         <p:txBody>
-          <a:bodyPr anchorCtr="0" anchor="b" bIns="91425" lIns="91425" rIns="91425" wrap="square" tIns="91425">
+          <a:bodyPr wrap="square" lIns="91425" tIns="91425" rIns="91425" bIns="91425" anchor="b" anchorCtr="0">
             <a:noAutofit/>
           </a:bodyPr>
           <a:lstStyle/>
           <a:p>
-            <a:pPr indent="0" lvl="0" marL="0">
+            <a:pPr marL="0" lvl="0" indent="0">
               <a:spcBef>
                 <a:spcPts val="0"/>
               </a:spcBef>
@@ -6403,9 +6636,11 @@
       <p:sp>
         <p:nvSpPr>
           <p:cNvPr id="135" name="Shape 135"/>
-          <p:cNvSpPr txBox="1"/>
+          <p:cNvSpPr txBox="1">
+            <a:spLocks noGrp="1"/>
+          </p:cNvSpPr>
           <p:nvPr>
-            <p:ph idx="1" type="body"/>
+            <p:ph type="body" idx="1"/>
           </p:nvPr>
         </p:nvSpPr>
         <p:spPr>
@@ -6418,12 +6653,12 @@
           </a:prstGeom>
         </p:spPr>
         <p:txBody>
-          <a:bodyPr anchorCtr="0" anchor="t" bIns="91425" lIns="91425" rIns="91425" wrap="square" tIns="91425">
+          <a:bodyPr wrap="square" lIns="91425" tIns="91425" rIns="91425" bIns="91425" anchor="t" anchorCtr="0">
             <a:noAutofit/>
           </a:bodyPr>
           <a:lstStyle/>
           <a:p>
-            <a:pPr indent="0" lvl="0" marL="0">
+            <a:pPr marL="0" lvl="0" indent="0">
               <a:spcBef>
                 <a:spcPts val="0"/>
               </a:spcBef>
@@ -6435,7 +6670,7 @@
             </a:r>
           </a:p>
           <a:p>
-            <a:pPr indent="0" lvl="0" marL="0">
+            <a:pPr marL="0" lvl="0" indent="0">
               <a:spcBef>
                 <a:spcPts val="0"/>
               </a:spcBef>
@@ -6461,11 +6696,11 @@
 </file>
 
 <file path=ppt/slides/slide11.xml><?xml version="1.0" encoding="utf-8"?>
-<p:sld xmlns:a="http://schemas.openxmlformats.org/drawingml/2006/main" xmlns:r="http://schemas.openxmlformats.org/officeDocument/2006/relationships" xmlns:mc="http://schemas.openxmlformats.org/markup-compatibility/2006" xmlns:mv="urn:schemas-microsoft-com:mac:vml" xmlns:p="http://schemas.openxmlformats.org/presentationml/2006/main" xmlns:c="http://schemas.openxmlformats.org/drawingml/2006/chart" xmlns:dgm="http://schemas.openxmlformats.org/drawingml/2006/diagram" xmlns:o="urn:schemas-microsoft-com:office:office" xmlns:v="urn:schemas-microsoft-com:vml" xmlns:pvml="urn:schemas-microsoft-com:office:powerpoint" xmlns:com="http://schemas.openxmlformats.org/drawingml/2006/compatibility" xmlns:p14="http://schemas.microsoft.com/office/powerpoint/2010/main" xmlns:p15="http://schemas.microsoft.com/office/powerpoint/2012/main">
+<p:sld xmlns:a="http://schemas.openxmlformats.org/drawingml/2006/main" xmlns:r="http://schemas.openxmlformats.org/officeDocument/2006/relationships" xmlns:p="http://schemas.openxmlformats.org/presentationml/2006/main">
   <p:cSld>
     <p:spTree>
       <p:nvGrpSpPr>
-        <p:cNvPr id="139" name="Shape 139"/>
+        <p:cNvPr id="1" name="Shape 139"/>
         <p:cNvGrpSpPr/>
         <p:nvPr/>
       </p:nvGrpSpPr>
@@ -6480,7 +6715,9 @@
       <p:sp>
         <p:nvSpPr>
           <p:cNvPr id="140" name="Shape 140"/>
-          <p:cNvSpPr txBox="1"/>
+          <p:cNvSpPr txBox="1">
+            <a:spLocks noGrp="1"/>
+          </p:cNvSpPr>
           <p:nvPr>
             <p:ph type="title"/>
           </p:nvPr>
@@ -6495,12 +6732,12 @@
           </a:prstGeom>
         </p:spPr>
         <p:txBody>
-          <a:bodyPr anchorCtr="0" anchor="b" bIns="91425" lIns="91425" rIns="91425" wrap="square" tIns="91425">
+          <a:bodyPr wrap="square" lIns="91425" tIns="91425" rIns="91425" bIns="91425" anchor="b" anchorCtr="0">
             <a:noAutofit/>
           </a:bodyPr>
           <a:lstStyle/>
           <a:p>
-            <a:pPr indent="0" lvl="0" marL="0">
+            <a:pPr marL="0" lvl="0" indent="0">
               <a:spcBef>
                 <a:spcPts val="0"/>
               </a:spcBef>
@@ -6516,9 +6753,11 @@
       <p:sp>
         <p:nvSpPr>
           <p:cNvPr id="141" name="Shape 141"/>
-          <p:cNvSpPr txBox="1"/>
+          <p:cNvSpPr txBox="1">
+            <a:spLocks noGrp="1"/>
+          </p:cNvSpPr>
           <p:nvPr>
-            <p:ph idx="1" type="body"/>
+            <p:ph type="body" idx="1"/>
           </p:nvPr>
         </p:nvSpPr>
         <p:spPr>
@@ -6531,12 +6770,12 @@
           </a:prstGeom>
         </p:spPr>
         <p:txBody>
-          <a:bodyPr anchorCtr="0" anchor="t" bIns="91425" lIns="91425" rIns="91425" wrap="square" tIns="91425">
+          <a:bodyPr wrap="square" lIns="91425" tIns="91425" rIns="91425" bIns="91425" anchor="t" anchorCtr="0">
             <a:noAutofit/>
           </a:bodyPr>
           <a:lstStyle/>
           <a:p>
-            <a:pPr indent="0" lvl="0" marL="0" rtl="0" algn="ctr">
+            <a:pPr marL="0" lvl="0" indent="0" algn="ctr" rtl="0">
               <a:spcBef>
                 <a:spcPts val="0"/>
               </a:spcBef>
@@ -6548,19 +6787,16 @@
             </a:r>
           </a:p>
           <a:p>
-            <a:pPr indent="0" lvl="0" marL="0" rtl="0" algn="ctr">
+            <a:pPr marL="0" lvl="0" indent="0" algn="ctr" rtl="0">
               <a:spcBef>
                 <a:spcPts val="0"/>
               </a:spcBef>
               <a:buNone/>
             </a:pPr>
-            <a:r>
-              <a:t/>
-            </a:r>
             <a:endParaRPr/>
           </a:p>
           <a:p>
-            <a:pPr indent="0" lvl="0" marL="0" rtl="0" algn="ctr">
+            <a:pPr marL="0" lvl="0" indent="0" algn="ctr" rtl="0">
               <a:spcBef>
                 <a:spcPts val="0"/>
               </a:spcBef>
@@ -6572,15 +6808,12 @@
             </a:r>
           </a:p>
           <a:p>
-            <a:pPr indent="0" lvl="0" marL="0" rtl="0" algn="ctr">
+            <a:pPr marL="0" lvl="0" indent="0" algn="ctr" rtl="0">
               <a:spcBef>
                 <a:spcPts val="0"/>
               </a:spcBef>
               <a:buNone/>
             </a:pPr>
-            <a:r>
-              <a:t/>
-            </a:r>
             <a:endParaRPr/>
           </a:p>
         </p:txBody>
@@ -6594,11 +6827,11 @@
 </file>
 
 <file path=ppt/slides/slide12.xml><?xml version="1.0" encoding="utf-8"?>
-<p:sld xmlns:a="http://schemas.openxmlformats.org/drawingml/2006/main" xmlns:r="http://schemas.openxmlformats.org/officeDocument/2006/relationships" xmlns:mc="http://schemas.openxmlformats.org/markup-compatibility/2006" xmlns:mv="urn:schemas-microsoft-com:mac:vml" xmlns:p="http://schemas.openxmlformats.org/presentationml/2006/main" xmlns:c="http://schemas.openxmlformats.org/drawingml/2006/chart" xmlns:dgm="http://schemas.openxmlformats.org/drawingml/2006/diagram" xmlns:o="urn:schemas-microsoft-com:office:office" xmlns:v="urn:schemas-microsoft-com:vml" xmlns:pvml="urn:schemas-microsoft-com:office:powerpoint" xmlns:com="http://schemas.openxmlformats.org/drawingml/2006/compatibility" xmlns:p14="http://schemas.microsoft.com/office/powerpoint/2010/main" xmlns:p15="http://schemas.microsoft.com/office/powerpoint/2012/main">
+<p:sld xmlns:a="http://schemas.openxmlformats.org/drawingml/2006/main" xmlns:r="http://schemas.openxmlformats.org/officeDocument/2006/relationships" xmlns:p="http://schemas.openxmlformats.org/presentationml/2006/main">
   <p:cSld>
     <p:spTree>
       <p:nvGrpSpPr>
-        <p:cNvPr id="145" name="Shape 145"/>
+        <p:cNvPr id="1" name="Shape 145"/>
         <p:cNvGrpSpPr/>
         <p:nvPr/>
       </p:nvGrpSpPr>
@@ -6613,7 +6846,9 @@
       <p:sp>
         <p:nvSpPr>
           <p:cNvPr id="146" name="Shape 146"/>
-          <p:cNvSpPr txBox="1"/>
+          <p:cNvSpPr txBox="1">
+            <a:spLocks noGrp="1"/>
+          </p:cNvSpPr>
           <p:nvPr>
             <p:ph type="title"/>
           </p:nvPr>
@@ -6628,12 +6863,12 @@
           </a:prstGeom>
         </p:spPr>
         <p:txBody>
-          <a:bodyPr anchorCtr="0" anchor="b" bIns="91425" lIns="91425" rIns="91425" wrap="square" tIns="91425">
+          <a:bodyPr wrap="square" lIns="91425" tIns="91425" rIns="91425" bIns="91425" anchor="b" anchorCtr="0">
             <a:noAutofit/>
           </a:bodyPr>
           <a:lstStyle/>
           <a:p>
-            <a:pPr indent="0" lvl="0" marL="0">
+            <a:pPr marL="0" lvl="0" indent="0">
               <a:spcBef>
                 <a:spcPts val="0"/>
               </a:spcBef>
@@ -6649,9 +6884,11 @@
       <p:sp>
         <p:nvSpPr>
           <p:cNvPr id="147" name="Shape 147"/>
-          <p:cNvSpPr txBox="1"/>
+          <p:cNvSpPr txBox="1">
+            <a:spLocks noGrp="1"/>
+          </p:cNvSpPr>
           <p:nvPr>
-            <p:ph idx="1" type="body"/>
+            <p:ph type="body" idx="1"/>
           </p:nvPr>
         </p:nvSpPr>
         <p:spPr>
@@ -6664,12 +6901,12 @@
           </a:prstGeom>
         </p:spPr>
         <p:txBody>
-          <a:bodyPr anchorCtr="0" anchor="t" bIns="91425" lIns="91425" rIns="91425" wrap="square" tIns="91425">
+          <a:bodyPr wrap="square" lIns="91425" tIns="91425" rIns="91425" bIns="91425" anchor="t" anchorCtr="0">
             <a:noAutofit/>
           </a:bodyPr>
           <a:lstStyle/>
           <a:p>
-            <a:pPr indent="0" lvl="0" marL="0" rtl="0">
+            <a:pPr marL="0" lvl="0" indent="0" rtl="0">
               <a:spcBef>
                 <a:spcPts val="0"/>
               </a:spcBef>
@@ -6681,19 +6918,16 @@
             </a:r>
           </a:p>
           <a:p>
-            <a:pPr indent="0" lvl="0" marL="0" rtl="0">
+            <a:pPr marL="0" lvl="0" indent="0" rtl="0">
               <a:spcBef>
                 <a:spcPts val="0"/>
               </a:spcBef>
               <a:buNone/>
             </a:pPr>
-            <a:r>
-              <a:t/>
-            </a:r>
             <a:endParaRPr sz="2400"/>
           </a:p>
           <a:p>
-            <a:pPr indent="0" lvl="0" marL="0">
+            <a:pPr marL="0" lvl="0" indent="0">
               <a:spcBef>
                 <a:spcPts val="0"/>
               </a:spcBef>
@@ -6715,11 +6949,11 @@
 </file>
 
 <file path=ppt/slides/slide2.xml><?xml version="1.0" encoding="utf-8"?>
-<p:sld xmlns:a="http://schemas.openxmlformats.org/drawingml/2006/main" xmlns:r="http://schemas.openxmlformats.org/officeDocument/2006/relationships" xmlns:mc="http://schemas.openxmlformats.org/markup-compatibility/2006" xmlns:mv="urn:schemas-microsoft-com:mac:vml" xmlns:p="http://schemas.openxmlformats.org/presentationml/2006/main" xmlns:c="http://schemas.openxmlformats.org/drawingml/2006/chart" xmlns:dgm="http://schemas.openxmlformats.org/drawingml/2006/diagram" xmlns:o="urn:schemas-microsoft-com:office:office" xmlns:v="urn:schemas-microsoft-com:vml" xmlns:pvml="urn:schemas-microsoft-com:office:powerpoint" xmlns:com="http://schemas.openxmlformats.org/drawingml/2006/compatibility" xmlns:p14="http://schemas.microsoft.com/office/powerpoint/2010/main" xmlns:p15="http://schemas.microsoft.com/office/powerpoint/2012/main">
+<p:sld xmlns:a="http://schemas.openxmlformats.org/drawingml/2006/main" xmlns:r="http://schemas.openxmlformats.org/officeDocument/2006/relationships" xmlns:p="http://schemas.openxmlformats.org/presentationml/2006/main">
   <p:cSld>
     <p:spTree>
       <p:nvGrpSpPr>
-        <p:cNvPr id="79" name="Shape 79"/>
+        <p:cNvPr id="1" name="Shape 79"/>
         <p:cNvGrpSpPr/>
         <p:nvPr/>
       </p:nvGrpSpPr>
@@ -6734,7 +6968,9 @@
       <p:sp>
         <p:nvSpPr>
           <p:cNvPr id="80" name="Shape 80"/>
-          <p:cNvSpPr txBox="1"/>
+          <p:cNvSpPr txBox="1">
+            <a:spLocks noGrp="1"/>
+          </p:cNvSpPr>
           <p:nvPr>
             <p:ph type="title"/>
           </p:nvPr>
@@ -6749,12 +6985,12 @@
           </a:prstGeom>
         </p:spPr>
         <p:txBody>
-          <a:bodyPr anchorCtr="0" anchor="b" bIns="91425" lIns="91425" rIns="91425" wrap="square" tIns="91425">
+          <a:bodyPr wrap="square" lIns="91425" tIns="91425" rIns="91425" bIns="91425" anchor="b" anchorCtr="0">
             <a:noAutofit/>
           </a:bodyPr>
           <a:lstStyle/>
           <a:p>
-            <a:pPr indent="0" lvl="0" marL="0">
+            <a:pPr marL="0" lvl="0" indent="0">
               <a:spcBef>
                 <a:spcPts val="0"/>
               </a:spcBef>
@@ -6815,12 +7051,12 @@
           </a:ln>
         </p:spPr>
         <p:txBody>
-          <a:bodyPr anchorCtr="0" anchor="t" bIns="91425" lIns="91425" rIns="91425" wrap="square" tIns="91425">
+          <a:bodyPr wrap="square" lIns="91425" tIns="91425" rIns="91425" bIns="91425" anchor="t" anchorCtr="0">
             <a:noAutofit/>
           </a:bodyPr>
           <a:lstStyle/>
           <a:p>
-            <a:pPr indent="0" lvl="0" marL="0" rtl="0" algn="ctr">
+            <a:pPr marL="0" lvl="0" indent="0" algn="ctr" rtl="0">
               <a:spcBef>
                 <a:spcPts val="0"/>
               </a:spcBef>
@@ -6836,7 +7072,7 @@
             </a:r>
           </a:p>
           <a:p>
-            <a:pPr indent="0" lvl="0" marL="0" rtl="0" algn="ctr">
+            <a:pPr marL="0" lvl="0" indent="0" algn="ctr" rtl="0">
               <a:spcBef>
                 <a:spcPts val="0"/>
               </a:spcBef>
@@ -6852,7 +7088,7 @@
             </a:r>
           </a:p>
           <a:p>
-            <a:pPr indent="0" lvl="0" marL="0" algn="ctr">
+            <a:pPr marL="0" lvl="0" indent="0" algn="ctr">
               <a:spcBef>
                 <a:spcPts val="0"/>
               </a:spcBef>
@@ -6878,11 +7114,11 @@
 </file>
 
 <file path=ppt/slides/slide3.xml><?xml version="1.0" encoding="utf-8"?>
-<p:sld xmlns:a="http://schemas.openxmlformats.org/drawingml/2006/main" xmlns:r="http://schemas.openxmlformats.org/officeDocument/2006/relationships" xmlns:mc="http://schemas.openxmlformats.org/markup-compatibility/2006" xmlns:mv="urn:schemas-microsoft-com:mac:vml" xmlns:p="http://schemas.openxmlformats.org/presentationml/2006/main" xmlns:c="http://schemas.openxmlformats.org/drawingml/2006/chart" xmlns:dgm="http://schemas.openxmlformats.org/drawingml/2006/diagram" xmlns:o="urn:schemas-microsoft-com:office:office" xmlns:v="urn:schemas-microsoft-com:vml" xmlns:pvml="urn:schemas-microsoft-com:office:powerpoint" xmlns:com="http://schemas.openxmlformats.org/drawingml/2006/compatibility" xmlns:p14="http://schemas.microsoft.com/office/powerpoint/2010/main" xmlns:p15="http://schemas.microsoft.com/office/powerpoint/2012/main">
+<p:sld xmlns:a="http://schemas.openxmlformats.org/drawingml/2006/main" xmlns:r="http://schemas.openxmlformats.org/officeDocument/2006/relationships" xmlns:p="http://schemas.openxmlformats.org/presentationml/2006/main">
   <p:cSld>
     <p:spTree>
       <p:nvGrpSpPr>
-        <p:cNvPr id="86" name="Shape 86"/>
+        <p:cNvPr id="1" name="Shape 86"/>
         <p:cNvGrpSpPr/>
         <p:nvPr/>
       </p:nvGrpSpPr>
@@ -6897,7 +7133,9 @@
       <p:sp>
         <p:nvSpPr>
           <p:cNvPr id="87" name="Shape 87"/>
-          <p:cNvSpPr txBox="1"/>
+          <p:cNvSpPr txBox="1">
+            <a:spLocks noGrp="1"/>
+          </p:cNvSpPr>
           <p:nvPr>
             <p:ph type="title"/>
           </p:nvPr>
@@ -6912,12 +7150,12 @@
           </a:prstGeom>
         </p:spPr>
         <p:txBody>
-          <a:bodyPr anchorCtr="0" anchor="b" bIns="91425" lIns="91425" rIns="91425" wrap="square" tIns="91425">
+          <a:bodyPr wrap="square" lIns="91425" tIns="91425" rIns="91425" bIns="91425" anchor="b" anchorCtr="0">
             <a:noAutofit/>
           </a:bodyPr>
           <a:lstStyle/>
           <a:p>
-            <a:pPr indent="0" lvl="0" marL="0">
+            <a:pPr marL="0" lvl="0" indent="0">
               <a:spcBef>
                 <a:spcPts val="0"/>
               </a:spcBef>
@@ -6950,20 +7188,17 @@
           </a:ln>
         </p:spPr>
         <p:txBody>
-          <a:bodyPr anchorCtr="0" anchor="t" bIns="91425" lIns="91425" rIns="91425" wrap="square" tIns="91425">
+          <a:bodyPr wrap="square" lIns="91425" tIns="91425" rIns="91425" bIns="91425" anchor="t" anchorCtr="0">
             <a:noAutofit/>
           </a:bodyPr>
           <a:lstStyle/>
           <a:p>
-            <a:pPr indent="0" lvl="0" marL="0" rtl="0" algn="ctr">
+            <a:pPr marL="0" lvl="0" indent="0" algn="ctr" rtl="0">
               <a:spcBef>
                 <a:spcPts val="0"/>
               </a:spcBef>
               <a:buNone/>
             </a:pPr>
-            <a:r>
-              <a:t/>
-            </a:r>
             <a:endParaRPr>
               <a:solidFill>
                 <a:srgbClr val="CCCCCC"/>
@@ -6971,7 +7206,7 @@
             </a:endParaRPr>
           </a:p>
           <a:p>
-            <a:pPr indent="0" lvl="0" marL="0" rtl="0" algn="ctr">
+            <a:pPr marL="0" lvl="0" indent="0" algn="ctr" rtl="0">
               <a:spcBef>
                 <a:spcPts val="0"/>
               </a:spcBef>
@@ -6996,8 +7231,8 @@
         </p:nvSpPr>
         <p:spPr>
           <a:xfrm>
-            <a:off x="2486375" y="2519475"/>
-            <a:ext cx="4321200" cy="780600"/>
+            <a:off x="685800" y="1733550"/>
+            <a:ext cx="7696200" cy="2209800"/>
           </a:xfrm>
           <a:prstGeom prst="rect">
             <a:avLst/>
@@ -7008,12 +7243,12 @@
           </a:ln>
         </p:spPr>
         <p:txBody>
-          <a:bodyPr anchorCtr="0" anchor="t" bIns="91425" lIns="91425" rIns="91425" wrap="square" tIns="91425">
+          <a:bodyPr wrap="square" lIns="91425" tIns="91425" rIns="91425" bIns="91425" anchor="t" anchorCtr="0">
             <a:noAutofit/>
           </a:bodyPr>
           <a:lstStyle/>
           <a:p>
-            <a:pPr indent="-69850" lvl="0" marL="0" rtl="0" algn="ctr">
+            <a:pPr marL="0" lvl="0" indent="-69850" rtl="0">
               <a:spcBef>
                 <a:spcPts val="0"/>
               </a:spcBef>
@@ -7025,13 +7260,106 @@
               <a:buNone/>
             </a:pPr>
             <a:r>
-              <a:rPr lang="en" sz="2400">
+              <a:rPr lang="en" sz="1800" b="1" dirty="0" smtClean="0">
                 <a:solidFill>
                   <a:srgbClr val="FFFF00"/>
                 </a:solidFill>
+                <a:latin typeface="+mj-lt"/>
               </a:rPr>
-              <a:t>Show whatever is appropriate</a:t>
+              <a:t>Objective</a:t>
             </a:r>
+            <a:r>
+              <a:rPr lang="en" sz="1800" dirty="0" smtClean="0">
+                <a:solidFill>
+                  <a:srgbClr val="FFFF00"/>
+                </a:solidFill>
+                <a:latin typeface="+mj-lt"/>
+              </a:rPr>
+              <a:t>: take multiple photos of the same scene by varying just a single variable each time, and generate a novel artifact from these images.</a:t>
+            </a:r>
+          </a:p>
+          <a:p>
+            <a:pPr marL="0" lvl="0" indent="-69850" rtl="0">
+              <a:spcBef>
+                <a:spcPts val="0"/>
+              </a:spcBef>
+              <a:buClr>
+                <a:schemeClr val="dk1"/>
+              </a:buClr>
+              <a:buSzPts val="1100"/>
+              <a:buFont typeface="Arial"/>
+              <a:buNone/>
+            </a:pPr>
+            <a:endParaRPr lang="en" sz="1800" dirty="0">
+              <a:solidFill>
+                <a:srgbClr val="FFFF00"/>
+              </a:solidFill>
+              <a:latin typeface="+mj-lt"/>
+            </a:endParaRPr>
+          </a:p>
+          <a:p>
+            <a:pPr marL="0" lvl="0" indent="-69850" rtl="0">
+              <a:spcBef>
+                <a:spcPts val="0"/>
+              </a:spcBef>
+              <a:buClr>
+                <a:schemeClr val="dk1"/>
+              </a:buClr>
+              <a:buSzPts val="1100"/>
+              <a:buFont typeface="Arial"/>
+              <a:buNone/>
+            </a:pPr>
+            <a:r>
+              <a:rPr lang="en" sz="1800" b="1" dirty="0" smtClean="0">
+                <a:solidFill>
+                  <a:srgbClr val="FFFF00"/>
+                </a:solidFill>
+                <a:latin typeface="+mj-lt"/>
+              </a:rPr>
+              <a:t>My</a:t>
+            </a:r>
+            <a:r>
+              <a:rPr lang="en" sz="1800" dirty="0" smtClean="0">
+                <a:solidFill>
+                  <a:srgbClr val="FFFF00"/>
+                </a:solidFill>
+                <a:latin typeface="+mj-lt"/>
+              </a:rPr>
+              <a:t> </a:t>
+            </a:r>
+            <a:r>
+              <a:rPr lang="en" sz="1800" b="1" dirty="0">
+                <a:solidFill>
+                  <a:srgbClr val="FFFF00"/>
+                </a:solidFill>
+                <a:latin typeface="+mj-lt"/>
+              </a:rPr>
+              <a:t>W</a:t>
+            </a:r>
+            <a:r>
+              <a:rPr lang="en" sz="1800" b="1" dirty="0" smtClean="0">
+                <a:solidFill>
+                  <a:srgbClr val="FFFF00"/>
+                </a:solidFill>
+                <a:latin typeface="+mj-lt"/>
+              </a:rPr>
+              <a:t>ork</a:t>
+            </a:r>
+            <a:r>
+              <a:rPr lang="en" sz="1800" dirty="0" smtClean="0">
+                <a:solidFill>
+                  <a:srgbClr val="FFFF00"/>
+                </a:solidFill>
+                <a:latin typeface="+mj-lt"/>
+              </a:rPr>
+              <a:t>: I chose the focus as my epsilon with my baby’s animal friends as the scene. By changing the focus in each image, I am able to generate the final artifact where all the animials are clearly visible.</a:t>
+            </a:r>
+            <a:endParaRPr lang="en" sz="1800" dirty="0">
+              <a:solidFill>
+                <a:srgbClr val="FFFF00"/>
+              </a:solidFill>
+              <a:latin typeface="+mj-lt"/>
+            </a:endParaRPr>
           </a:p>
         </p:txBody>
       </p:sp>
@@ -7044,11 +7372,11 @@
 </file>
 
 <file path=ppt/slides/slide4.xml><?xml version="1.0" encoding="utf-8"?>
-<p:sld xmlns:a="http://schemas.openxmlformats.org/drawingml/2006/main" xmlns:r="http://schemas.openxmlformats.org/officeDocument/2006/relationships" xmlns:mc="http://schemas.openxmlformats.org/markup-compatibility/2006" xmlns:mv="urn:schemas-microsoft-com:mac:vml" xmlns:p="http://schemas.openxmlformats.org/presentationml/2006/main" xmlns:c="http://schemas.openxmlformats.org/drawingml/2006/chart" xmlns:dgm="http://schemas.openxmlformats.org/drawingml/2006/diagram" xmlns:o="urn:schemas-microsoft-com:office:office" xmlns:v="urn:schemas-microsoft-com:vml" xmlns:pvml="urn:schemas-microsoft-com:office:powerpoint" xmlns:com="http://schemas.openxmlformats.org/drawingml/2006/compatibility" xmlns:p14="http://schemas.microsoft.com/office/powerpoint/2010/main" xmlns:p15="http://schemas.microsoft.com/office/powerpoint/2012/main">
+<p:sld xmlns:a="http://schemas.openxmlformats.org/drawingml/2006/main" xmlns:r="http://schemas.openxmlformats.org/officeDocument/2006/relationships" xmlns:p="http://schemas.openxmlformats.org/presentationml/2006/main">
   <p:cSld>
     <p:spTree>
       <p:nvGrpSpPr>
-        <p:cNvPr id="93" name="Shape 93"/>
+        <p:cNvPr id="1" name="Shape 93"/>
         <p:cNvGrpSpPr/>
         <p:nvPr/>
       </p:nvGrpSpPr>
@@ -7063,7 +7391,9 @@
       <p:sp>
         <p:nvSpPr>
           <p:cNvPr id="94" name="Shape 94"/>
-          <p:cNvSpPr txBox="1"/>
+          <p:cNvSpPr txBox="1">
+            <a:spLocks noGrp="1"/>
+          </p:cNvSpPr>
           <p:nvPr>
             <p:ph type="title"/>
           </p:nvPr>
@@ -7078,12 +7408,12 @@
           </a:prstGeom>
         </p:spPr>
         <p:txBody>
-          <a:bodyPr anchorCtr="0" anchor="b" bIns="91425" lIns="91425" rIns="91425" wrap="square" tIns="91425">
+          <a:bodyPr wrap="square" lIns="91425" tIns="91425" rIns="91425" bIns="91425" anchor="b" anchorCtr="0">
             <a:noAutofit/>
           </a:bodyPr>
           <a:lstStyle/>
           <a:p>
-            <a:pPr indent="0" lvl="0" marL="0">
+            <a:pPr marL="0" lvl="0" indent="0">
               <a:spcBef>
                 <a:spcPts val="0"/>
               </a:spcBef>
@@ -7172,12 +7502,12 @@
           </a:ln>
         </p:spPr>
         <p:txBody>
-          <a:bodyPr anchorCtr="0" anchor="t" bIns="91425" lIns="91425" rIns="91425" wrap="square" tIns="91425">
+          <a:bodyPr wrap="square" lIns="91425" tIns="91425" rIns="91425" bIns="91425" anchor="t" anchorCtr="0">
             <a:noAutofit/>
           </a:bodyPr>
           <a:lstStyle/>
           <a:p>
-            <a:pPr indent="0" lvl="0" marL="0" rtl="0" algn="ctr">
+            <a:pPr marL="0" lvl="0" indent="0" algn="ctr" rtl="0">
               <a:spcBef>
                 <a:spcPts val="0"/>
               </a:spcBef>
@@ -7214,12 +7544,12 @@
           </a:ln>
         </p:spPr>
         <p:txBody>
-          <a:bodyPr anchorCtr="0" anchor="t" bIns="91425" lIns="91425" rIns="91425" wrap="square" tIns="91425">
+          <a:bodyPr wrap="square" lIns="91425" tIns="91425" rIns="91425" bIns="91425" anchor="t" anchorCtr="0">
             <a:noAutofit/>
           </a:bodyPr>
           <a:lstStyle/>
           <a:p>
-            <a:pPr indent="0" lvl="0" marL="0" rtl="0" algn="ctr">
+            <a:pPr marL="0" lvl="0" indent="0" algn="ctr" rtl="0">
               <a:spcBef>
                 <a:spcPts val="0"/>
               </a:spcBef>
@@ -7256,12 +7586,12 @@
           </a:ln>
         </p:spPr>
         <p:txBody>
-          <a:bodyPr anchorCtr="0" anchor="t" bIns="91425" lIns="91425" rIns="91425" wrap="square" tIns="91425">
+          <a:bodyPr wrap="square" lIns="91425" tIns="91425" rIns="91425" bIns="91425" anchor="t" anchorCtr="0">
             <a:noAutofit/>
           </a:bodyPr>
           <a:lstStyle/>
           <a:p>
-            <a:pPr indent="0" lvl="0" marL="0" algn="ctr">
+            <a:pPr marL="0" lvl="0" indent="0" algn="ctr">
               <a:spcBef>
                 <a:spcPts val="0"/>
               </a:spcBef>
@@ -7287,11 +7617,11 @@
 </file>
 
 <file path=ppt/slides/slide5.xml><?xml version="1.0" encoding="utf-8"?>
-<p:sld xmlns:a="http://schemas.openxmlformats.org/drawingml/2006/main" xmlns:r="http://schemas.openxmlformats.org/officeDocument/2006/relationships" xmlns:mc="http://schemas.openxmlformats.org/markup-compatibility/2006" xmlns:mv="urn:schemas-microsoft-com:mac:vml" xmlns:p="http://schemas.openxmlformats.org/presentationml/2006/main" xmlns:c="http://schemas.openxmlformats.org/drawingml/2006/chart" xmlns:dgm="http://schemas.openxmlformats.org/drawingml/2006/diagram" xmlns:o="urn:schemas-microsoft-com:office:office" xmlns:v="urn:schemas-microsoft-com:vml" xmlns:pvml="urn:schemas-microsoft-com:office:powerpoint" xmlns:com="http://schemas.openxmlformats.org/drawingml/2006/compatibility" xmlns:p14="http://schemas.microsoft.com/office/powerpoint/2010/main" xmlns:p15="http://schemas.microsoft.com/office/powerpoint/2012/main">
+<p:sld xmlns:a="http://schemas.openxmlformats.org/drawingml/2006/main" xmlns:r="http://schemas.openxmlformats.org/officeDocument/2006/relationships" xmlns:p="http://schemas.openxmlformats.org/presentationml/2006/main">
   <p:cSld>
     <p:spTree>
       <p:nvGrpSpPr>
-        <p:cNvPr id="103" name="Shape 103"/>
+        <p:cNvPr id="1" name="Shape 103"/>
         <p:cNvGrpSpPr/>
         <p:nvPr/>
       </p:nvGrpSpPr>
@@ -7306,7 +7636,9 @@
       <p:sp>
         <p:nvSpPr>
           <p:cNvPr id="104" name="Shape 104"/>
-          <p:cNvSpPr txBox="1"/>
+          <p:cNvSpPr txBox="1">
+            <a:spLocks noGrp="1"/>
+          </p:cNvSpPr>
           <p:nvPr>
             <p:ph type="title"/>
           </p:nvPr>
@@ -7321,12 +7653,12 @@
           </a:prstGeom>
         </p:spPr>
         <p:txBody>
-          <a:bodyPr anchorCtr="0" anchor="b" bIns="91425" lIns="91425" rIns="91425" wrap="square" tIns="91425">
+          <a:bodyPr wrap="square" lIns="91425" tIns="91425" rIns="91425" bIns="91425" anchor="b" anchorCtr="0">
             <a:noAutofit/>
           </a:bodyPr>
           <a:lstStyle/>
           <a:p>
-            <a:pPr indent="0" lvl="0" marL="0" rtl="0">
+            <a:pPr marL="0" lvl="0" indent="0" rtl="0">
               <a:spcBef>
                 <a:spcPts val="0"/>
               </a:spcBef>
@@ -7359,12 +7691,12 @@
           </a:ln>
         </p:spPr>
         <p:txBody>
-          <a:bodyPr anchorCtr="0" anchor="t" bIns="91425" lIns="91425" rIns="91425" wrap="square" tIns="91425">
+          <a:bodyPr wrap="square" lIns="91425" tIns="91425" rIns="91425" bIns="91425" anchor="t" anchorCtr="0">
             <a:noAutofit/>
           </a:bodyPr>
           <a:lstStyle/>
           <a:p>
-            <a:pPr indent="0" lvl="0" marL="0" rtl="0" algn="ctr">
+            <a:pPr marL="0" lvl="0" indent="0" algn="ctr" rtl="0">
               <a:spcBef>
                 <a:spcPts val="0"/>
               </a:spcBef>
@@ -7390,11 +7722,11 @@
 </file>
 
 <file path=ppt/slides/slide6.xml><?xml version="1.0" encoding="utf-8"?>
-<p:sld xmlns:a="http://schemas.openxmlformats.org/drawingml/2006/main" xmlns:r="http://schemas.openxmlformats.org/officeDocument/2006/relationships" xmlns:mc="http://schemas.openxmlformats.org/markup-compatibility/2006" xmlns:mv="urn:schemas-microsoft-com:mac:vml" xmlns:p="http://schemas.openxmlformats.org/presentationml/2006/main" xmlns:c="http://schemas.openxmlformats.org/drawingml/2006/chart" xmlns:dgm="http://schemas.openxmlformats.org/drawingml/2006/diagram" xmlns:o="urn:schemas-microsoft-com:office:office" xmlns:v="urn:schemas-microsoft-com:vml" xmlns:pvml="urn:schemas-microsoft-com:office:powerpoint" xmlns:com="http://schemas.openxmlformats.org/drawingml/2006/compatibility" xmlns:p14="http://schemas.microsoft.com/office/powerpoint/2010/main" xmlns:p15="http://schemas.microsoft.com/office/powerpoint/2012/main">
+<p:sld xmlns:a="http://schemas.openxmlformats.org/drawingml/2006/main" xmlns:r="http://schemas.openxmlformats.org/officeDocument/2006/relationships" xmlns:p="http://schemas.openxmlformats.org/presentationml/2006/main">
   <p:cSld>
     <p:spTree>
       <p:nvGrpSpPr>
-        <p:cNvPr id="109" name="Shape 109"/>
+        <p:cNvPr id="1" name="Shape 109"/>
         <p:cNvGrpSpPr/>
         <p:nvPr/>
       </p:nvGrpSpPr>
@@ -7409,7 +7741,9 @@
       <p:sp>
         <p:nvSpPr>
           <p:cNvPr id="110" name="Shape 110"/>
-          <p:cNvSpPr txBox="1"/>
+          <p:cNvSpPr txBox="1">
+            <a:spLocks noGrp="1"/>
+          </p:cNvSpPr>
           <p:nvPr>
             <p:ph type="title"/>
           </p:nvPr>
@@ -7424,12 +7758,12 @@
           </a:prstGeom>
         </p:spPr>
         <p:txBody>
-          <a:bodyPr anchorCtr="0" anchor="b" bIns="91425" lIns="91425" rIns="91425" wrap="square" tIns="91425">
+          <a:bodyPr wrap="square" lIns="91425" tIns="91425" rIns="91425" bIns="91425" anchor="b" anchorCtr="0">
             <a:noAutofit/>
           </a:bodyPr>
           <a:lstStyle/>
           <a:p>
-            <a:pPr indent="0" lvl="0" marL="0" rtl="0">
+            <a:pPr marL="0" lvl="0" indent="0" rtl="0">
               <a:spcBef>
                 <a:spcPts val="0"/>
               </a:spcBef>
@@ -7462,12 +7796,12 @@
           </a:ln>
         </p:spPr>
         <p:txBody>
-          <a:bodyPr anchorCtr="0" anchor="t" bIns="91425" lIns="91425" rIns="91425" wrap="square" tIns="91425">
+          <a:bodyPr wrap="square" lIns="91425" tIns="91425" rIns="91425" bIns="91425" anchor="t" anchorCtr="0">
             <a:noAutofit/>
           </a:bodyPr>
           <a:lstStyle/>
           <a:p>
-            <a:pPr indent="0" lvl="0" marL="0" rtl="0" algn="ctr">
+            <a:pPr marL="0" lvl="0" indent="0" algn="ctr" rtl="0">
               <a:spcBef>
                 <a:spcPts val="0"/>
               </a:spcBef>
@@ -7493,11 +7827,11 @@
 </file>
 
 <file path=ppt/slides/slide7.xml><?xml version="1.0" encoding="utf-8"?>
-<p:sld xmlns:a="http://schemas.openxmlformats.org/drawingml/2006/main" xmlns:r="http://schemas.openxmlformats.org/officeDocument/2006/relationships" xmlns:mc="http://schemas.openxmlformats.org/markup-compatibility/2006" xmlns:mv="urn:schemas-microsoft-com:mac:vml" xmlns:p="http://schemas.openxmlformats.org/presentationml/2006/main" xmlns:c="http://schemas.openxmlformats.org/drawingml/2006/chart" xmlns:dgm="http://schemas.openxmlformats.org/drawingml/2006/diagram" xmlns:o="urn:schemas-microsoft-com:office:office" xmlns:v="urn:schemas-microsoft-com:vml" xmlns:pvml="urn:schemas-microsoft-com:office:powerpoint" xmlns:com="http://schemas.openxmlformats.org/drawingml/2006/compatibility" xmlns:p14="http://schemas.microsoft.com/office/powerpoint/2010/main" xmlns:p15="http://schemas.microsoft.com/office/powerpoint/2012/main">
+<p:sld xmlns:a="http://schemas.openxmlformats.org/drawingml/2006/main" xmlns:r="http://schemas.openxmlformats.org/officeDocument/2006/relationships" xmlns:p="http://schemas.openxmlformats.org/presentationml/2006/main">
   <p:cSld>
     <p:spTree>
       <p:nvGrpSpPr>
-        <p:cNvPr id="115" name="Shape 115"/>
+        <p:cNvPr id="1" name="Shape 115"/>
         <p:cNvGrpSpPr/>
         <p:nvPr/>
       </p:nvGrpSpPr>
@@ -7512,7 +7846,9 @@
       <p:sp>
         <p:nvSpPr>
           <p:cNvPr id="116" name="Shape 116"/>
-          <p:cNvSpPr txBox="1"/>
+          <p:cNvSpPr txBox="1">
+            <a:spLocks noGrp="1"/>
+          </p:cNvSpPr>
           <p:nvPr>
             <p:ph type="title"/>
           </p:nvPr>
@@ -7527,12 +7863,12 @@
           </a:prstGeom>
         </p:spPr>
         <p:txBody>
-          <a:bodyPr anchorCtr="0" anchor="b" bIns="91425" lIns="91425" rIns="91425" wrap="square" tIns="91425">
+          <a:bodyPr wrap="square" lIns="91425" tIns="91425" rIns="91425" bIns="91425" anchor="b" anchorCtr="0">
             <a:noAutofit/>
           </a:bodyPr>
           <a:lstStyle/>
           <a:p>
-            <a:pPr indent="0" lvl="0" marL="0" rtl="0">
+            <a:pPr marL="0" lvl="0" indent="0" rtl="0">
               <a:spcBef>
                 <a:spcPts val="0"/>
               </a:spcBef>
@@ -7565,12 +7901,12 @@
           </a:ln>
         </p:spPr>
         <p:txBody>
-          <a:bodyPr anchorCtr="0" anchor="t" bIns="91425" lIns="91425" rIns="91425" wrap="square" tIns="91425">
+          <a:bodyPr wrap="square" lIns="91425" tIns="91425" rIns="91425" bIns="91425" anchor="t" anchorCtr="0">
             <a:noAutofit/>
           </a:bodyPr>
           <a:lstStyle/>
           <a:p>
-            <a:pPr indent="0" lvl="0" marL="0" rtl="0" algn="ctr">
+            <a:pPr marL="0" lvl="0" indent="0" algn="ctr" rtl="0">
               <a:spcBef>
                 <a:spcPts val="0"/>
               </a:spcBef>
@@ -7596,11 +7932,11 @@
 </file>
 
 <file path=ppt/slides/slide8.xml><?xml version="1.0" encoding="utf-8"?>
-<p:sld xmlns:a="http://schemas.openxmlformats.org/drawingml/2006/main" xmlns:r="http://schemas.openxmlformats.org/officeDocument/2006/relationships" xmlns:mc="http://schemas.openxmlformats.org/markup-compatibility/2006" xmlns:mv="urn:schemas-microsoft-com:mac:vml" xmlns:p="http://schemas.openxmlformats.org/presentationml/2006/main" xmlns:c="http://schemas.openxmlformats.org/drawingml/2006/chart" xmlns:dgm="http://schemas.openxmlformats.org/drawingml/2006/diagram" xmlns:o="urn:schemas-microsoft-com:office:office" xmlns:v="urn:schemas-microsoft-com:vml" xmlns:pvml="urn:schemas-microsoft-com:office:powerpoint" xmlns:com="http://schemas.openxmlformats.org/drawingml/2006/compatibility" xmlns:p14="http://schemas.microsoft.com/office/powerpoint/2010/main" xmlns:p15="http://schemas.microsoft.com/office/powerpoint/2012/main">
+<p:sld xmlns:a="http://schemas.openxmlformats.org/drawingml/2006/main" xmlns:r="http://schemas.openxmlformats.org/officeDocument/2006/relationships" xmlns:p="http://schemas.openxmlformats.org/presentationml/2006/main">
   <p:cSld>
     <p:spTree>
       <p:nvGrpSpPr>
-        <p:cNvPr id="121" name="Shape 121"/>
+        <p:cNvPr id="1" name="Shape 121"/>
         <p:cNvGrpSpPr/>
         <p:nvPr/>
       </p:nvGrpSpPr>
@@ -7615,7 +7951,9 @@
       <p:sp>
         <p:nvSpPr>
           <p:cNvPr id="122" name="Shape 122"/>
-          <p:cNvSpPr txBox="1"/>
+          <p:cNvSpPr txBox="1">
+            <a:spLocks noGrp="1"/>
+          </p:cNvSpPr>
           <p:nvPr>
             <p:ph type="title"/>
           </p:nvPr>
@@ -7630,12 +7968,12 @@
           </a:prstGeom>
         </p:spPr>
         <p:txBody>
-          <a:bodyPr anchorCtr="0" anchor="b" bIns="91425" lIns="91425" rIns="91425" wrap="square" tIns="91425">
+          <a:bodyPr wrap="square" lIns="91425" tIns="91425" rIns="91425" bIns="91425" anchor="b" anchorCtr="0">
             <a:noAutofit/>
           </a:bodyPr>
           <a:lstStyle/>
           <a:p>
-            <a:pPr indent="0" lvl="0" marL="0" rtl="0">
+            <a:pPr marL="0" lvl="0" indent="0" rtl="0">
               <a:spcBef>
                 <a:spcPts val="0"/>
               </a:spcBef>
@@ -7668,12 +8006,12 @@
           </a:ln>
         </p:spPr>
         <p:txBody>
-          <a:bodyPr anchorCtr="0" anchor="t" bIns="91425" lIns="91425" rIns="91425" wrap="square" tIns="91425">
+          <a:bodyPr wrap="square" lIns="91425" tIns="91425" rIns="91425" bIns="91425" anchor="t" anchorCtr="0">
             <a:noAutofit/>
           </a:bodyPr>
           <a:lstStyle/>
           <a:p>
-            <a:pPr indent="0" lvl="0" marL="0" rtl="0" algn="ctr">
+            <a:pPr marL="0" lvl="0" indent="0" algn="ctr" rtl="0">
               <a:spcBef>
                 <a:spcPts val="0"/>
               </a:spcBef>
@@ -7689,15 +8027,12 @@
             </a:r>
           </a:p>
           <a:p>
-            <a:pPr indent="0" lvl="0" marL="0" rtl="0" algn="ctr">
+            <a:pPr marL="0" lvl="0" indent="0" algn="ctr" rtl="0">
               <a:spcBef>
                 <a:spcPts val="0"/>
               </a:spcBef>
               <a:buNone/>
             </a:pPr>
-            <a:r>
-              <a:t/>
-            </a:r>
             <a:endParaRPr sz="2400">
               <a:solidFill>
                 <a:srgbClr val="FFFF00"/>
@@ -7705,7 +8040,7 @@
             </a:endParaRPr>
           </a:p>
           <a:p>
-            <a:pPr indent="0" lvl="0" marL="0" rtl="0" algn="ctr">
+            <a:pPr marL="0" lvl="0" indent="0" algn="ctr" rtl="0">
               <a:spcBef>
                 <a:spcPts val="0"/>
               </a:spcBef>
@@ -7731,11 +8066,11 @@
 </file>
 
 <file path=ppt/slides/slide9.xml><?xml version="1.0" encoding="utf-8"?>
-<p:sld xmlns:a="http://schemas.openxmlformats.org/drawingml/2006/main" xmlns:r="http://schemas.openxmlformats.org/officeDocument/2006/relationships" xmlns:mc="http://schemas.openxmlformats.org/markup-compatibility/2006" xmlns:mv="urn:schemas-microsoft-com:mac:vml" xmlns:p="http://schemas.openxmlformats.org/presentationml/2006/main" xmlns:c="http://schemas.openxmlformats.org/drawingml/2006/chart" xmlns:dgm="http://schemas.openxmlformats.org/drawingml/2006/diagram" xmlns:o="urn:schemas-microsoft-com:office:office" xmlns:v="urn:schemas-microsoft-com:vml" xmlns:pvml="urn:schemas-microsoft-com:office:powerpoint" xmlns:com="http://schemas.openxmlformats.org/drawingml/2006/compatibility" xmlns:p14="http://schemas.microsoft.com/office/powerpoint/2010/main" xmlns:p15="http://schemas.microsoft.com/office/powerpoint/2012/main">
+<p:sld xmlns:a="http://schemas.openxmlformats.org/drawingml/2006/main" xmlns:r="http://schemas.openxmlformats.org/officeDocument/2006/relationships" xmlns:p="http://schemas.openxmlformats.org/presentationml/2006/main">
   <p:cSld>
     <p:spTree>
       <p:nvGrpSpPr>
-        <p:cNvPr id="127" name="Shape 127"/>
+        <p:cNvPr id="1" name="Shape 127"/>
         <p:cNvGrpSpPr/>
         <p:nvPr/>
       </p:nvGrpSpPr>
@@ -7750,7 +8085,9 @@
       <p:sp>
         <p:nvSpPr>
           <p:cNvPr id="128" name="Shape 128"/>
-          <p:cNvSpPr txBox="1"/>
+          <p:cNvSpPr txBox="1">
+            <a:spLocks noGrp="1"/>
+          </p:cNvSpPr>
           <p:nvPr>
             <p:ph type="title"/>
           </p:nvPr>
@@ -7765,12 +8102,12 @@
           </a:prstGeom>
         </p:spPr>
         <p:txBody>
-          <a:bodyPr anchorCtr="0" anchor="b" bIns="91425" lIns="91425" rIns="91425" wrap="square" tIns="91425">
+          <a:bodyPr wrap="square" lIns="91425" tIns="91425" rIns="91425" bIns="91425" anchor="b" anchorCtr="0">
             <a:noAutofit/>
           </a:bodyPr>
           <a:lstStyle/>
           <a:p>
-            <a:pPr indent="0" lvl="0" marL="0">
+            <a:pPr marL="0" lvl="0" indent="0">
               <a:spcBef>
                 <a:spcPts val="0"/>
               </a:spcBef>
@@ -7803,12 +8140,12 @@
           </a:ln>
         </p:spPr>
         <p:txBody>
-          <a:bodyPr anchorCtr="0" anchor="t" bIns="91425" lIns="91425" rIns="91425" wrap="square" tIns="91425">
+          <a:bodyPr wrap="square" lIns="91425" tIns="91425" rIns="91425" bIns="91425" anchor="t" anchorCtr="0">
             <a:noAutofit/>
           </a:bodyPr>
           <a:lstStyle/>
           <a:p>
-            <a:pPr indent="-69850" lvl="0" marL="0" rtl="0" algn="ctr">
+            <a:pPr marL="0" lvl="0" indent="-69850" algn="ctr" rtl="0">
               <a:spcBef>
                 <a:spcPts val="0"/>
               </a:spcBef>
@@ -7839,7 +8176,288 @@
 </file>
 
 <file path=ppt/theme/theme1.xml><?xml version="1.0" encoding="utf-8"?>
-<a:theme xmlns:a="http://schemas.openxmlformats.org/drawingml/2006/main" xmlns:r="http://schemas.openxmlformats.org/officeDocument/2006/relationships" name="Custom Theme">
+<a:theme xmlns:a="http://schemas.openxmlformats.org/drawingml/2006/main" name="Spotlight">
+  <a:themeElements>
+    <a:clrScheme name="Custom 439">
+      <a:dk1>
+        <a:srgbClr val="000000"/>
+      </a:dk1>
+      <a:lt1>
+        <a:srgbClr val="FFFFFF"/>
+      </a:lt1>
+      <a:dk2>
+        <a:srgbClr val="5C6E95"/>
+      </a:dk2>
+      <a:lt2>
+        <a:srgbClr val="ACB4C2"/>
+      </a:lt2>
+      <a:accent1>
+        <a:srgbClr val="667E50"/>
+      </a:accent1>
+      <a:accent2>
+        <a:srgbClr val="CFBF73"/>
+      </a:accent2>
+      <a:accent3>
+        <a:srgbClr val="8C7C82"/>
+      </a:accent3>
+      <a:accent4>
+        <a:srgbClr val="9ABF87"/>
+      </a:accent4>
+      <a:accent5>
+        <a:srgbClr val="CF9462"/>
+      </a:accent5>
+      <a:accent6>
+        <a:srgbClr val="A25642"/>
+      </a:accent6>
+      <a:hlink>
+        <a:srgbClr val="5173A5"/>
+      </a:hlink>
+      <a:folHlink>
+        <a:srgbClr val="687282"/>
+      </a:folHlink>
+    </a:clrScheme>
+    <a:fontScheme name="Office">
+      <a:majorFont>
+        <a:latin typeface="Arial"/>
+        <a:ea typeface=""/>
+        <a:cs typeface=""/>
+        <a:font script="Jpan" typeface="ＭＳ Ｐゴシック"/>
+        <a:font script="Hang" typeface="맑은 고딕"/>
+        <a:font script="Hans" typeface="宋体"/>
+        <a:font script="Hant" typeface="新細明體"/>
+        <a:font script="Arab" typeface="Times New Roman"/>
+        <a:font script="Hebr" typeface="Times New Roman"/>
+        <a:font script="Thai" typeface="Angsana New"/>
+        <a:font script="Ethi" typeface="Nyala"/>
+        <a:font script="Beng" typeface="Vrinda"/>
+        <a:font script="Gujr" typeface="Shruti"/>
+        <a:font script="Khmr" typeface="MoolBoran"/>
+        <a:font script="Knda" typeface="Tunga"/>
+        <a:font script="Guru" typeface="Raavi"/>
+        <a:font script="Cans" typeface="Euphemia"/>
+        <a:font script="Cher" typeface="Plantagenet Cherokee"/>
+        <a:font script="Yiii" typeface="Microsoft Yi Baiti"/>
+        <a:font script="Tibt" typeface="Microsoft Himalaya"/>
+        <a:font script="Thaa" typeface="MV Boli"/>
+        <a:font script="Deva" typeface="Mangal"/>
+        <a:font script="Telu" typeface="Gautami"/>
+        <a:font script="Taml" typeface="Latha"/>
+        <a:font script="Syrc" typeface="Estrangelo Edessa"/>
+        <a:font script="Orya" typeface="Kalinga"/>
+        <a:font script="Mlym" typeface="Kartika"/>
+        <a:font script="Laoo" typeface="DokChampa"/>
+        <a:font script="Sinh" typeface="Iskoola Pota"/>
+        <a:font script="Mong" typeface="Mongolian Baiti"/>
+        <a:font script="Viet" typeface="Times New Roman"/>
+        <a:font script="Uigh" typeface="Microsoft Uighur"/>
+        <a:font script="Geor" typeface="Sylfaen"/>
+      </a:majorFont>
+      <a:minorFont>
+        <a:latin typeface="Arial"/>
+        <a:ea typeface=""/>
+        <a:cs typeface=""/>
+        <a:font script="Jpan" typeface="ＭＳ Ｐゴシック"/>
+        <a:font script="Hang" typeface="맑은 고딕"/>
+        <a:font script="Hans" typeface="宋体"/>
+        <a:font script="Hant" typeface="新細明體"/>
+        <a:font script="Arab" typeface="Arial"/>
+        <a:font script="Hebr" typeface="Arial"/>
+        <a:font script="Thai" typeface="Cordia New"/>
+        <a:font script="Ethi" typeface="Nyala"/>
+        <a:font script="Beng" typeface="Vrinda"/>
+        <a:font script="Gujr" typeface="Shruti"/>
+        <a:font script="Khmr" typeface="DaunPenh"/>
+        <a:font script="Knda" typeface="Tunga"/>
+        <a:font script="Guru" typeface="Raavi"/>
+        <a:font script="Cans" typeface="Euphemia"/>
+        <a:font script="Cher" typeface="Plantagenet Cherokee"/>
+        <a:font script="Yiii" typeface="Microsoft Yi Baiti"/>
+        <a:font script="Tibt" typeface="Microsoft Himalaya"/>
+        <a:font script="Thaa" typeface="MV Boli"/>
+        <a:font script="Deva" typeface="Mangal"/>
+        <a:font script="Telu" typeface="Gautami"/>
+        <a:font script="Taml" typeface="Latha"/>
+        <a:font script="Syrc" typeface="Estrangelo Edessa"/>
+        <a:font script="Orya" typeface="Kalinga"/>
+        <a:font script="Mlym" typeface="Kartika"/>
+        <a:font script="Laoo" typeface="DokChampa"/>
+        <a:font script="Sinh" typeface="Iskoola Pota"/>
+        <a:font script="Mong" typeface="Mongolian Baiti"/>
+        <a:font script="Viet" typeface="Arial"/>
+        <a:font script="Uigh" typeface="Microsoft Uighur"/>
+        <a:font script="Geor" typeface="Sylfaen"/>
+      </a:minorFont>
+    </a:fontScheme>
+    <a:fmtScheme name="Office">
+      <a:fillStyleLst>
+        <a:solidFill>
+          <a:schemeClr val="phClr"/>
+        </a:solidFill>
+        <a:gradFill rotWithShape="1">
+          <a:gsLst>
+            <a:gs pos="0">
+              <a:schemeClr val="phClr">
+                <a:tint val="50000"/>
+                <a:satMod val="300000"/>
+              </a:schemeClr>
+            </a:gs>
+            <a:gs pos="35000">
+              <a:schemeClr val="phClr">
+                <a:tint val="37000"/>
+                <a:satMod val="300000"/>
+              </a:schemeClr>
+            </a:gs>
+            <a:gs pos="100000">
+              <a:schemeClr val="phClr">
+                <a:tint val="15000"/>
+                <a:satMod val="350000"/>
+              </a:schemeClr>
+            </a:gs>
+          </a:gsLst>
+          <a:lin ang="16200000" scaled="1"/>
+        </a:gradFill>
+        <a:gradFill rotWithShape="1">
+          <a:gsLst>
+            <a:gs pos="0">
+              <a:schemeClr val="phClr">
+                <a:tint val="100000"/>
+                <a:shade val="100000"/>
+                <a:satMod val="130000"/>
+              </a:schemeClr>
+            </a:gs>
+            <a:gs pos="100000">
+              <a:schemeClr val="phClr">
+                <a:tint val="50000"/>
+                <a:shade val="100000"/>
+                <a:satMod val="350000"/>
+              </a:schemeClr>
+            </a:gs>
+          </a:gsLst>
+          <a:lin ang="16200000" scaled="0"/>
+        </a:gradFill>
+      </a:fillStyleLst>
+      <a:lnStyleLst>
+        <a:ln w="9525" cap="flat" cmpd="sng" algn="ctr">
+          <a:solidFill>
+            <a:schemeClr val="phClr">
+              <a:shade val="95000"/>
+              <a:satMod val="105000"/>
+            </a:schemeClr>
+          </a:solidFill>
+          <a:prstDash val="solid"/>
+        </a:ln>
+        <a:ln w="25400" cap="flat" cmpd="sng" algn="ctr">
+          <a:solidFill>
+            <a:schemeClr val="phClr"/>
+          </a:solidFill>
+          <a:prstDash val="solid"/>
+        </a:ln>
+        <a:ln w="38100" cap="flat" cmpd="sng" algn="ctr">
+          <a:solidFill>
+            <a:schemeClr val="phClr"/>
+          </a:solidFill>
+          <a:prstDash val="solid"/>
+        </a:ln>
+      </a:lnStyleLst>
+      <a:effectStyleLst>
+        <a:effectStyle>
+          <a:effectLst>
+            <a:outerShdw blurRad="40000" dist="20000" dir="5400000" rotWithShape="0">
+              <a:srgbClr val="000000">
+                <a:alpha val="38000"/>
+              </a:srgbClr>
+            </a:outerShdw>
+          </a:effectLst>
+        </a:effectStyle>
+        <a:effectStyle>
+          <a:effectLst>
+            <a:outerShdw blurRad="40000" dist="23000" dir="5400000" rotWithShape="0">
+              <a:srgbClr val="000000">
+                <a:alpha val="35000"/>
+              </a:srgbClr>
+            </a:outerShdw>
+          </a:effectLst>
+        </a:effectStyle>
+        <a:effectStyle>
+          <a:effectLst>
+            <a:outerShdw blurRad="40000" dist="23000" dir="5400000" rotWithShape="0">
+              <a:srgbClr val="000000">
+                <a:alpha val="35000"/>
+              </a:srgbClr>
+            </a:outerShdw>
+          </a:effectLst>
+          <a:scene3d>
+            <a:camera prst="orthographicFront">
+              <a:rot lat="0" lon="0" rev="0"/>
+            </a:camera>
+            <a:lightRig rig="threePt" dir="t">
+              <a:rot lat="0" lon="0" rev="1200000"/>
+            </a:lightRig>
+          </a:scene3d>
+          <a:sp3d>
+            <a:bevelT w="63500" h="25400"/>
+          </a:sp3d>
+        </a:effectStyle>
+      </a:effectStyleLst>
+      <a:bgFillStyleLst>
+        <a:solidFill>
+          <a:schemeClr val="phClr"/>
+        </a:solidFill>
+        <a:gradFill rotWithShape="1">
+          <a:gsLst>
+            <a:gs pos="0">
+              <a:schemeClr val="phClr">
+                <a:tint val="40000"/>
+                <a:satMod val="350000"/>
+              </a:schemeClr>
+            </a:gs>
+            <a:gs pos="40000">
+              <a:schemeClr val="phClr">
+                <a:tint val="45000"/>
+                <a:shade val="99000"/>
+                <a:satMod val="350000"/>
+              </a:schemeClr>
+            </a:gs>
+            <a:gs pos="100000">
+              <a:schemeClr val="phClr">
+                <a:shade val="20000"/>
+                <a:satMod val="255000"/>
+              </a:schemeClr>
+            </a:gs>
+          </a:gsLst>
+          <a:path path="circle">
+            <a:fillToRect l="50000" t="-80000" r="50000" b="180000"/>
+          </a:path>
+        </a:gradFill>
+        <a:gradFill rotWithShape="1">
+          <a:gsLst>
+            <a:gs pos="0">
+              <a:schemeClr val="phClr">
+                <a:tint val="80000"/>
+                <a:satMod val="300000"/>
+              </a:schemeClr>
+            </a:gs>
+            <a:gs pos="100000">
+              <a:schemeClr val="phClr">
+                <a:shade val="30000"/>
+                <a:satMod val="200000"/>
+              </a:schemeClr>
+            </a:gs>
+          </a:gsLst>
+          <a:path path="circle">
+            <a:fillToRect l="50000" t="50000" r="50000" b="50000"/>
+          </a:path>
+        </a:gradFill>
+      </a:bgFillStyleLst>
+    </a:fmtScheme>
+  </a:themeElements>
+  <a:objectDefaults/>
+  <a:extraClrSchemeLst/>
+</a:theme>
+</file>
+
+<file path=ppt/theme/theme2.xml><?xml version="1.0" encoding="utf-8"?>
+<a:theme xmlns:a="http://schemas.openxmlformats.org/drawingml/2006/main" name="Custom Theme">
   <a:themeElements>
     <a:clrScheme name="Default">
       <a:dk1>
@@ -8114,284 +8732,7 @@
       </a:bgFillStyleLst>
     </a:fmtScheme>
   </a:themeElements>
-</a:theme>
-</file>
-
-<file path=ppt/theme/theme2.xml><?xml version="1.0" encoding="utf-8"?>
-<a:theme xmlns:a="http://schemas.openxmlformats.org/drawingml/2006/main" xmlns:r="http://schemas.openxmlformats.org/officeDocument/2006/relationships" name="Spotlight">
-  <a:themeElements>
-    <a:clrScheme name="Custom 439">
-      <a:dk1>
-        <a:srgbClr val="000000"/>
-      </a:dk1>
-      <a:lt1>
-        <a:srgbClr val="FFFFFF"/>
-      </a:lt1>
-      <a:dk2>
-        <a:srgbClr val="5C6E95"/>
-      </a:dk2>
-      <a:lt2>
-        <a:srgbClr val="ACB4C2"/>
-      </a:lt2>
-      <a:accent1>
-        <a:srgbClr val="667E50"/>
-      </a:accent1>
-      <a:accent2>
-        <a:srgbClr val="CFBF73"/>
-      </a:accent2>
-      <a:accent3>
-        <a:srgbClr val="8C7C82"/>
-      </a:accent3>
-      <a:accent4>
-        <a:srgbClr val="9ABF87"/>
-      </a:accent4>
-      <a:accent5>
-        <a:srgbClr val="CF9462"/>
-      </a:accent5>
-      <a:accent6>
-        <a:srgbClr val="A25642"/>
-      </a:accent6>
-      <a:hlink>
-        <a:srgbClr val="5173A5"/>
-      </a:hlink>
-      <a:folHlink>
-        <a:srgbClr val="687282"/>
-      </a:folHlink>
-    </a:clrScheme>
-    <a:fontScheme name="Office">
-      <a:majorFont>
-        <a:latin typeface="Arial"/>
-        <a:ea typeface=""/>
-        <a:cs typeface=""/>
-        <a:font script="Jpan" typeface="ＭＳ Ｐゴシック"/>
-        <a:font script="Hang" typeface="맑은 고딕"/>
-        <a:font script="Hans" typeface="宋体"/>
-        <a:font script="Hant" typeface="新細明體"/>
-        <a:font script="Arab" typeface="Times New Roman"/>
-        <a:font script="Hebr" typeface="Times New Roman"/>
-        <a:font script="Thai" typeface="Angsana New"/>
-        <a:font script="Ethi" typeface="Nyala"/>
-        <a:font script="Beng" typeface="Vrinda"/>
-        <a:font script="Gujr" typeface="Shruti"/>
-        <a:font script="Khmr" typeface="MoolBoran"/>
-        <a:font script="Knda" typeface="Tunga"/>
-        <a:font script="Guru" typeface="Raavi"/>
-        <a:font script="Cans" typeface="Euphemia"/>
-        <a:font script="Cher" typeface="Plantagenet Cherokee"/>
-        <a:font script="Yiii" typeface="Microsoft Yi Baiti"/>
-        <a:font script="Tibt" typeface="Microsoft Himalaya"/>
-        <a:font script="Thaa" typeface="MV Boli"/>
-        <a:font script="Deva" typeface="Mangal"/>
-        <a:font script="Telu" typeface="Gautami"/>
-        <a:font script="Taml" typeface="Latha"/>
-        <a:font script="Syrc" typeface="Estrangelo Edessa"/>
-        <a:font script="Orya" typeface="Kalinga"/>
-        <a:font script="Mlym" typeface="Kartika"/>
-        <a:font script="Laoo" typeface="DokChampa"/>
-        <a:font script="Sinh" typeface="Iskoola Pota"/>
-        <a:font script="Mong" typeface="Mongolian Baiti"/>
-        <a:font script="Viet" typeface="Times New Roman"/>
-        <a:font script="Uigh" typeface="Microsoft Uighur"/>
-        <a:font script="Geor" typeface="Sylfaen"/>
-      </a:majorFont>
-      <a:minorFont>
-        <a:latin typeface="Arial"/>
-        <a:ea typeface=""/>
-        <a:cs typeface=""/>
-        <a:font script="Jpan" typeface="ＭＳ Ｐゴシック"/>
-        <a:font script="Hang" typeface="맑은 고딕"/>
-        <a:font script="Hans" typeface="宋体"/>
-        <a:font script="Hant" typeface="新細明體"/>
-        <a:font script="Arab" typeface="Arial"/>
-        <a:font script="Hebr" typeface="Arial"/>
-        <a:font script="Thai" typeface="Cordia New"/>
-        <a:font script="Ethi" typeface="Nyala"/>
-        <a:font script="Beng" typeface="Vrinda"/>
-        <a:font script="Gujr" typeface="Shruti"/>
-        <a:font script="Khmr" typeface="DaunPenh"/>
-        <a:font script="Knda" typeface="Tunga"/>
-        <a:font script="Guru" typeface="Raavi"/>
-        <a:font script="Cans" typeface="Euphemia"/>
-        <a:font script="Cher" typeface="Plantagenet Cherokee"/>
-        <a:font script="Yiii" typeface="Microsoft Yi Baiti"/>
-        <a:font script="Tibt" typeface="Microsoft Himalaya"/>
-        <a:font script="Thaa" typeface="MV Boli"/>
-        <a:font script="Deva" typeface="Mangal"/>
-        <a:font script="Telu" typeface="Gautami"/>
-        <a:font script="Taml" typeface="Latha"/>
-        <a:font script="Syrc" typeface="Estrangelo Edessa"/>
-        <a:font script="Orya" typeface="Kalinga"/>
-        <a:font script="Mlym" typeface="Kartika"/>
-        <a:font script="Laoo" typeface="DokChampa"/>
-        <a:font script="Sinh" typeface="Iskoola Pota"/>
-        <a:font script="Mong" typeface="Mongolian Baiti"/>
-        <a:font script="Viet" typeface="Arial"/>
-        <a:font script="Uigh" typeface="Microsoft Uighur"/>
-        <a:font script="Geor" typeface="Sylfaen"/>
-      </a:minorFont>
-    </a:fontScheme>
-    <a:fmtScheme name="Office">
-      <a:fillStyleLst>
-        <a:solidFill>
-          <a:schemeClr val="phClr"/>
-        </a:solidFill>
-        <a:gradFill rotWithShape="1">
-          <a:gsLst>
-            <a:gs pos="0">
-              <a:schemeClr val="phClr">
-                <a:tint val="50000"/>
-                <a:satMod val="300000"/>
-              </a:schemeClr>
-            </a:gs>
-            <a:gs pos="35000">
-              <a:schemeClr val="phClr">
-                <a:tint val="37000"/>
-                <a:satMod val="300000"/>
-              </a:schemeClr>
-            </a:gs>
-            <a:gs pos="100000">
-              <a:schemeClr val="phClr">
-                <a:tint val="15000"/>
-                <a:satMod val="350000"/>
-              </a:schemeClr>
-            </a:gs>
-          </a:gsLst>
-          <a:lin ang="16200000" scaled="1"/>
-        </a:gradFill>
-        <a:gradFill rotWithShape="1">
-          <a:gsLst>
-            <a:gs pos="0">
-              <a:schemeClr val="phClr">
-                <a:tint val="100000"/>
-                <a:shade val="100000"/>
-                <a:satMod val="130000"/>
-              </a:schemeClr>
-            </a:gs>
-            <a:gs pos="100000">
-              <a:schemeClr val="phClr">
-                <a:tint val="50000"/>
-                <a:shade val="100000"/>
-                <a:satMod val="350000"/>
-              </a:schemeClr>
-            </a:gs>
-          </a:gsLst>
-          <a:lin ang="16200000" scaled="0"/>
-        </a:gradFill>
-      </a:fillStyleLst>
-      <a:lnStyleLst>
-        <a:ln w="9525" cap="flat" cmpd="sng" algn="ctr">
-          <a:solidFill>
-            <a:schemeClr val="phClr">
-              <a:shade val="95000"/>
-              <a:satMod val="105000"/>
-            </a:schemeClr>
-          </a:solidFill>
-          <a:prstDash val="solid"/>
-        </a:ln>
-        <a:ln w="25400" cap="flat" cmpd="sng" algn="ctr">
-          <a:solidFill>
-            <a:schemeClr val="phClr"/>
-          </a:solidFill>
-          <a:prstDash val="solid"/>
-        </a:ln>
-        <a:ln w="38100" cap="flat" cmpd="sng" algn="ctr">
-          <a:solidFill>
-            <a:schemeClr val="phClr"/>
-          </a:solidFill>
-          <a:prstDash val="solid"/>
-        </a:ln>
-      </a:lnStyleLst>
-      <a:effectStyleLst>
-        <a:effectStyle>
-          <a:effectLst>
-            <a:outerShdw blurRad="40000" dist="20000" dir="5400000" rotWithShape="0">
-              <a:srgbClr val="000000">
-                <a:alpha val="38000"/>
-              </a:srgbClr>
-            </a:outerShdw>
-          </a:effectLst>
-        </a:effectStyle>
-        <a:effectStyle>
-          <a:effectLst>
-            <a:outerShdw blurRad="40000" dist="23000" dir="5400000" rotWithShape="0">
-              <a:srgbClr val="000000">
-                <a:alpha val="35000"/>
-              </a:srgbClr>
-            </a:outerShdw>
-          </a:effectLst>
-        </a:effectStyle>
-        <a:effectStyle>
-          <a:effectLst>
-            <a:outerShdw blurRad="40000" dist="23000" dir="5400000" rotWithShape="0">
-              <a:srgbClr val="000000">
-                <a:alpha val="35000"/>
-              </a:srgbClr>
-            </a:outerShdw>
-          </a:effectLst>
-          <a:scene3d>
-            <a:camera prst="orthographicFront">
-              <a:rot lat="0" lon="0" rev="0"/>
-            </a:camera>
-            <a:lightRig rig="threePt" dir="t">
-              <a:rot lat="0" lon="0" rev="1200000"/>
-            </a:lightRig>
-          </a:scene3d>
-          <a:sp3d>
-            <a:bevelT w="63500" h="25400"/>
-          </a:sp3d>
-        </a:effectStyle>
-      </a:effectStyleLst>
-      <a:bgFillStyleLst>
-        <a:solidFill>
-          <a:schemeClr val="phClr"/>
-        </a:solidFill>
-        <a:gradFill rotWithShape="1">
-          <a:gsLst>
-            <a:gs pos="0">
-              <a:schemeClr val="phClr">
-                <a:tint val="40000"/>
-                <a:satMod val="350000"/>
-              </a:schemeClr>
-            </a:gs>
-            <a:gs pos="40000">
-              <a:schemeClr val="phClr">
-                <a:tint val="45000"/>
-                <a:shade val="99000"/>
-                <a:satMod val="350000"/>
-              </a:schemeClr>
-            </a:gs>
-            <a:gs pos="100000">
-              <a:schemeClr val="phClr">
-                <a:shade val="20000"/>
-                <a:satMod val="255000"/>
-              </a:schemeClr>
-            </a:gs>
-          </a:gsLst>
-          <a:path path="circle">
-            <a:fillToRect l="50000" t="-80000" r="50000" b="180000"/>
-          </a:path>
-        </a:gradFill>
-        <a:gradFill rotWithShape="1">
-          <a:gsLst>
-            <a:gs pos="0">
-              <a:schemeClr val="phClr">
-                <a:tint val="80000"/>
-                <a:satMod val="300000"/>
-              </a:schemeClr>
-            </a:gs>
-            <a:gs pos="100000">
-              <a:schemeClr val="phClr">
-                <a:shade val="30000"/>
-                <a:satMod val="200000"/>
-              </a:schemeClr>
-            </a:gs>
-          </a:gsLst>
-          <a:path path="circle">
-            <a:fillToRect l="50000" t="50000" r="50000" b="50000"/>
-          </a:path>
-        </a:gradFill>
-      </a:bgFillStyleLst>
-    </a:fmtScheme>
-  </a:themeElements>
+  <a:objectDefaults/>
+  <a:extraClrSchemeLst/>
 </a:theme>
 </file>